--- a/materials/lec_3/lec_3.pptx
+++ b/materials/lec_3/lec_3.pptx
@@ -5,7 +5,7 @@
     <p:sldMasterId id="2147484020" r:id="rId1"/>
   </p:sldMasterIdLst>
   <p:notesMasterIdLst>
-    <p:notesMasterId r:id="rId23"/>
+    <p:notesMasterId r:id="rId29"/>
   </p:notesMasterIdLst>
   <p:sldIdLst>
     <p:sldId id="256" r:id="rId2"/>
@@ -19,16 +19,22 @@
     <p:sldId id="349" r:id="rId10"/>
     <p:sldId id="350" r:id="rId11"/>
     <p:sldId id="351" r:id="rId12"/>
-    <p:sldId id="356" r:id="rId13"/>
-    <p:sldId id="357" r:id="rId14"/>
-    <p:sldId id="358" r:id="rId15"/>
-    <p:sldId id="359" r:id="rId16"/>
-    <p:sldId id="360" r:id="rId17"/>
-    <p:sldId id="361" r:id="rId18"/>
-    <p:sldId id="362" r:id="rId19"/>
-    <p:sldId id="363" r:id="rId20"/>
-    <p:sldId id="364" r:id="rId21"/>
-    <p:sldId id="300" r:id="rId22"/>
+    <p:sldId id="365" r:id="rId13"/>
+    <p:sldId id="366" r:id="rId14"/>
+    <p:sldId id="356" r:id="rId15"/>
+    <p:sldId id="357" r:id="rId16"/>
+    <p:sldId id="358" r:id="rId17"/>
+    <p:sldId id="359" r:id="rId18"/>
+    <p:sldId id="367" r:id="rId19"/>
+    <p:sldId id="369" r:id="rId20"/>
+    <p:sldId id="368" r:id="rId21"/>
+    <p:sldId id="370" r:id="rId22"/>
+    <p:sldId id="360" r:id="rId23"/>
+    <p:sldId id="361" r:id="rId24"/>
+    <p:sldId id="362" r:id="rId25"/>
+    <p:sldId id="363" r:id="rId26"/>
+    <p:sldId id="364" r:id="rId27"/>
+    <p:sldId id="300" r:id="rId28"/>
   </p:sldIdLst>
   <p:sldSz cx="9144000" cy="6858000" type="screen4x3"/>
   <p:notesSz cx="6858000" cy="9144000"/>
@@ -212,7 +218,7 @@
           <a:p>
             <a:fld id="{07CCACB0-F8FE-4858-B318-FD65BA258CC9}" type="datetimeFigureOut">
               <a:rPr lang="ru-RU" smtClean="0"/>
-              <a:t>18.10.2017</a:t>
+              <a:t>01.11.2017</a:t>
             </a:fld>
             <a:endParaRPr lang="ru-RU"/>
           </a:p>
@@ -545,7 +551,7 @@
           <a:p>
             <a:fld id="{A4386834-D4DC-4436-81F0-088D0656D606}" type="slidenum">
               <a:rPr lang="ru-RU" smtClean="0"/>
-              <a:t>15</a:t>
+              <a:t>17</a:t>
             </a:fld>
             <a:endParaRPr lang="ru-RU"/>
           </a:p>
@@ -555,6 +561,174 @@
     <p:extLst>
       <p:ext uri="{BB962C8B-B14F-4D97-AF65-F5344CB8AC3E}">
         <p14:creationId xmlns:p14="http://schemas.microsoft.com/office/powerpoint/2010/main" val="3242261875"/>
+      </p:ext>
+    </p:extLst>
+  </p:cSld>
+  <p:clrMapOvr>
+    <a:masterClrMapping/>
+  </p:clrMapOvr>
+</p:notes>
+</file>
+
+<file path=ppt/notesSlides/notesSlide10.xml><?xml version="1.0" encoding="utf-8"?>
+<p:notes xmlns:a="http://schemas.openxmlformats.org/drawingml/2006/main" xmlns:r="http://schemas.openxmlformats.org/officeDocument/2006/relationships" xmlns:p="http://schemas.openxmlformats.org/presentationml/2006/main">
+  <p:cSld>
+    <p:spTree>
+      <p:nvGrpSpPr>
+        <p:cNvPr id="1" name=""/>
+        <p:cNvGrpSpPr/>
+        <p:nvPr/>
+      </p:nvGrpSpPr>
+      <p:grpSpPr>
+        <a:xfrm>
+          <a:off x="0" y="0"/>
+          <a:ext cx="0" cy="0"/>
+          <a:chOff x="0" y="0"/>
+          <a:chExt cx="0" cy="0"/>
+        </a:xfrm>
+      </p:grpSpPr>
+      <p:sp>
+        <p:nvSpPr>
+          <p:cNvPr id="2" name="Образ слайда 1"/>
+          <p:cNvSpPr>
+            <a:spLocks noGrp="1" noRot="1" noChangeAspect="1"/>
+          </p:cNvSpPr>
+          <p:nvPr>
+            <p:ph type="sldImg"/>
+          </p:nvPr>
+        </p:nvSpPr>
+        <p:spPr/>
+      </p:sp>
+      <p:sp>
+        <p:nvSpPr>
+          <p:cNvPr id="3" name="Заметки 2"/>
+          <p:cNvSpPr>
+            <a:spLocks noGrp="1"/>
+          </p:cNvSpPr>
+          <p:nvPr>
+            <p:ph type="body" idx="1"/>
+          </p:nvPr>
+        </p:nvSpPr>
+        <p:spPr/>
+        <p:txBody>
+          <a:bodyPr/>
+          <a:lstStyle/>
+          <a:p>
+            <a:endParaRPr lang="ru-RU" dirty="0"/>
+          </a:p>
+        </p:txBody>
+      </p:sp>
+      <p:sp>
+        <p:nvSpPr>
+          <p:cNvPr id="4" name="Номер слайда 3"/>
+          <p:cNvSpPr>
+            <a:spLocks noGrp="1"/>
+          </p:cNvSpPr>
+          <p:nvPr>
+            <p:ph type="sldNum" sz="quarter" idx="10"/>
+          </p:nvPr>
+        </p:nvSpPr>
+        <p:spPr/>
+        <p:txBody>
+          <a:bodyPr/>
+          <a:lstStyle/>
+          <a:p>
+            <a:fld id="{A4386834-D4DC-4436-81F0-088D0656D606}" type="slidenum">
+              <a:rPr lang="ru-RU" smtClean="0"/>
+              <a:t>26</a:t>
+            </a:fld>
+            <a:endParaRPr lang="ru-RU"/>
+          </a:p>
+        </p:txBody>
+      </p:sp>
+    </p:spTree>
+    <p:extLst>
+      <p:ext uri="{BB962C8B-B14F-4D97-AF65-F5344CB8AC3E}">
+        <p14:creationId xmlns:p14="http://schemas.microsoft.com/office/powerpoint/2010/main" val="3242261875"/>
+      </p:ext>
+    </p:extLst>
+  </p:cSld>
+  <p:clrMapOvr>
+    <a:masterClrMapping/>
+  </p:clrMapOvr>
+</p:notes>
+</file>
+
+<file path=ppt/notesSlides/notesSlide11.xml><?xml version="1.0" encoding="utf-8"?>
+<p:notes xmlns:a="http://schemas.openxmlformats.org/drawingml/2006/main" xmlns:r="http://schemas.openxmlformats.org/officeDocument/2006/relationships" xmlns:p="http://schemas.openxmlformats.org/presentationml/2006/main">
+  <p:cSld>
+    <p:spTree>
+      <p:nvGrpSpPr>
+        <p:cNvPr id="1" name=""/>
+        <p:cNvGrpSpPr/>
+        <p:nvPr/>
+      </p:nvGrpSpPr>
+      <p:grpSpPr>
+        <a:xfrm>
+          <a:off x="0" y="0"/>
+          <a:ext cx="0" cy="0"/>
+          <a:chOff x="0" y="0"/>
+          <a:chExt cx="0" cy="0"/>
+        </a:xfrm>
+      </p:grpSpPr>
+      <p:sp>
+        <p:nvSpPr>
+          <p:cNvPr id="2" name="Образ слайда 1"/>
+          <p:cNvSpPr>
+            <a:spLocks noGrp="1" noRot="1" noChangeAspect="1"/>
+          </p:cNvSpPr>
+          <p:nvPr>
+            <p:ph type="sldImg"/>
+          </p:nvPr>
+        </p:nvSpPr>
+        <p:spPr/>
+      </p:sp>
+      <p:sp>
+        <p:nvSpPr>
+          <p:cNvPr id="3" name="Заметки 2"/>
+          <p:cNvSpPr>
+            <a:spLocks noGrp="1"/>
+          </p:cNvSpPr>
+          <p:nvPr>
+            <p:ph type="body" idx="1"/>
+          </p:nvPr>
+        </p:nvSpPr>
+        <p:spPr/>
+        <p:txBody>
+          <a:bodyPr/>
+          <a:lstStyle/>
+          <a:p>
+            <a:endParaRPr lang="ru-RU" dirty="0"/>
+          </a:p>
+        </p:txBody>
+      </p:sp>
+      <p:sp>
+        <p:nvSpPr>
+          <p:cNvPr id="4" name="Номер слайда 3"/>
+          <p:cNvSpPr>
+            <a:spLocks noGrp="1"/>
+          </p:cNvSpPr>
+          <p:nvPr>
+            <p:ph type="sldNum" sz="quarter" idx="10"/>
+          </p:nvPr>
+        </p:nvSpPr>
+        <p:spPr/>
+        <p:txBody>
+          <a:bodyPr/>
+          <a:lstStyle/>
+          <a:p>
+            <a:fld id="{A4386834-D4DC-4436-81F0-088D0656D606}" type="slidenum">
+              <a:rPr lang="ru-RU" smtClean="0"/>
+              <a:t>27</a:t>
+            </a:fld>
+            <a:endParaRPr lang="ru-RU"/>
+          </a:p>
+        </p:txBody>
+      </p:sp>
+    </p:spTree>
+    <p:extLst>
+      <p:ext uri="{BB962C8B-B14F-4D97-AF65-F5344CB8AC3E}">
+        <p14:creationId xmlns:p14="http://schemas.microsoft.com/office/powerpoint/2010/main" val="2131517300"/>
       </p:ext>
     </p:extLst>
   </p:cSld>
@@ -629,7 +803,7 @@
           <a:p>
             <a:fld id="{A4386834-D4DC-4436-81F0-088D0656D606}" type="slidenum">
               <a:rPr lang="ru-RU" smtClean="0"/>
-              <a:t>16</a:t>
+              <a:t>18</a:t>
             </a:fld>
             <a:endParaRPr lang="ru-RU"/>
           </a:p>
@@ -713,7 +887,7 @@
           <a:p>
             <a:fld id="{A4386834-D4DC-4436-81F0-088D0656D606}" type="slidenum">
               <a:rPr lang="ru-RU" smtClean="0"/>
-              <a:t>17</a:t>
+              <a:t>19</a:t>
             </a:fld>
             <a:endParaRPr lang="ru-RU"/>
           </a:p>
@@ -797,7 +971,7 @@
           <a:p>
             <a:fld id="{A4386834-D4DC-4436-81F0-088D0656D606}" type="slidenum">
               <a:rPr lang="ru-RU" smtClean="0"/>
-              <a:t>18</a:t>
+              <a:t>20</a:t>
             </a:fld>
             <a:endParaRPr lang="ru-RU"/>
           </a:p>
@@ -881,7 +1055,7 @@
           <a:p>
             <a:fld id="{A4386834-D4DC-4436-81F0-088D0656D606}" type="slidenum">
               <a:rPr lang="ru-RU" smtClean="0"/>
-              <a:t>19</a:t>
+              <a:t>21</a:t>
             </a:fld>
             <a:endParaRPr lang="ru-RU"/>
           </a:p>
@@ -965,7 +1139,7 @@
           <a:p>
             <a:fld id="{A4386834-D4DC-4436-81F0-088D0656D606}" type="slidenum">
               <a:rPr lang="ru-RU" smtClean="0"/>
-              <a:t>20</a:t>
+              <a:t>22</a:t>
             </a:fld>
             <a:endParaRPr lang="ru-RU"/>
           </a:p>
@@ -1049,7 +1223,7 @@
           <a:p>
             <a:fld id="{A4386834-D4DC-4436-81F0-088D0656D606}" type="slidenum">
               <a:rPr lang="ru-RU" smtClean="0"/>
-              <a:t>21</a:t>
+              <a:t>23</a:t>
             </a:fld>
             <a:endParaRPr lang="ru-RU"/>
           </a:p>
@@ -1058,7 +1232,175 @@
     </p:spTree>
     <p:extLst>
       <p:ext uri="{BB962C8B-B14F-4D97-AF65-F5344CB8AC3E}">
-        <p14:creationId xmlns:p14="http://schemas.microsoft.com/office/powerpoint/2010/main" val="2131517300"/>
+        <p14:creationId xmlns:p14="http://schemas.microsoft.com/office/powerpoint/2010/main" val="3242261875"/>
+      </p:ext>
+    </p:extLst>
+  </p:cSld>
+  <p:clrMapOvr>
+    <a:masterClrMapping/>
+  </p:clrMapOvr>
+</p:notes>
+</file>
+
+<file path=ppt/notesSlides/notesSlide8.xml><?xml version="1.0" encoding="utf-8"?>
+<p:notes xmlns:a="http://schemas.openxmlformats.org/drawingml/2006/main" xmlns:r="http://schemas.openxmlformats.org/officeDocument/2006/relationships" xmlns:p="http://schemas.openxmlformats.org/presentationml/2006/main">
+  <p:cSld>
+    <p:spTree>
+      <p:nvGrpSpPr>
+        <p:cNvPr id="1" name=""/>
+        <p:cNvGrpSpPr/>
+        <p:nvPr/>
+      </p:nvGrpSpPr>
+      <p:grpSpPr>
+        <a:xfrm>
+          <a:off x="0" y="0"/>
+          <a:ext cx="0" cy="0"/>
+          <a:chOff x="0" y="0"/>
+          <a:chExt cx="0" cy="0"/>
+        </a:xfrm>
+      </p:grpSpPr>
+      <p:sp>
+        <p:nvSpPr>
+          <p:cNvPr id="2" name="Образ слайда 1"/>
+          <p:cNvSpPr>
+            <a:spLocks noGrp="1" noRot="1" noChangeAspect="1"/>
+          </p:cNvSpPr>
+          <p:nvPr>
+            <p:ph type="sldImg"/>
+          </p:nvPr>
+        </p:nvSpPr>
+        <p:spPr/>
+      </p:sp>
+      <p:sp>
+        <p:nvSpPr>
+          <p:cNvPr id="3" name="Заметки 2"/>
+          <p:cNvSpPr>
+            <a:spLocks noGrp="1"/>
+          </p:cNvSpPr>
+          <p:nvPr>
+            <p:ph type="body" idx="1"/>
+          </p:nvPr>
+        </p:nvSpPr>
+        <p:spPr/>
+        <p:txBody>
+          <a:bodyPr/>
+          <a:lstStyle/>
+          <a:p>
+            <a:endParaRPr lang="ru-RU" dirty="0"/>
+          </a:p>
+        </p:txBody>
+      </p:sp>
+      <p:sp>
+        <p:nvSpPr>
+          <p:cNvPr id="4" name="Номер слайда 3"/>
+          <p:cNvSpPr>
+            <a:spLocks noGrp="1"/>
+          </p:cNvSpPr>
+          <p:nvPr>
+            <p:ph type="sldNum" sz="quarter" idx="10"/>
+          </p:nvPr>
+        </p:nvSpPr>
+        <p:spPr/>
+        <p:txBody>
+          <a:bodyPr/>
+          <a:lstStyle/>
+          <a:p>
+            <a:fld id="{A4386834-D4DC-4436-81F0-088D0656D606}" type="slidenum">
+              <a:rPr lang="ru-RU" smtClean="0"/>
+              <a:t>24</a:t>
+            </a:fld>
+            <a:endParaRPr lang="ru-RU"/>
+          </a:p>
+        </p:txBody>
+      </p:sp>
+    </p:spTree>
+    <p:extLst>
+      <p:ext uri="{BB962C8B-B14F-4D97-AF65-F5344CB8AC3E}">
+        <p14:creationId xmlns:p14="http://schemas.microsoft.com/office/powerpoint/2010/main" val="3242261875"/>
+      </p:ext>
+    </p:extLst>
+  </p:cSld>
+  <p:clrMapOvr>
+    <a:masterClrMapping/>
+  </p:clrMapOvr>
+</p:notes>
+</file>
+
+<file path=ppt/notesSlides/notesSlide9.xml><?xml version="1.0" encoding="utf-8"?>
+<p:notes xmlns:a="http://schemas.openxmlformats.org/drawingml/2006/main" xmlns:r="http://schemas.openxmlformats.org/officeDocument/2006/relationships" xmlns:p="http://schemas.openxmlformats.org/presentationml/2006/main">
+  <p:cSld>
+    <p:spTree>
+      <p:nvGrpSpPr>
+        <p:cNvPr id="1" name=""/>
+        <p:cNvGrpSpPr/>
+        <p:nvPr/>
+      </p:nvGrpSpPr>
+      <p:grpSpPr>
+        <a:xfrm>
+          <a:off x="0" y="0"/>
+          <a:ext cx="0" cy="0"/>
+          <a:chOff x="0" y="0"/>
+          <a:chExt cx="0" cy="0"/>
+        </a:xfrm>
+      </p:grpSpPr>
+      <p:sp>
+        <p:nvSpPr>
+          <p:cNvPr id="2" name="Образ слайда 1"/>
+          <p:cNvSpPr>
+            <a:spLocks noGrp="1" noRot="1" noChangeAspect="1"/>
+          </p:cNvSpPr>
+          <p:nvPr>
+            <p:ph type="sldImg"/>
+          </p:nvPr>
+        </p:nvSpPr>
+        <p:spPr/>
+      </p:sp>
+      <p:sp>
+        <p:nvSpPr>
+          <p:cNvPr id="3" name="Заметки 2"/>
+          <p:cNvSpPr>
+            <a:spLocks noGrp="1"/>
+          </p:cNvSpPr>
+          <p:nvPr>
+            <p:ph type="body" idx="1"/>
+          </p:nvPr>
+        </p:nvSpPr>
+        <p:spPr/>
+        <p:txBody>
+          <a:bodyPr/>
+          <a:lstStyle/>
+          <a:p>
+            <a:endParaRPr lang="ru-RU" dirty="0"/>
+          </a:p>
+        </p:txBody>
+      </p:sp>
+      <p:sp>
+        <p:nvSpPr>
+          <p:cNvPr id="4" name="Номер слайда 3"/>
+          <p:cNvSpPr>
+            <a:spLocks noGrp="1"/>
+          </p:cNvSpPr>
+          <p:nvPr>
+            <p:ph type="sldNum" sz="quarter" idx="10"/>
+          </p:nvPr>
+        </p:nvSpPr>
+        <p:spPr/>
+        <p:txBody>
+          <a:bodyPr/>
+          <a:lstStyle/>
+          <a:p>
+            <a:fld id="{A4386834-D4DC-4436-81F0-088D0656D606}" type="slidenum">
+              <a:rPr lang="ru-RU" smtClean="0"/>
+              <a:t>25</a:t>
+            </a:fld>
+            <a:endParaRPr lang="ru-RU"/>
+          </a:p>
+        </p:txBody>
+      </p:sp>
+    </p:spTree>
+    <p:extLst>
+      <p:ext uri="{BB962C8B-B14F-4D97-AF65-F5344CB8AC3E}">
+        <p14:creationId xmlns:p14="http://schemas.microsoft.com/office/powerpoint/2010/main" val="3242261875"/>
       </p:ext>
     </p:extLst>
   </p:cSld>
@@ -1693,7 +2035,7 @@
           <a:p>
             <a:fld id="{B4C71EC6-210F-42DE-9C53-41977AD35B3D}" type="datetimeFigureOut">
               <a:rPr lang="ru-RU" smtClean="0"/>
-              <a:t>18.10.2017</a:t>
+              <a:t>01.11.2017</a:t>
             </a:fld>
             <a:endParaRPr lang="ru-RU"/>
           </a:p>
@@ -1889,7 +2231,7 @@
           <a:p>
             <a:fld id="{B4C71EC6-210F-42DE-9C53-41977AD35B3D}" type="datetimeFigureOut">
               <a:rPr lang="ru-RU" smtClean="0"/>
-              <a:t>18.10.2017</a:t>
+              <a:t>01.11.2017</a:t>
             </a:fld>
             <a:endParaRPr lang="ru-RU"/>
           </a:p>
@@ -2074,7 +2416,7 @@
           <a:p>
             <a:fld id="{B4C71EC6-210F-42DE-9C53-41977AD35B3D}" type="datetimeFigureOut">
               <a:rPr lang="ru-RU" smtClean="0"/>
-              <a:t>18.10.2017</a:t>
+              <a:t>01.11.2017</a:t>
             </a:fld>
             <a:endParaRPr lang="ru-RU"/>
           </a:p>
@@ -2224,7 +2566,7 @@
           <a:p>
             <a:fld id="{B4C71EC6-210F-42DE-9C53-41977AD35B3D}" type="datetimeFigureOut">
               <a:rPr lang="ru-RU" smtClean="0"/>
-              <a:t>18.10.2017</a:t>
+              <a:t>01.11.2017</a:t>
             </a:fld>
             <a:endParaRPr lang="ru-RU"/>
           </a:p>
@@ -2479,7 +2821,7 @@
           <a:p>
             <a:fld id="{B4C71EC6-210F-42DE-9C53-41977AD35B3D}" type="datetimeFigureOut">
               <a:rPr lang="ru-RU" smtClean="0"/>
-              <a:t>18.10.2017</a:t>
+              <a:t>01.11.2017</a:t>
             </a:fld>
             <a:endParaRPr lang="ru-RU"/>
           </a:p>
@@ -2888,7 +3230,7 @@
           <a:p>
             <a:fld id="{B4C71EC6-210F-42DE-9C53-41977AD35B3D}" type="datetimeFigureOut">
               <a:rPr lang="ru-RU" smtClean="0"/>
-              <a:t>18.10.2017</a:t>
+              <a:t>01.11.2017</a:t>
             </a:fld>
             <a:endParaRPr lang="ru-RU"/>
           </a:p>
@@ -3334,7 +3676,7 @@
           <a:p>
             <a:fld id="{B4C71EC6-210F-42DE-9C53-41977AD35B3D}" type="datetimeFigureOut">
               <a:rPr lang="ru-RU" smtClean="0"/>
-              <a:t>18.10.2017</a:t>
+              <a:t>01.11.2017</a:t>
             </a:fld>
             <a:endParaRPr lang="ru-RU"/>
           </a:p>
@@ -3435,7 +3777,7 @@
           <a:p>
             <a:fld id="{B4C71EC6-210F-42DE-9C53-41977AD35B3D}" type="datetimeFigureOut">
               <a:rPr lang="ru-RU" smtClean="0"/>
-              <a:t>18.10.2017</a:t>
+              <a:t>01.11.2017</a:t>
             </a:fld>
             <a:endParaRPr lang="ru-RU"/>
           </a:p>
@@ -3556,7 +3898,7 @@
           <a:p>
             <a:fld id="{B4C71EC6-210F-42DE-9C53-41977AD35B3D}" type="datetimeFigureOut">
               <a:rPr lang="ru-RU" smtClean="0"/>
-              <a:t>18.10.2017</a:t>
+              <a:t>01.11.2017</a:t>
             </a:fld>
             <a:endParaRPr lang="ru-RU"/>
           </a:p>
@@ -3830,7 +4172,7 @@
           <a:p>
             <a:fld id="{B4C71EC6-210F-42DE-9C53-41977AD35B3D}" type="datetimeFigureOut">
               <a:rPr lang="ru-RU" smtClean="0"/>
-              <a:t>18.10.2017</a:t>
+              <a:t>01.11.2017</a:t>
             </a:fld>
             <a:endParaRPr lang="ru-RU"/>
           </a:p>
@@ -4035,7 +4377,7 @@
           <a:p>
             <a:fld id="{B4C71EC6-210F-42DE-9C53-41977AD35B3D}" type="datetimeFigureOut">
               <a:rPr lang="ru-RU" smtClean="0"/>
-              <a:t>18.10.2017</a:t>
+              <a:t>01.11.2017</a:t>
             </a:fld>
             <a:endParaRPr lang="ru-RU"/>
           </a:p>
@@ -5144,7 +5486,7 @@
           <a:p>
             <a:fld id="{B4C71EC6-210F-42DE-9C53-41977AD35B3D}" type="datetimeFigureOut">
               <a:rPr lang="ru-RU" smtClean="0"/>
-              <a:t>18.10.2017</a:t>
+              <a:t>01.11.2017</a:t>
             </a:fld>
             <a:endParaRPr lang="ru-RU"/>
           </a:p>
@@ -5694,10 +6036,6 @@
               </a:rPr>
               <a:t>Конфликт банков</a:t>
             </a:r>
-            <a:endParaRPr lang="ru-RU" sz="4000" dirty="0">
-              <a:latin typeface="PT Sans" pitchFamily="34" charset="-52"/>
-              <a:ea typeface="PT Sans" pitchFamily="34" charset="-52"/>
-            </a:endParaRPr>
           </a:p>
         </p:txBody>
       </p:sp>
@@ -5920,186 +6258,6 @@
       </p:grpSpPr>
       <p:sp>
         <p:nvSpPr>
-          <p:cNvPr id="13" name="Объект 2"/>
-          <p:cNvSpPr>
-            <a:spLocks noGrp="1"/>
-          </p:cNvSpPr>
-          <p:nvPr>
-            <p:ph idx="1"/>
-          </p:nvPr>
-        </p:nvSpPr>
-        <p:spPr>
-          <a:xfrm>
-            <a:off x="539552" y="1481329"/>
-            <a:ext cx="8147248" cy="4467952"/>
-          </a:xfrm>
-        </p:spPr>
-        <p:txBody>
-          <a:bodyPr vert="horz">
-            <a:normAutofit/>
-          </a:bodyPr>
-          <a:lstStyle/>
-          <a:p>
-            <a:r>
-              <a:rPr lang="ru-RU" sz="2800" dirty="0" smtClean="0">
-                <a:latin typeface="PT Sans" pitchFamily="34" charset="-52"/>
-                <a:ea typeface="PT Sans" pitchFamily="34" charset="-52"/>
-              </a:rPr>
-              <a:t>Начиная с архитектуры </a:t>
-            </a:r>
-            <a:r>
-              <a:rPr lang="en-US" sz="2800" dirty="0" err="1" smtClean="0">
-                <a:latin typeface="PT Sans" pitchFamily="34" charset="-52"/>
-                <a:ea typeface="PT Sans" pitchFamily="34" charset="-52"/>
-              </a:rPr>
-              <a:t>Kepler</a:t>
-            </a:r>
-            <a:r>
-              <a:rPr lang="ru-RU" sz="2800" dirty="0">
-                <a:latin typeface="PT Sans" pitchFamily="34" charset="-52"/>
-                <a:ea typeface="PT Sans" pitchFamily="34" charset="-52"/>
-              </a:rPr>
-              <a:t> </a:t>
-            </a:r>
-            <a:r>
-              <a:rPr lang="ru-RU" sz="2800" dirty="0" smtClean="0">
-                <a:latin typeface="PT Sans" pitchFamily="34" charset="-52"/>
-                <a:ea typeface="PT Sans" pitchFamily="34" charset="-52"/>
-              </a:rPr>
-              <a:t>нити могут обмениваться данными регистров без разделяемой памяти</a:t>
-            </a:r>
-          </a:p>
-          <a:p>
-            <a:r>
-              <a:rPr lang="ru-RU" sz="2800" dirty="0" smtClean="0">
-                <a:latin typeface="PT Sans" pitchFamily="34" charset="-52"/>
-                <a:ea typeface="PT Sans" pitchFamily="34" charset="-52"/>
-              </a:rPr>
-              <a:t>Специальные </a:t>
-            </a:r>
-            <a:r>
-              <a:rPr lang="en-US" sz="2800" dirty="0" smtClean="0">
-                <a:latin typeface="PT Sans" pitchFamily="34" charset="-52"/>
-                <a:ea typeface="PT Sans" pitchFamily="34" charset="-52"/>
-              </a:rPr>
-              <a:t>shuffle</a:t>
-            </a:r>
-            <a:r>
-              <a:rPr lang="ru-RU" sz="2800" dirty="0" smtClean="0">
-                <a:latin typeface="PT Sans" pitchFamily="34" charset="-52"/>
-                <a:ea typeface="PT Sans" pitchFamily="34" charset="-52"/>
-              </a:rPr>
-              <a:t>-инструкции</a:t>
-            </a:r>
-            <a:endParaRPr lang="en-US" sz="2800" dirty="0" smtClean="0">
-              <a:latin typeface="PT Sans" pitchFamily="34" charset="-52"/>
-              <a:ea typeface="PT Sans" pitchFamily="34" charset="-52"/>
-            </a:endParaRPr>
-          </a:p>
-          <a:p>
-            <a:pPr lvl="1"/>
-            <a:r>
-              <a:rPr lang="en-US" sz="2400" dirty="0">
-                <a:latin typeface="PT Sans" pitchFamily="34" charset="-52"/>
-                <a:ea typeface="PT Sans" pitchFamily="34" charset="-52"/>
-              </a:rPr>
-              <a:t>__</a:t>
-            </a:r>
-            <a:r>
-              <a:rPr lang="en-US" sz="2400" dirty="0" err="1">
-                <a:latin typeface="PT Sans" pitchFamily="34" charset="-52"/>
-                <a:ea typeface="PT Sans" pitchFamily="34" charset="-52"/>
-              </a:rPr>
-              <a:t>shfl</a:t>
-            </a:r>
-            <a:r>
-              <a:rPr lang="en-US" sz="2400" dirty="0">
-                <a:latin typeface="PT Sans" pitchFamily="34" charset="-52"/>
-                <a:ea typeface="PT Sans" pitchFamily="34" charset="-52"/>
-              </a:rPr>
-              <a:t>()</a:t>
-            </a:r>
-          </a:p>
-          <a:p>
-            <a:pPr lvl="1"/>
-            <a:r>
-              <a:rPr lang="en-US" sz="2400" dirty="0">
-                <a:latin typeface="PT Sans" pitchFamily="34" charset="-52"/>
-                <a:ea typeface="PT Sans" pitchFamily="34" charset="-52"/>
-              </a:rPr>
-              <a:t>__</a:t>
-            </a:r>
-            <a:r>
-              <a:rPr lang="en-US" sz="2400" dirty="0" err="1">
-                <a:latin typeface="PT Sans" pitchFamily="34" charset="-52"/>
-                <a:ea typeface="PT Sans" pitchFamily="34" charset="-52"/>
-              </a:rPr>
-              <a:t>shfl_down</a:t>
-            </a:r>
-            <a:r>
-              <a:rPr lang="en-US" sz="2400" dirty="0">
-                <a:latin typeface="PT Sans" pitchFamily="34" charset="-52"/>
-                <a:ea typeface="PT Sans" pitchFamily="34" charset="-52"/>
-              </a:rPr>
-              <a:t>()</a:t>
-            </a:r>
-          </a:p>
-          <a:p>
-            <a:pPr lvl="1"/>
-            <a:r>
-              <a:rPr lang="en-US" sz="2400" dirty="0">
-                <a:latin typeface="PT Sans" pitchFamily="34" charset="-52"/>
-                <a:ea typeface="PT Sans" pitchFamily="34" charset="-52"/>
-              </a:rPr>
-              <a:t>__</a:t>
-            </a:r>
-            <a:r>
-              <a:rPr lang="en-US" sz="2400" dirty="0" err="1">
-                <a:latin typeface="PT Sans" pitchFamily="34" charset="-52"/>
-                <a:ea typeface="PT Sans" pitchFamily="34" charset="-52"/>
-              </a:rPr>
-              <a:t>shfl_up</a:t>
-            </a:r>
-            <a:r>
-              <a:rPr lang="en-US" sz="2400" dirty="0">
-                <a:latin typeface="PT Sans" pitchFamily="34" charset="-52"/>
-                <a:ea typeface="PT Sans" pitchFamily="34" charset="-52"/>
-              </a:rPr>
-              <a:t>()</a:t>
-            </a:r>
-          </a:p>
-          <a:p>
-            <a:pPr lvl="1"/>
-            <a:r>
-              <a:rPr lang="en-US" sz="2400" dirty="0">
-                <a:latin typeface="PT Sans" pitchFamily="34" charset="-52"/>
-                <a:ea typeface="PT Sans" pitchFamily="34" charset="-52"/>
-              </a:rPr>
-              <a:t>__</a:t>
-            </a:r>
-            <a:r>
-              <a:rPr lang="en-US" sz="2400" dirty="0" err="1">
-                <a:latin typeface="PT Sans" pitchFamily="34" charset="-52"/>
-                <a:ea typeface="PT Sans" pitchFamily="34" charset="-52"/>
-              </a:rPr>
-              <a:t>shfl_xor</a:t>
-            </a:r>
-            <a:r>
-              <a:rPr lang="en-US" sz="2400" dirty="0">
-                <a:latin typeface="PT Sans" pitchFamily="34" charset="-52"/>
-                <a:ea typeface="PT Sans" pitchFamily="34" charset="-52"/>
-              </a:rPr>
-              <a:t>()</a:t>
-            </a:r>
-            <a:endParaRPr lang="ru-RU" sz="2400" dirty="0" smtClean="0">
-              <a:latin typeface="PT Sans" pitchFamily="34" charset="-52"/>
-              <a:ea typeface="PT Sans" pitchFamily="34" charset="-52"/>
-            </a:endParaRPr>
-          </a:p>
-        </p:txBody>
-      </p:sp>
-      <p:sp>
-        <p:nvSpPr>
           <p:cNvPr id="10" name="Заголовок 9"/>
           <p:cNvSpPr>
             <a:spLocks noGrp="1"/>
@@ -6123,23 +6281,140 @@
           <a:lstStyle/>
           <a:p>
             <a:r>
-              <a:rPr lang="en-US" sz="4000" dirty="0" smtClean="0">
-                <a:latin typeface="PT Sans" pitchFamily="34" charset="-52"/>
-                <a:ea typeface="PT Sans" pitchFamily="34" charset="-52"/>
-              </a:rPr>
-              <a:t>Shuffle</a:t>
-            </a:r>
-            <a:endParaRPr lang="ru-RU" sz="4000" dirty="0">
+              <a:rPr lang="ru-RU" sz="4000" dirty="0" smtClean="0">
+                <a:latin typeface="PT Sans" pitchFamily="34" charset="-52"/>
+                <a:ea typeface="PT Sans" pitchFamily="34" charset="-52"/>
+              </a:rPr>
+              <a:t>Атомарные операции</a:t>
+            </a:r>
+            <a:endParaRPr lang="en-US" sz="4000" dirty="0">
               <a:latin typeface="PT Sans" pitchFamily="34" charset="-52"/>
               <a:ea typeface="PT Sans" pitchFamily="34" charset="-52"/>
             </a:endParaRPr>
           </a:p>
         </p:txBody>
       </p:sp>
+      <p:sp>
+        <p:nvSpPr>
+          <p:cNvPr id="13" name="Объект 2"/>
+          <p:cNvSpPr>
+            <a:spLocks noGrp="1"/>
+          </p:cNvSpPr>
+          <p:nvPr>
+            <p:ph idx="1"/>
+          </p:nvPr>
+        </p:nvSpPr>
+        <p:spPr>
+          <a:xfrm>
+            <a:off x="539552" y="1481329"/>
+            <a:ext cx="8147248" cy="4467952"/>
+          </a:xfrm>
+        </p:spPr>
+        <p:txBody>
+          <a:bodyPr vert="horz">
+            <a:normAutofit/>
+          </a:bodyPr>
+          <a:lstStyle/>
+          <a:p>
+            <a:r>
+              <a:rPr lang="ru-RU" sz="2800" dirty="0">
+                <a:latin typeface="PT Sans" pitchFamily="34" charset="-52"/>
+                <a:ea typeface="PT Sans" pitchFamily="34" charset="-52"/>
+              </a:rPr>
+              <a:t>Атомарные операции </a:t>
+            </a:r>
+            <a:r>
+              <a:rPr lang="ru-RU" sz="2800" dirty="0" smtClean="0">
+                <a:latin typeface="PT Sans" pitchFamily="34" charset="-52"/>
+                <a:ea typeface="PT Sans" pitchFamily="34" charset="-52"/>
+              </a:rPr>
+              <a:t>обеспечивают</a:t>
+            </a:r>
+            <a:r>
+              <a:rPr lang="ru-RU" sz="2800" dirty="0" smtClean="0">
+                <a:latin typeface="PT Sans" pitchFamily="34" charset="-52"/>
+                <a:ea typeface="PT Sans" pitchFamily="34" charset="-52"/>
+              </a:rPr>
+              <a:t> корректный доступ </a:t>
+            </a:r>
+            <a:r>
+              <a:rPr lang="ru-RU" sz="2800" dirty="0">
+                <a:latin typeface="PT Sans" pitchFamily="34" charset="-52"/>
+                <a:ea typeface="PT Sans" pitchFamily="34" charset="-52"/>
+              </a:rPr>
+              <a:t>к разделяемому </a:t>
+            </a:r>
+            <a:r>
+              <a:rPr lang="ru-RU" sz="2800" dirty="0" smtClean="0">
+                <a:latin typeface="PT Sans" pitchFamily="34" charset="-52"/>
+                <a:ea typeface="PT Sans" pitchFamily="34" charset="-52"/>
+              </a:rPr>
+              <a:t>ресурсу</a:t>
+            </a:r>
+          </a:p>
+          <a:p>
+            <a:r>
+              <a:rPr lang="ru-RU" sz="2800" dirty="0" smtClean="0">
+                <a:latin typeface="PT Sans" pitchFamily="34" charset="-52"/>
+                <a:ea typeface="PT Sans" pitchFamily="34" charset="-52"/>
+              </a:rPr>
+              <a:t>Разделяемый </a:t>
+            </a:r>
+            <a:r>
+              <a:rPr lang="ru-RU" sz="2800" dirty="0">
+                <a:latin typeface="PT Sans" pitchFamily="34" charset="-52"/>
+                <a:ea typeface="PT Sans" pitchFamily="34" charset="-52"/>
+              </a:rPr>
+              <a:t>ресурс </a:t>
+            </a:r>
+            <a:r>
+              <a:rPr lang="ru-RU" sz="2800" dirty="0" smtClean="0">
+                <a:latin typeface="PT Sans" pitchFamily="34" charset="-52"/>
+                <a:ea typeface="PT Sans" pitchFamily="34" charset="-52"/>
+              </a:rPr>
+              <a:t>– переменная</a:t>
+            </a:r>
+            <a:r>
+              <a:rPr lang="ru-RU" sz="2800" dirty="0">
+                <a:latin typeface="PT Sans" pitchFamily="34" charset="-52"/>
+                <a:ea typeface="PT Sans" pitchFamily="34" charset="-52"/>
+              </a:rPr>
+              <a:t>, доступная множеству параллельных </a:t>
+            </a:r>
+            <a:r>
+              <a:rPr lang="ru-RU" sz="2800" dirty="0" smtClean="0">
+                <a:latin typeface="PT Sans" pitchFamily="34" charset="-52"/>
+                <a:ea typeface="PT Sans" pitchFamily="34" charset="-52"/>
+              </a:rPr>
+              <a:t>нитей</a:t>
+            </a:r>
+          </a:p>
+          <a:p>
+            <a:r>
+              <a:rPr lang="ru-RU" sz="2800" dirty="0" smtClean="0">
+                <a:latin typeface="PT Sans" pitchFamily="34" charset="-52"/>
+                <a:ea typeface="PT Sans" pitchFamily="34" charset="-52"/>
+              </a:rPr>
+              <a:t>Полный список атомарных операций в документации </a:t>
+            </a:r>
+            <a:r>
+              <a:rPr lang="en-US" sz="2800" dirty="0" smtClean="0">
+                <a:latin typeface="PT Sans" pitchFamily="34" charset="-52"/>
+                <a:ea typeface="PT Sans" pitchFamily="34" charset="-52"/>
+              </a:rPr>
+              <a:t>CUDA</a:t>
+            </a:r>
+            <a:endParaRPr lang="ru-RU" sz="2800" dirty="0" smtClean="0">
+              <a:latin typeface="PT Sans" pitchFamily="34" charset="-52"/>
+              <a:ea typeface="PT Sans" pitchFamily="34" charset="-52"/>
+            </a:endParaRPr>
+          </a:p>
+        </p:txBody>
+      </p:sp>
     </p:spTree>
     <p:extLst>
       <p:ext uri="{BB962C8B-B14F-4D97-AF65-F5344CB8AC3E}">
-        <p14:creationId xmlns:p14="http://schemas.microsoft.com/office/powerpoint/2010/main" val="801560559"/>
+        <p14:creationId xmlns:p14="http://schemas.microsoft.com/office/powerpoint/2010/main" val="2533091293"/>
       </p:ext>
     </p:extLst>
   </p:cSld>
@@ -6175,133 +6450,6 @@
       </p:grpSpPr>
       <p:sp>
         <p:nvSpPr>
-          <p:cNvPr id="13" name="Объект 2"/>
-          <p:cNvSpPr>
-            <a:spLocks noGrp="1"/>
-          </p:cNvSpPr>
-          <p:nvPr>
-            <p:ph idx="1"/>
-          </p:nvPr>
-        </p:nvSpPr>
-        <p:spPr>
-          <a:xfrm>
-            <a:off x="539552" y="1481329"/>
-            <a:ext cx="8147248" cy="4467952"/>
-          </a:xfrm>
-        </p:spPr>
-        <p:txBody>
-          <a:bodyPr vert="horz">
-            <a:normAutofit/>
-          </a:bodyPr>
-          <a:lstStyle/>
-          <a:p>
-            <a:endParaRPr lang="ru-RU" sz="2800" dirty="0" smtClean="0">
-              <a:latin typeface="PT Sans" pitchFamily="34" charset="-52"/>
-              <a:ea typeface="PT Sans" pitchFamily="34" charset="-52"/>
-            </a:endParaRPr>
-          </a:p>
-          <a:p>
-            <a:r>
-              <a:rPr lang="ru-RU" sz="2800" dirty="0" smtClean="0">
-                <a:latin typeface="PT Sans" pitchFamily="34" charset="-52"/>
-                <a:ea typeface="PT Sans" pitchFamily="34" charset="-52"/>
-              </a:rPr>
-              <a:t>Нить добавляет к своему адресу значение </a:t>
-            </a:r>
-            <a:r>
-              <a:rPr lang="en-US" sz="2800" dirty="0" smtClean="0">
-                <a:latin typeface="PT Sans" pitchFamily="34" charset="-52"/>
-                <a:ea typeface="PT Sans" pitchFamily="34" charset="-52"/>
-              </a:rPr>
-              <a:t>delta </a:t>
-            </a:r>
-            <a:r>
-              <a:rPr lang="ru-RU" sz="2800" dirty="0" smtClean="0">
-                <a:latin typeface="PT Sans" pitchFamily="34" charset="-52"/>
-                <a:ea typeface="PT Sans" pitchFamily="34" charset="-52"/>
-              </a:rPr>
-              <a:t>и считывает по этому адресу значение </a:t>
-            </a:r>
-            <a:r>
-              <a:rPr lang="en-US" sz="2800" dirty="0" err="1" smtClean="0">
-                <a:latin typeface="PT Sans" pitchFamily="34" charset="-52"/>
-                <a:ea typeface="PT Sans" pitchFamily="34" charset="-52"/>
-              </a:rPr>
-              <a:t>var</a:t>
-            </a:r>
-            <a:endParaRPr lang="en-US" sz="2800" dirty="0" smtClean="0">
-              <a:latin typeface="PT Sans" pitchFamily="34" charset="-52"/>
-              <a:ea typeface="PT Sans" pitchFamily="34" charset="-52"/>
-            </a:endParaRPr>
-          </a:p>
-          <a:p>
-            <a:r>
-              <a:rPr lang="en-US" sz="2800" dirty="0">
-                <a:latin typeface="PT Sans" pitchFamily="34" charset="-52"/>
-                <a:ea typeface="PT Sans" pitchFamily="34" charset="-52"/>
-              </a:rPr>
-              <a:t>w</a:t>
-            </a:r>
-            <a:r>
-              <a:rPr lang="en-US" sz="2800" dirty="0" smtClean="0">
-                <a:latin typeface="PT Sans" pitchFamily="34" charset="-52"/>
-                <a:ea typeface="PT Sans" pitchFamily="34" charset="-52"/>
-              </a:rPr>
-              <a:t>idth={2, 4, 8, 16, 32}</a:t>
-            </a:r>
-          </a:p>
-          <a:p>
-            <a:r>
-              <a:rPr lang="ru-RU" sz="2800" dirty="0" smtClean="0">
-                <a:latin typeface="PT Sans" pitchFamily="34" charset="-52"/>
-                <a:ea typeface="PT Sans" pitchFamily="34" charset="-52"/>
-              </a:rPr>
-              <a:t>Если адрес вышел за пределы </a:t>
-            </a:r>
-            <a:r>
-              <a:rPr lang="en-US" sz="2800" dirty="0" smtClean="0">
-                <a:latin typeface="PT Sans" pitchFamily="34" charset="-52"/>
-                <a:ea typeface="PT Sans" pitchFamily="34" charset="-52"/>
-              </a:rPr>
-              <a:t>width </a:t>
-            </a:r>
-            <a:r>
-              <a:rPr lang="ru-RU" sz="2800" dirty="0" smtClean="0">
-                <a:latin typeface="PT Sans" pitchFamily="34" charset="-52"/>
-                <a:ea typeface="PT Sans" pitchFamily="34" charset="-52"/>
-              </a:rPr>
-              <a:t>возвращается значение </a:t>
-            </a:r>
-            <a:r>
-              <a:rPr lang="en-US" sz="2800" dirty="0" err="1" smtClean="0">
-                <a:latin typeface="PT Sans" pitchFamily="34" charset="-52"/>
-                <a:ea typeface="PT Sans" pitchFamily="34" charset="-52"/>
-              </a:rPr>
-              <a:t>var</a:t>
-            </a:r>
-            <a:r>
-              <a:rPr lang="en-US" sz="2800" dirty="0" smtClean="0">
-                <a:latin typeface="PT Sans" pitchFamily="34" charset="-52"/>
-                <a:ea typeface="PT Sans" pitchFamily="34" charset="-52"/>
-              </a:rPr>
-              <a:t> </a:t>
-            </a:r>
-            <a:r>
-              <a:rPr lang="ru-RU" sz="2800" dirty="0" smtClean="0">
-                <a:latin typeface="PT Sans" pitchFamily="34" charset="-52"/>
-                <a:ea typeface="PT Sans" pitchFamily="34" charset="-52"/>
-              </a:rPr>
-              <a:t>самой нити</a:t>
-            </a:r>
-            <a:endParaRPr lang="ru-RU" sz="2800" dirty="0" smtClean="0">
-              <a:latin typeface="PT Sans" pitchFamily="34" charset="-52"/>
-              <a:ea typeface="PT Sans" pitchFamily="34" charset="-52"/>
-            </a:endParaRPr>
-          </a:p>
-        </p:txBody>
-      </p:sp>
-      <p:sp>
-        <p:nvSpPr>
           <p:cNvPr id="10" name="Заголовок 9"/>
           <p:cNvSpPr>
             <a:spLocks noGrp="1"/>
@@ -6325,13 +6473,13 @@
           <a:lstStyle/>
           <a:p>
             <a:r>
-              <a:rPr lang="en-US" sz="4000" dirty="0">
-                <a:latin typeface="PT Sans" pitchFamily="34" charset="-52"/>
-                <a:ea typeface="PT Sans" pitchFamily="34" charset="-52"/>
-              </a:rPr>
-              <a:t>Shuffle</a:t>
-            </a:r>
-            <a:endParaRPr lang="ru-RU" sz="4000" dirty="0">
+              <a:rPr lang="ru-RU" sz="4000" dirty="0" smtClean="0">
+                <a:latin typeface="PT Sans" pitchFamily="34" charset="-52"/>
+                <a:ea typeface="PT Sans" pitchFamily="34" charset="-52"/>
+              </a:rPr>
+              <a:t>Атомарные операции</a:t>
+            </a:r>
+            <a:endParaRPr lang="en-US" sz="4000" dirty="0">
               <a:latin typeface="PT Sans" pitchFamily="34" charset="-52"/>
               <a:ea typeface="PT Sans" pitchFamily="34" charset="-52"/>
             </a:endParaRPr>
@@ -6340,18 +6488,114 @@
       </p:sp>
       <p:sp>
         <p:nvSpPr>
+          <p:cNvPr id="13" name="Объект 2"/>
+          <p:cNvSpPr>
+            <a:spLocks noGrp="1"/>
+          </p:cNvSpPr>
+          <p:nvPr>
+            <p:ph idx="1"/>
+          </p:nvPr>
+        </p:nvSpPr>
+        <p:spPr>
+          <a:xfrm>
+            <a:off x="539552" y="1481329"/>
+            <a:ext cx="8147248" cy="4467952"/>
+          </a:xfrm>
+        </p:spPr>
+        <p:txBody>
+          <a:bodyPr vert="horz">
+            <a:normAutofit/>
+          </a:bodyPr>
+          <a:lstStyle/>
+          <a:p>
+            <a:r>
+              <a:rPr lang="ru-RU" sz="2800" dirty="0">
+                <a:latin typeface="PT Sans" pitchFamily="34" charset="-52"/>
+                <a:ea typeface="PT Sans" pitchFamily="34" charset="-52"/>
+              </a:rPr>
+              <a:t>Атомарную операцию</a:t>
+            </a:r>
+            <a:r>
+              <a:rPr lang="en-US" sz="2800" dirty="0">
+                <a:latin typeface="PT Sans" pitchFamily="34" charset="-52"/>
+                <a:ea typeface="PT Sans" pitchFamily="34" charset="-52"/>
+              </a:rPr>
+              <a:t> </a:t>
+            </a:r>
+            <a:r>
+              <a:rPr lang="ru-RU" sz="2800" dirty="0">
+                <a:latin typeface="PT Sans" pitchFamily="34" charset="-52"/>
+                <a:ea typeface="PT Sans" pitchFamily="34" charset="-52"/>
+              </a:rPr>
+              <a:t>сложения </a:t>
+            </a:r>
+            <a:r>
+              <a:rPr lang="en-US" sz="2800" i="1" dirty="0" err="1">
+                <a:latin typeface="PT Sans" pitchFamily="34" charset="-52"/>
+                <a:ea typeface="PT Sans" pitchFamily="34" charset="-52"/>
+              </a:rPr>
+              <a:t>AtomicAdd</a:t>
+            </a:r>
+            <a:r>
+              <a:rPr lang="en-US" sz="2800" dirty="0">
+                <a:latin typeface="PT Sans" pitchFamily="34" charset="-52"/>
+                <a:ea typeface="PT Sans" pitchFamily="34" charset="-52"/>
+              </a:rPr>
+              <a:t> </a:t>
+            </a:r>
+            <a:r>
+              <a:rPr lang="ru-RU" sz="2800" dirty="0">
+                <a:latin typeface="PT Sans" pitchFamily="34" charset="-52"/>
+                <a:ea typeface="PT Sans" pitchFamily="34" charset="-52"/>
+              </a:rPr>
+              <a:t>можно использовать для </a:t>
+            </a:r>
+            <a:r>
+              <a:rPr lang="ru-RU" sz="2800" dirty="0" smtClean="0">
+                <a:latin typeface="PT Sans" pitchFamily="34" charset="-52"/>
+                <a:ea typeface="PT Sans" pitchFamily="34" charset="-52"/>
+              </a:rPr>
+              <a:t>редукции</a:t>
+            </a:r>
+            <a:endParaRPr lang="ru-RU" sz="2800" dirty="0" smtClean="0">
+              <a:latin typeface="PT Sans" pitchFamily="34" charset="-52"/>
+              <a:ea typeface="PT Sans" pitchFamily="34" charset="-52"/>
+            </a:endParaRPr>
+          </a:p>
+          <a:p>
+            <a:r>
+              <a:rPr lang="ru-RU" sz="2800" dirty="0" smtClean="0">
+                <a:latin typeface="PT Sans" pitchFamily="34" charset="-52"/>
+                <a:ea typeface="PT Sans" pitchFamily="34" charset="-52"/>
+              </a:rPr>
+              <a:t>Будем вычислять промежуточную сумму каждого блока, а затем использовать атомарное сложение</a:t>
+            </a:r>
+            <a:endParaRPr lang="ru-RU" sz="2800" dirty="0" smtClean="0">
+              <a:latin typeface="PT Sans" pitchFamily="34" charset="-52"/>
+              <a:ea typeface="PT Sans" pitchFamily="34" charset="-52"/>
+            </a:endParaRPr>
+          </a:p>
+        </p:txBody>
+      </p:sp>
+      <p:sp>
+        <p:nvSpPr>
           <p:cNvPr id="2" name="Прямоугольник 1"/>
           <p:cNvSpPr/>
           <p:nvPr/>
         </p:nvSpPr>
         <p:spPr>
           <a:xfrm>
-            <a:off x="539552" y="1547500"/>
-            <a:ext cx="8496944" cy="369332"/>
+            <a:off x="971600" y="4211796"/>
+            <a:ext cx="7200800" cy="369332"/>
           </a:xfrm>
           <a:prstGeom prst="rect">
             <a:avLst/>
           </a:prstGeom>
+          <a:ln>
+            <a:solidFill>
+              <a:srgbClr val="92D050"/>
+            </a:solidFill>
+          </a:ln>
         </p:spPr>
         <p:txBody>
           <a:bodyPr wrap="square">
@@ -6360,13 +6604,58 @@
           <a:lstStyle/>
           <a:p>
             <a:r>
+              <a:rPr lang="en-US" dirty="0">
+                <a:solidFill>
+                  <a:srgbClr val="000000"/>
+                </a:solidFill>
+                <a:latin typeface="Consolas"/>
+              </a:rPr>
+              <a:t>__device__ </a:t>
+            </a:r>
+            <a:r>
+              <a:rPr lang="en-US" dirty="0">
+                <a:solidFill>
+                  <a:srgbClr val="0000FF"/>
+                </a:solidFill>
+                <a:latin typeface="Consolas"/>
+              </a:rPr>
+              <a:t>float</a:t>
+            </a:r>
+            <a:r>
+              <a:rPr lang="en-US" dirty="0">
+                <a:solidFill>
+                  <a:srgbClr val="000000"/>
+                </a:solidFill>
+                <a:latin typeface="Consolas"/>
+              </a:rPr>
+              <a:t> </a:t>
+            </a:r>
+            <a:r>
               <a:rPr lang="en-US" dirty="0" err="1">
                 <a:solidFill>
+                  <a:srgbClr val="795E26"/>
+                </a:solidFill>
+                <a:latin typeface="Consolas"/>
+              </a:rPr>
+              <a:t>atomicAdd</a:t>
+            </a:r>
+            <a:r>
+              <a:rPr lang="en-US" dirty="0">
+                <a:solidFill>
+                  <a:srgbClr val="000000"/>
+                </a:solidFill>
+                <a:latin typeface="Consolas"/>
+              </a:rPr>
+              <a:t>(</a:t>
+            </a:r>
+            <a:r>
+              <a:rPr lang="en-US" dirty="0">
+                <a:solidFill>
                   <a:srgbClr val="0000FF"/>
                 </a:solidFill>
                 <a:latin typeface="Consolas"/>
               </a:rPr>
-              <a:t>int</a:t>
+              <a:t>float</a:t>
             </a:r>
             <a:r>
               <a:rPr lang="en-US" dirty="0">
@@ -6375,142 +6664,43 @@
                 </a:solidFill>
                 <a:latin typeface="Consolas"/>
               </a:rPr>
+              <a:t>* address, </a:t>
+            </a:r>
+            <a:r>
+              <a:rPr lang="en-US" dirty="0">
+                <a:solidFill>
+                  <a:srgbClr val="0000FF"/>
+                </a:solidFill>
+                <a:latin typeface="Consolas"/>
+              </a:rPr>
+              <a:t>float</a:t>
+            </a:r>
+            <a:r>
+              <a:rPr lang="en-US" dirty="0">
+                <a:solidFill>
+                  <a:srgbClr val="000000"/>
+                </a:solidFill>
+                <a:latin typeface="Consolas"/>
+              </a:rPr>
               <a:t> </a:t>
             </a:r>
             <a:r>
+              <a:rPr lang="en-US" dirty="0" err="1">
+                <a:solidFill>
+                  <a:srgbClr val="000000"/>
+                </a:solidFill>
+                <a:latin typeface="Consolas"/>
+              </a:rPr>
+              <a:t>val</a:t>
+            </a:r>
+            <a:r>
               <a:rPr lang="en-US" dirty="0">
                 <a:solidFill>
-                  <a:srgbClr val="795E26"/>
-                </a:solidFill>
-                <a:latin typeface="Consolas"/>
-              </a:rPr>
-              <a:t>__</a:t>
-            </a:r>
-            <a:r>
-              <a:rPr lang="en-US" dirty="0" err="1">
-                <a:solidFill>
-                  <a:srgbClr val="795E26"/>
-                </a:solidFill>
-                <a:latin typeface="Consolas"/>
-              </a:rPr>
-              <a:t>shfl_down</a:t>
-            </a:r>
-            <a:r>
-              <a:rPr lang="en-US" dirty="0">
-                <a:solidFill>
-                  <a:srgbClr val="000000"/>
-                </a:solidFill>
-                <a:latin typeface="Consolas"/>
-              </a:rPr>
-              <a:t>(</a:t>
-            </a:r>
-            <a:r>
-              <a:rPr lang="en-US" dirty="0" err="1">
-                <a:solidFill>
-                  <a:srgbClr val="0000FF"/>
-                </a:solidFill>
-                <a:latin typeface="Consolas"/>
-              </a:rPr>
-              <a:t>int</a:t>
-            </a:r>
-            <a:r>
-              <a:rPr lang="en-US" dirty="0">
-                <a:solidFill>
-                  <a:srgbClr val="000000"/>
-                </a:solidFill>
-                <a:latin typeface="Consolas"/>
-              </a:rPr>
-              <a:t> </a:t>
-            </a:r>
-            <a:r>
-              <a:rPr lang="en-US" dirty="0" err="1">
-                <a:solidFill>
-                  <a:srgbClr val="000000"/>
-                </a:solidFill>
-                <a:latin typeface="Consolas"/>
-              </a:rPr>
-              <a:t>var</a:t>
-            </a:r>
-            <a:r>
-              <a:rPr lang="en-US" dirty="0">
-                <a:solidFill>
-                  <a:srgbClr val="000000"/>
-                </a:solidFill>
-                <a:latin typeface="Consolas"/>
-              </a:rPr>
-              <a:t>, </a:t>
-            </a:r>
-            <a:r>
-              <a:rPr lang="en-US" dirty="0">
-                <a:solidFill>
-                  <a:srgbClr val="0000FF"/>
-                </a:solidFill>
-                <a:latin typeface="Consolas"/>
-              </a:rPr>
-              <a:t>unsigned</a:t>
-            </a:r>
-            <a:r>
-              <a:rPr lang="en-US" dirty="0">
-                <a:solidFill>
-                  <a:srgbClr val="000000"/>
-                </a:solidFill>
-                <a:latin typeface="Consolas"/>
-              </a:rPr>
-              <a:t> </a:t>
-            </a:r>
-            <a:r>
-              <a:rPr lang="en-US" dirty="0" err="1">
-                <a:solidFill>
-                  <a:srgbClr val="0000FF"/>
-                </a:solidFill>
-                <a:latin typeface="Consolas"/>
-              </a:rPr>
-              <a:t>int</a:t>
-            </a:r>
-            <a:r>
-              <a:rPr lang="en-US" dirty="0">
-                <a:solidFill>
-                  <a:srgbClr val="000000"/>
-                </a:solidFill>
-                <a:latin typeface="Consolas"/>
-              </a:rPr>
-              <a:t> delta, </a:t>
-            </a:r>
-            <a:r>
-              <a:rPr lang="en-US" dirty="0" err="1">
-                <a:solidFill>
-                  <a:srgbClr val="0000FF"/>
-                </a:solidFill>
-                <a:latin typeface="Consolas"/>
-              </a:rPr>
-              <a:t>int</a:t>
-            </a:r>
-            <a:r>
-              <a:rPr lang="en-US" dirty="0">
-                <a:solidFill>
-                  <a:srgbClr val="000000"/>
-                </a:solidFill>
-                <a:latin typeface="Consolas"/>
-              </a:rPr>
-              <a:t> width=</a:t>
-            </a:r>
-            <a:r>
-              <a:rPr lang="en-US" dirty="0" err="1">
-                <a:solidFill>
-                  <a:srgbClr val="000000"/>
-                </a:solidFill>
-                <a:latin typeface="Consolas"/>
-              </a:rPr>
-              <a:t>warpSize</a:t>
-            </a:r>
-            <a:r>
-              <a:rPr lang="en-US" dirty="0">
-                <a:solidFill>
-                  <a:srgbClr val="000000"/>
-                </a:solidFill>
-                <a:latin typeface="Consolas"/>
-              </a:rPr>
-              <a:t>);</a:t>
+                  <a:srgbClr val="000000"/>
+                </a:solidFill>
+                <a:latin typeface="Consolas"/>
+              </a:rPr>
+              <a:t>)</a:t>
             </a:r>
             <a:endParaRPr lang="en-US" b="0" dirty="0">
               <a:solidFill>
@@ -6525,7 +6715,7 @@
     </p:spTree>
     <p:extLst>
       <p:ext uri="{BB962C8B-B14F-4D97-AF65-F5344CB8AC3E}">
-        <p14:creationId xmlns:p14="http://schemas.microsoft.com/office/powerpoint/2010/main" val="3467058184"/>
+        <p14:creationId xmlns:p14="http://schemas.microsoft.com/office/powerpoint/2010/main" val="2633283433"/>
       </p:ext>
     </p:extLst>
   </p:cSld>
@@ -6582,18 +6772,157 @@
           <a:lstStyle/>
           <a:p>
             <a:r>
+              <a:rPr lang="ru-RU" sz="2800" dirty="0" smtClean="0">
+                <a:latin typeface="PT Sans" pitchFamily="34" charset="-52"/>
+                <a:ea typeface="PT Sans" pitchFamily="34" charset="-52"/>
+              </a:rPr>
+              <a:t>Начиная с архитектуры </a:t>
+            </a:r>
+            <a:r>
+              <a:rPr lang="en-US" sz="2800" dirty="0" err="1" smtClean="0">
+                <a:latin typeface="PT Sans" pitchFamily="34" charset="-52"/>
+                <a:ea typeface="PT Sans" pitchFamily="34" charset="-52"/>
+              </a:rPr>
+              <a:t>Kepler</a:t>
+            </a:r>
+            <a:r>
               <a:rPr lang="ru-RU" sz="2800" dirty="0">
                 <a:latin typeface="PT Sans" pitchFamily="34" charset="-52"/>
-              </a:rPr>
-              <a:t>П</a:t>
+                <a:ea typeface="PT Sans" pitchFamily="34" charset="-52"/>
+              </a:rPr>
+              <a:t> </a:t>
             </a:r>
             <a:r>
               <a:rPr lang="ru-RU" sz="2800" dirty="0" smtClean="0">
                 <a:latin typeface="PT Sans" pitchFamily="34" charset="-52"/>
-              </a:rPr>
-              <a:t>оддерживаются только 4-байтовые типы данных</a:t>
-            </a:r>
-            <a:endParaRPr lang="ru-RU" sz="2800" dirty="0" smtClean="0">
+                <a:ea typeface="PT Sans" pitchFamily="34" charset="-52"/>
+              </a:rPr>
+              <a:t>нити могут обмениваться данными регистров без разделяемой памяти</a:t>
+            </a:r>
+          </a:p>
+          <a:p>
+            <a:r>
+              <a:rPr lang="ru-RU" sz="2800" dirty="0" smtClean="0">
+                <a:latin typeface="PT Sans" pitchFamily="34" charset="-52"/>
+                <a:ea typeface="PT Sans" pitchFamily="34" charset="-52"/>
+              </a:rPr>
+              <a:t>Специальные </a:t>
+            </a:r>
+            <a:r>
+              <a:rPr lang="en-US" sz="2800" dirty="0" smtClean="0">
+                <a:latin typeface="PT Sans" pitchFamily="34" charset="-52"/>
+                <a:ea typeface="PT Sans" pitchFamily="34" charset="-52"/>
+              </a:rPr>
+              <a:t>shuffle</a:t>
+            </a:r>
+            <a:r>
+              <a:rPr lang="ru-RU" sz="2800" dirty="0" smtClean="0">
+                <a:latin typeface="PT Sans" pitchFamily="34" charset="-52"/>
+                <a:ea typeface="PT Sans" pitchFamily="34" charset="-52"/>
+              </a:rPr>
+              <a:t>-инструкции</a:t>
+            </a:r>
+            <a:endParaRPr lang="en-US" sz="2800" dirty="0" smtClean="0">
+              <a:latin typeface="PT Sans" pitchFamily="34" charset="-52"/>
+              <a:ea typeface="PT Sans" pitchFamily="34" charset="-52"/>
+            </a:endParaRPr>
+          </a:p>
+          <a:p>
+            <a:pPr lvl="1"/>
+            <a:r>
+              <a:rPr lang="en-US" sz="2400" dirty="0">
+                <a:latin typeface="PT Sans" pitchFamily="34" charset="-52"/>
+                <a:ea typeface="PT Sans" pitchFamily="34" charset="-52"/>
+              </a:rPr>
+              <a:t>__</a:t>
+            </a:r>
+            <a:r>
+              <a:rPr lang="en-US" sz="2400" dirty="0" err="1">
+                <a:latin typeface="PT Sans" pitchFamily="34" charset="-52"/>
+                <a:ea typeface="PT Sans" pitchFamily="34" charset="-52"/>
+              </a:rPr>
+              <a:t>shfl</a:t>
+            </a:r>
+            <a:r>
+              <a:rPr lang="en-US" sz="2400" dirty="0">
+                <a:latin typeface="PT Sans" pitchFamily="34" charset="-52"/>
+                <a:ea typeface="PT Sans" pitchFamily="34" charset="-52"/>
+              </a:rPr>
+              <a:t>()</a:t>
+            </a:r>
+          </a:p>
+          <a:p>
+            <a:pPr lvl="1"/>
+            <a:r>
+              <a:rPr lang="en-US" sz="2400" dirty="0">
+                <a:latin typeface="PT Sans" pitchFamily="34" charset="-52"/>
+                <a:ea typeface="PT Sans" pitchFamily="34" charset="-52"/>
+              </a:rPr>
+              <a:t>__</a:t>
+            </a:r>
+            <a:r>
+              <a:rPr lang="en-US" sz="2400" dirty="0" err="1">
+                <a:latin typeface="PT Sans" pitchFamily="34" charset="-52"/>
+                <a:ea typeface="PT Sans" pitchFamily="34" charset="-52"/>
+              </a:rPr>
+              <a:t>shfl_down</a:t>
+            </a:r>
+            <a:r>
+              <a:rPr lang="en-US" sz="2400" dirty="0">
+                <a:latin typeface="PT Sans" pitchFamily="34" charset="-52"/>
+                <a:ea typeface="PT Sans" pitchFamily="34" charset="-52"/>
+              </a:rPr>
+              <a:t>()</a:t>
+            </a:r>
+          </a:p>
+          <a:p>
+            <a:pPr lvl="1"/>
+            <a:r>
+              <a:rPr lang="en-US" sz="2400" dirty="0">
+                <a:latin typeface="PT Sans" pitchFamily="34" charset="-52"/>
+                <a:ea typeface="PT Sans" pitchFamily="34" charset="-52"/>
+              </a:rPr>
+              <a:t>__</a:t>
+            </a:r>
+            <a:r>
+              <a:rPr lang="en-US" sz="2400" dirty="0" err="1">
+                <a:latin typeface="PT Sans" pitchFamily="34" charset="-52"/>
+                <a:ea typeface="PT Sans" pitchFamily="34" charset="-52"/>
+              </a:rPr>
+              <a:t>shfl_up</a:t>
+            </a:r>
+            <a:r>
+              <a:rPr lang="en-US" sz="2400" dirty="0">
+                <a:latin typeface="PT Sans" pitchFamily="34" charset="-52"/>
+                <a:ea typeface="PT Sans" pitchFamily="34" charset="-52"/>
+              </a:rPr>
+              <a:t>()</a:t>
+            </a:r>
+          </a:p>
+          <a:p>
+            <a:pPr lvl="1"/>
+            <a:r>
+              <a:rPr lang="en-US" sz="2400" dirty="0">
+                <a:latin typeface="PT Sans" pitchFamily="34" charset="-52"/>
+                <a:ea typeface="PT Sans" pitchFamily="34" charset="-52"/>
+              </a:rPr>
+              <a:t>__</a:t>
+            </a:r>
+            <a:r>
+              <a:rPr lang="en-US" sz="2400" dirty="0" err="1">
+                <a:latin typeface="PT Sans" pitchFamily="34" charset="-52"/>
+                <a:ea typeface="PT Sans" pitchFamily="34" charset="-52"/>
+              </a:rPr>
+              <a:t>shfl_xor</a:t>
+            </a:r>
+            <a:r>
+              <a:rPr lang="en-US" sz="2400" dirty="0">
+                <a:latin typeface="PT Sans" pitchFamily="34" charset="-52"/>
+                <a:ea typeface="PT Sans" pitchFamily="34" charset="-52"/>
+              </a:rPr>
+              <a:t>()</a:t>
+            </a:r>
+            <a:endParaRPr lang="ru-RU" sz="2400" dirty="0" smtClean="0">
               <a:latin typeface="PT Sans" pitchFamily="34" charset="-52"/>
               <a:ea typeface="PT Sans" pitchFamily="34" charset="-52"/>
             </a:endParaRPr>
@@ -6625,7 +6954,7 @@
           <a:lstStyle/>
           <a:p>
             <a:r>
-              <a:rPr lang="en-US" sz="4000" dirty="0">
+              <a:rPr lang="en-US" sz="4000" dirty="0" smtClean="0">
                 <a:latin typeface="PT Sans" pitchFamily="34" charset="-52"/>
                 <a:ea typeface="PT Sans" pitchFamily="34" charset="-52"/>
               </a:rPr>
@@ -6638,582 +6967,10 @@
           </a:p>
         </p:txBody>
       </p:sp>
-      <p:sp>
-        <p:nvSpPr>
-          <p:cNvPr id="2" name="Прямоугольник 1"/>
-          <p:cNvSpPr/>
-          <p:nvPr/>
-        </p:nvSpPr>
-        <p:spPr>
-          <a:xfrm>
-            <a:off x="755576" y="2924944"/>
-            <a:ext cx="7920880" cy="2308324"/>
-          </a:xfrm>
-          <a:prstGeom prst="rect">
-            <a:avLst/>
-          </a:prstGeom>
-        </p:spPr>
-        <p:txBody>
-          <a:bodyPr wrap="square">
-            <a:spAutoFit/>
-          </a:bodyPr>
-          <a:lstStyle/>
-          <a:p>
-            <a:r>
-              <a:rPr lang="en-US" dirty="0">
-                <a:solidFill>
-                  <a:srgbClr val="000000"/>
-                </a:solidFill>
-                <a:latin typeface="Consolas"/>
-              </a:rPr>
-              <a:t>__device__ </a:t>
-            </a:r>
-            <a:r>
-              <a:rPr lang="en-US" dirty="0">
-                <a:solidFill>
-                  <a:srgbClr val="0000FF"/>
-                </a:solidFill>
-                <a:latin typeface="Consolas"/>
-              </a:rPr>
-              <a:t>inline</a:t>
-            </a:r>
-            <a:r>
-              <a:rPr lang="en-US" dirty="0">
-                <a:solidFill>
-                  <a:srgbClr val="000000"/>
-                </a:solidFill>
-                <a:latin typeface="Consolas"/>
-              </a:rPr>
-              <a:t> </a:t>
-            </a:r>
-            <a:r>
-              <a:rPr lang="en-US" dirty="0">
-                <a:solidFill>
-                  <a:srgbClr val="0000FF"/>
-                </a:solidFill>
-                <a:latin typeface="Consolas"/>
-              </a:rPr>
-              <a:t>double</a:t>
-            </a:r>
-            <a:r>
-              <a:rPr lang="en-US" dirty="0">
-                <a:solidFill>
-                  <a:srgbClr val="000000"/>
-                </a:solidFill>
-                <a:latin typeface="Consolas"/>
-              </a:rPr>
-              <a:t> </a:t>
-            </a:r>
-            <a:r>
-              <a:rPr lang="en-US" dirty="0">
-                <a:solidFill>
-                  <a:srgbClr val="795E26"/>
-                </a:solidFill>
-                <a:latin typeface="Consolas"/>
-              </a:rPr>
-              <a:t>__</a:t>
-            </a:r>
-            <a:r>
-              <a:rPr lang="en-US" dirty="0" err="1">
-                <a:solidFill>
-                  <a:srgbClr val="795E26"/>
-                </a:solidFill>
-                <a:latin typeface="Consolas"/>
-              </a:rPr>
-              <a:t>shfl_down</a:t>
-            </a:r>
-            <a:r>
-              <a:rPr lang="en-US" dirty="0">
-                <a:solidFill>
-                  <a:srgbClr val="000000"/>
-                </a:solidFill>
-                <a:latin typeface="Consolas"/>
-              </a:rPr>
-              <a:t>(</a:t>
-            </a:r>
-            <a:r>
-              <a:rPr lang="en-US" dirty="0">
-                <a:solidFill>
-                  <a:srgbClr val="0000FF"/>
-                </a:solidFill>
-                <a:latin typeface="Consolas"/>
-              </a:rPr>
-              <a:t>double</a:t>
-            </a:r>
-            <a:r>
-              <a:rPr lang="en-US" dirty="0">
-                <a:solidFill>
-                  <a:srgbClr val="000000"/>
-                </a:solidFill>
-                <a:latin typeface="Consolas"/>
-              </a:rPr>
-              <a:t> </a:t>
-            </a:r>
-            <a:r>
-              <a:rPr lang="en-US" dirty="0" err="1">
-                <a:solidFill>
-                  <a:srgbClr val="000000"/>
-                </a:solidFill>
-                <a:latin typeface="Consolas"/>
-              </a:rPr>
-              <a:t>var</a:t>
-            </a:r>
-            <a:r>
-              <a:rPr lang="en-US" dirty="0">
-                <a:solidFill>
-                  <a:srgbClr val="000000"/>
-                </a:solidFill>
-                <a:latin typeface="Consolas"/>
-              </a:rPr>
-              <a:t>, </a:t>
-            </a:r>
-            <a:r>
-              <a:rPr lang="en-US" dirty="0">
-                <a:solidFill>
-                  <a:srgbClr val="0000FF"/>
-                </a:solidFill>
-                <a:latin typeface="Consolas"/>
-              </a:rPr>
-              <a:t>unsigned</a:t>
-            </a:r>
-            <a:r>
-              <a:rPr lang="en-US" dirty="0">
-                <a:solidFill>
-                  <a:srgbClr val="000000"/>
-                </a:solidFill>
-                <a:latin typeface="Consolas"/>
-              </a:rPr>
-              <a:t> </a:t>
-            </a:r>
-            <a:r>
-              <a:rPr lang="en-US" dirty="0" err="1">
-                <a:solidFill>
-                  <a:srgbClr val="0000FF"/>
-                </a:solidFill>
-                <a:latin typeface="Consolas"/>
-              </a:rPr>
-              <a:t>int</a:t>
-            </a:r>
-            <a:r>
-              <a:rPr lang="en-US" dirty="0">
-                <a:solidFill>
-                  <a:srgbClr val="000000"/>
-                </a:solidFill>
-                <a:latin typeface="Consolas"/>
-              </a:rPr>
-              <a:t> </a:t>
-            </a:r>
-            <a:r>
-              <a:rPr lang="en-US" dirty="0" err="1">
-                <a:solidFill>
-                  <a:srgbClr val="000000"/>
-                </a:solidFill>
-                <a:latin typeface="Consolas"/>
-              </a:rPr>
-              <a:t>srcLane</a:t>
-            </a:r>
-            <a:r>
-              <a:rPr lang="en-US" dirty="0">
-                <a:solidFill>
-                  <a:srgbClr val="000000"/>
-                </a:solidFill>
-                <a:latin typeface="Consolas"/>
-              </a:rPr>
-              <a:t>, </a:t>
-            </a:r>
-            <a:r>
-              <a:rPr lang="en-US" dirty="0" err="1">
-                <a:solidFill>
-                  <a:srgbClr val="0000FF"/>
-                </a:solidFill>
-                <a:latin typeface="Consolas"/>
-              </a:rPr>
-              <a:t>int</a:t>
-            </a:r>
-            <a:r>
-              <a:rPr lang="en-US" dirty="0">
-                <a:solidFill>
-                  <a:srgbClr val="000000"/>
-                </a:solidFill>
-                <a:latin typeface="Consolas"/>
-              </a:rPr>
-              <a:t> width=</a:t>
-            </a:r>
-            <a:r>
-              <a:rPr lang="en-US" dirty="0">
-                <a:solidFill>
-                  <a:srgbClr val="09885A"/>
-                </a:solidFill>
-                <a:latin typeface="Consolas"/>
-              </a:rPr>
-              <a:t>32</a:t>
-            </a:r>
-            <a:r>
-              <a:rPr lang="en-US" dirty="0" smtClean="0">
-                <a:solidFill>
-                  <a:srgbClr val="000000"/>
-                </a:solidFill>
-                <a:latin typeface="Consolas"/>
-              </a:rPr>
-              <a:t>)</a:t>
-            </a:r>
-            <a:endParaRPr lang="ru-RU" dirty="0" smtClean="0">
-              <a:solidFill>
-                <a:srgbClr val="000000"/>
-              </a:solidFill>
-              <a:latin typeface="Consolas"/>
-            </a:endParaRPr>
-          </a:p>
-          <a:p>
-            <a:r>
-              <a:rPr lang="en-US" dirty="0" smtClean="0">
-                <a:solidFill>
-                  <a:srgbClr val="000000"/>
-                </a:solidFill>
-                <a:latin typeface="Consolas"/>
-              </a:rPr>
-              <a:t>{</a:t>
-            </a:r>
-            <a:endParaRPr lang="en-US" dirty="0">
-              <a:solidFill>
-                <a:srgbClr val="000000"/>
-              </a:solidFill>
-              <a:latin typeface="Consolas"/>
-            </a:endParaRPr>
-          </a:p>
-          <a:p>
-            <a:pPr lvl="1"/>
-            <a:r>
-              <a:rPr lang="en-US" dirty="0">
-                <a:solidFill>
-                  <a:srgbClr val="000000"/>
-                </a:solidFill>
-                <a:latin typeface="Consolas"/>
-              </a:rPr>
-              <a:t>int2 a = *</a:t>
-            </a:r>
-            <a:r>
-              <a:rPr lang="en-US" dirty="0" err="1">
-                <a:solidFill>
-                  <a:srgbClr val="0000FF"/>
-                </a:solidFill>
-                <a:latin typeface="Consolas"/>
-              </a:rPr>
-              <a:t>reinterpret_cast</a:t>
-            </a:r>
-            <a:r>
-              <a:rPr lang="en-US" dirty="0">
-                <a:solidFill>
-                  <a:srgbClr val="000000"/>
-                </a:solidFill>
-                <a:latin typeface="Consolas"/>
-              </a:rPr>
-              <a:t>&lt;int2*&gt;(&amp;</a:t>
-            </a:r>
-            <a:r>
-              <a:rPr lang="en-US" dirty="0" err="1">
-                <a:solidFill>
-                  <a:srgbClr val="000000"/>
-                </a:solidFill>
-                <a:latin typeface="Consolas"/>
-              </a:rPr>
-              <a:t>var</a:t>
-            </a:r>
-            <a:r>
-              <a:rPr lang="en-US" dirty="0">
-                <a:solidFill>
-                  <a:srgbClr val="000000"/>
-                </a:solidFill>
-                <a:latin typeface="Consolas"/>
-              </a:rPr>
-              <a:t>);</a:t>
-            </a:r>
-          </a:p>
-          <a:p>
-            <a:pPr lvl="1"/>
-            <a:r>
-              <a:rPr lang="en-US" dirty="0" err="1">
-                <a:solidFill>
-                  <a:srgbClr val="000000"/>
-                </a:solidFill>
-                <a:latin typeface="Consolas"/>
-              </a:rPr>
-              <a:t>a.</a:t>
-            </a:r>
-            <a:r>
-              <a:rPr lang="en-US" dirty="0" err="1">
-                <a:solidFill>
-                  <a:srgbClr val="001080"/>
-                </a:solidFill>
-                <a:latin typeface="Consolas"/>
-              </a:rPr>
-              <a:t>x</a:t>
-            </a:r>
-            <a:r>
-              <a:rPr lang="en-US" dirty="0">
-                <a:solidFill>
-                  <a:srgbClr val="000000"/>
-                </a:solidFill>
-                <a:latin typeface="Consolas"/>
-              </a:rPr>
-              <a:t> = </a:t>
-            </a:r>
-            <a:r>
-              <a:rPr lang="en-US" dirty="0">
-                <a:solidFill>
-                  <a:srgbClr val="795E26"/>
-                </a:solidFill>
-                <a:latin typeface="Consolas"/>
-              </a:rPr>
-              <a:t>__</a:t>
-            </a:r>
-            <a:r>
-              <a:rPr lang="en-US" dirty="0" err="1">
-                <a:solidFill>
-                  <a:srgbClr val="795E26"/>
-                </a:solidFill>
-                <a:latin typeface="Consolas"/>
-              </a:rPr>
-              <a:t>shfl_down</a:t>
-            </a:r>
-            <a:r>
-              <a:rPr lang="en-US" dirty="0">
-                <a:solidFill>
-                  <a:srgbClr val="000000"/>
-                </a:solidFill>
-                <a:latin typeface="Consolas"/>
-              </a:rPr>
-              <a:t>(</a:t>
-            </a:r>
-            <a:r>
-              <a:rPr lang="en-US" dirty="0" err="1">
-                <a:solidFill>
-                  <a:srgbClr val="000000"/>
-                </a:solidFill>
-                <a:latin typeface="Consolas"/>
-              </a:rPr>
-              <a:t>a.</a:t>
-            </a:r>
-            <a:r>
-              <a:rPr lang="en-US" dirty="0" err="1">
-                <a:solidFill>
-                  <a:srgbClr val="001080"/>
-                </a:solidFill>
-                <a:latin typeface="Consolas"/>
-              </a:rPr>
-              <a:t>x</a:t>
-            </a:r>
-            <a:r>
-              <a:rPr lang="en-US" dirty="0">
-                <a:solidFill>
-                  <a:srgbClr val="000000"/>
-                </a:solidFill>
-                <a:latin typeface="Consolas"/>
-              </a:rPr>
-              <a:t>, </a:t>
-            </a:r>
-            <a:r>
-              <a:rPr lang="en-US" dirty="0" err="1">
-                <a:solidFill>
-                  <a:srgbClr val="000000"/>
-                </a:solidFill>
-                <a:latin typeface="Consolas"/>
-              </a:rPr>
-              <a:t>srcLane</a:t>
-            </a:r>
-            <a:r>
-              <a:rPr lang="en-US" dirty="0">
-                <a:solidFill>
-                  <a:srgbClr val="000000"/>
-                </a:solidFill>
-                <a:latin typeface="Consolas"/>
-              </a:rPr>
-              <a:t>, width);</a:t>
-            </a:r>
-          </a:p>
-          <a:p>
-            <a:pPr lvl="1"/>
-            <a:r>
-              <a:rPr lang="en-US" dirty="0" err="1">
-                <a:solidFill>
-                  <a:srgbClr val="000000"/>
-                </a:solidFill>
-                <a:latin typeface="Consolas"/>
-              </a:rPr>
-              <a:t>a.</a:t>
-            </a:r>
-            <a:r>
-              <a:rPr lang="en-US" dirty="0" err="1">
-                <a:solidFill>
-                  <a:srgbClr val="001080"/>
-                </a:solidFill>
-                <a:latin typeface="Consolas"/>
-              </a:rPr>
-              <a:t>y</a:t>
-            </a:r>
-            <a:r>
-              <a:rPr lang="en-US" dirty="0">
-                <a:solidFill>
-                  <a:srgbClr val="000000"/>
-                </a:solidFill>
-                <a:latin typeface="Consolas"/>
-              </a:rPr>
-              <a:t> = </a:t>
-            </a:r>
-            <a:r>
-              <a:rPr lang="en-US" dirty="0">
-                <a:solidFill>
-                  <a:srgbClr val="795E26"/>
-                </a:solidFill>
-                <a:latin typeface="Consolas"/>
-              </a:rPr>
-              <a:t>__</a:t>
-            </a:r>
-            <a:r>
-              <a:rPr lang="en-US" dirty="0" err="1">
-                <a:solidFill>
-                  <a:srgbClr val="795E26"/>
-                </a:solidFill>
-                <a:latin typeface="Consolas"/>
-              </a:rPr>
-              <a:t>shfl_down</a:t>
-            </a:r>
-            <a:r>
-              <a:rPr lang="en-US" dirty="0">
-                <a:solidFill>
-                  <a:srgbClr val="000000"/>
-                </a:solidFill>
-                <a:latin typeface="Consolas"/>
-              </a:rPr>
-              <a:t>(</a:t>
-            </a:r>
-            <a:r>
-              <a:rPr lang="en-US" dirty="0" err="1">
-                <a:solidFill>
-                  <a:srgbClr val="000000"/>
-                </a:solidFill>
-                <a:latin typeface="Consolas"/>
-              </a:rPr>
-              <a:t>a.</a:t>
-            </a:r>
-            <a:r>
-              <a:rPr lang="en-US" dirty="0" err="1">
-                <a:solidFill>
-                  <a:srgbClr val="001080"/>
-                </a:solidFill>
-                <a:latin typeface="Consolas"/>
-              </a:rPr>
-              <a:t>y</a:t>
-            </a:r>
-            <a:r>
-              <a:rPr lang="en-US" dirty="0">
-                <a:solidFill>
-                  <a:srgbClr val="000000"/>
-                </a:solidFill>
-                <a:latin typeface="Consolas"/>
-              </a:rPr>
-              <a:t>, </a:t>
-            </a:r>
-            <a:r>
-              <a:rPr lang="en-US" dirty="0" err="1">
-                <a:solidFill>
-                  <a:srgbClr val="000000"/>
-                </a:solidFill>
-                <a:latin typeface="Consolas"/>
-              </a:rPr>
-              <a:t>srcLane</a:t>
-            </a:r>
-            <a:r>
-              <a:rPr lang="en-US" dirty="0">
-                <a:solidFill>
-                  <a:srgbClr val="000000"/>
-                </a:solidFill>
-                <a:latin typeface="Consolas"/>
-              </a:rPr>
-              <a:t>, width);</a:t>
-            </a:r>
-          </a:p>
-          <a:p>
-            <a:pPr lvl="1"/>
-            <a:r>
-              <a:rPr lang="en-US" dirty="0">
-                <a:solidFill>
-                  <a:srgbClr val="AF00DB"/>
-                </a:solidFill>
-                <a:latin typeface="Consolas"/>
-              </a:rPr>
-              <a:t>return</a:t>
-            </a:r>
-            <a:r>
-              <a:rPr lang="en-US" dirty="0">
-                <a:solidFill>
-                  <a:srgbClr val="000000"/>
-                </a:solidFill>
-                <a:latin typeface="Consolas"/>
-              </a:rPr>
-              <a:t> *</a:t>
-            </a:r>
-            <a:r>
-              <a:rPr lang="en-US" dirty="0" err="1">
-                <a:solidFill>
-                  <a:srgbClr val="0000FF"/>
-                </a:solidFill>
-                <a:latin typeface="Consolas"/>
-              </a:rPr>
-              <a:t>reinterpret_cast</a:t>
-            </a:r>
-            <a:r>
-              <a:rPr lang="en-US" dirty="0">
-                <a:solidFill>
-                  <a:srgbClr val="000000"/>
-                </a:solidFill>
-                <a:latin typeface="Consolas"/>
-              </a:rPr>
-              <a:t>&lt;</a:t>
-            </a:r>
-            <a:r>
-              <a:rPr lang="en-US" dirty="0">
-                <a:solidFill>
-                  <a:srgbClr val="0000FF"/>
-                </a:solidFill>
-                <a:latin typeface="Consolas"/>
-              </a:rPr>
-              <a:t>double</a:t>
-            </a:r>
-            <a:r>
-              <a:rPr lang="en-US" dirty="0">
-                <a:solidFill>
-                  <a:srgbClr val="000000"/>
-                </a:solidFill>
-                <a:latin typeface="Consolas"/>
-              </a:rPr>
-              <a:t>*&gt;(&amp;a);</a:t>
-            </a:r>
-          </a:p>
-          <a:p>
-            <a:r>
-              <a:rPr lang="en-US" dirty="0">
-                <a:solidFill>
-                  <a:srgbClr val="000000"/>
-                </a:solidFill>
-                <a:latin typeface="Consolas"/>
-              </a:rPr>
-              <a:t>}</a:t>
-            </a:r>
-            <a:endParaRPr lang="en-US" b="0" dirty="0">
-              <a:solidFill>
-                <a:srgbClr val="000000"/>
-              </a:solidFill>
-              <a:effectLst/>
-              <a:latin typeface="Consolas"/>
-            </a:endParaRPr>
-          </a:p>
-        </p:txBody>
-      </p:sp>
     </p:spTree>
     <p:extLst>
       <p:ext uri="{BB962C8B-B14F-4D97-AF65-F5344CB8AC3E}">
-        <p14:creationId xmlns:p14="http://schemas.microsoft.com/office/powerpoint/2010/main" val="1409009558"/>
+        <p14:creationId xmlns:p14="http://schemas.microsoft.com/office/powerpoint/2010/main" val="801560559"/>
       </p:ext>
     </p:extLst>
   </p:cSld>
@@ -7265,172 +7022,108 @@
         </p:spPr>
         <p:txBody>
           <a:bodyPr vert="horz">
-            <a:normAutofit lnSpcReduction="10000"/>
+            <a:normAutofit/>
           </a:bodyPr>
           <a:lstStyle/>
-          <a:p>
-            <a:r>
-              <a:rPr lang="ru-RU" sz="2800" dirty="0" smtClean="0">
-                <a:latin typeface="PT Sans" pitchFamily="34" charset="-52"/>
-              </a:rPr>
-              <a:t>Вариант редукции с использованием </a:t>
-            </a:r>
-            <a:r>
-              <a:rPr lang="en-US" sz="2800" dirty="0" smtClean="0">
-                <a:latin typeface="PT Sans" pitchFamily="34" charset="-52"/>
-              </a:rPr>
-              <a:t>shuffle:</a:t>
-            </a:r>
-          </a:p>
-          <a:p>
-            <a:pPr lvl="1"/>
-            <a:r>
-              <a:rPr lang="ru-RU" sz="2400" dirty="0" smtClean="0">
-                <a:latin typeface="PT Sans"/>
-              </a:rPr>
-              <a:t>В каждом блоке </a:t>
-            </a:r>
-            <a:r>
-              <a:rPr lang="ru-RU" sz="2400" dirty="0" err="1" smtClean="0">
-                <a:latin typeface="PT Sans"/>
-              </a:rPr>
-              <a:t>варпы</a:t>
-            </a:r>
-            <a:r>
-              <a:rPr lang="ru-RU" sz="2400" dirty="0" smtClean="0">
-                <a:latin typeface="PT Sans"/>
-              </a:rPr>
-              <a:t> вычисляют промежуточные суммы через </a:t>
-            </a:r>
-            <a:r>
-              <a:rPr lang="en-US" sz="2400" dirty="0">
-                <a:latin typeface="PT Sans" pitchFamily="34" charset="-52"/>
-                <a:ea typeface="PT Sans" pitchFamily="34" charset="-52"/>
-              </a:rPr>
-              <a:t>__</a:t>
-            </a:r>
-            <a:r>
-              <a:rPr lang="en-US" sz="2400" dirty="0" err="1">
-                <a:latin typeface="PT Sans" pitchFamily="34" charset="-52"/>
-                <a:ea typeface="PT Sans" pitchFamily="34" charset="-52"/>
-              </a:rPr>
-              <a:t>shfl_down</a:t>
-            </a:r>
-            <a:r>
-              <a:rPr lang="en-US" sz="2400" dirty="0">
-                <a:latin typeface="PT Sans" pitchFamily="34" charset="-52"/>
-                <a:ea typeface="PT Sans" pitchFamily="34" charset="-52"/>
-              </a:rPr>
-              <a:t>()</a:t>
-            </a:r>
-          </a:p>
-          <a:p>
-            <a:pPr lvl="1"/>
-            <a:r>
-              <a:rPr lang="ru-RU" sz="2400" dirty="0" smtClean="0">
-                <a:latin typeface="PT Sans"/>
-              </a:rPr>
-              <a:t>Суммы помещаются в массив в разделяемой памяти</a:t>
-            </a:r>
-            <a:r>
-              <a:rPr lang="en-US" sz="2400" dirty="0" smtClean="0">
-                <a:latin typeface="PT Sans"/>
-              </a:rPr>
-              <a:t>, </a:t>
-            </a:r>
-            <a:r>
-              <a:rPr lang="ru-RU" sz="2400" dirty="0" smtClean="0">
-                <a:latin typeface="PT Sans"/>
-              </a:rPr>
-              <a:t>массив</a:t>
-            </a:r>
-            <a:r>
-              <a:rPr lang="en-US" sz="2400" dirty="0" smtClean="0">
-                <a:latin typeface="PT Sans"/>
-              </a:rPr>
-              <a:t> </a:t>
-            </a:r>
-            <a:r>
-              <a:rPr lang="ru-RU" sz="2400" dirty="0" smtClean="0">
-                <a:latin typeface="PT Sans"/>
-              </a:rPr>
-              <a:t>суммируется первым </a:t>
-            </a:r>
-            <a:r>
-              <a:rPr lang="ru-RU" sz="2400" dirty="0" err="1" smtClean="0">
-                <a:latin typeface="PT Sans"/>
-              </a:rPr>
-              <a:t>варпом</a:t>
-            </a:r>
-            <a:endParaRPr lang="ru-RU" sz="2400" dirty="0" smtClean="0">
-              <a:latin typeface="PT Sans"/>
-            </a:endParaRPr>
-          </a:p>
-          <a:p>
-            <a:pPr lvl="1"/>
-            <a:r>
-              <a:rPr lang="ru-RU" sz="2400" dirty="0" smtClean="0">
-                <a:latin typeface="PT Sans"/>
-              </a:rPr>
-              <a:t>Частичные суммы каждого блока суммируются повторным вызовом ядра</a:t>
-            </a:r>
-          </a:p>
-          <a:p>
-            <a:r>
-              <a:rPr lang="ru-RU" sz="2800" dirty="0" smtClean="0">
-                <a:latin typeface="PT Sans"/>
-              </a:rPr>
-              <a:t>Модификация – каждый </a:t>
-            </a:r>
-            <a:r>
-              <a:rPr lang="ru-RU" sz="2800" dirty="0" err="1" smtClean="0">
-                <a:latin typeface="PT Sans"/>
-              </a:rPr>
-              <a:t>варп</a:t>
-            </a:r>
-            <a:r>
-              <a:rPr lang="ru-RU" sz="2800" dirty="0" smtClean="0">
-                <a:latin typeface="PT Sans"/>
-              </a:rPr>
-              <a:t> добавляет свою сумму к итоговой через </a:t>
-            </a:r>
-            <a:r>
-              <a:rPr lang="en-US" sz="2800" dirty="0" err="1" smtClean="0">
-                <a:latin typeface="PT Sans"/>
-              </a:rPr>
-              <a:t>atomicAdd</a:t>
-            </a:r>
-            <a:r>
-              <a:rPr lang="en-US" sz="2800" dirty="0" smtClean="0">
-                <a:latin typeface="PT Sans"/>
-              </a:rPr>
-              <a:t>()</a:t>
-            </a:r>
-            <a:endParaRPr lang="ru-RU" sz="2800" dirty="0" smtClean="0">
-              <a:latin typeface="PT Sans"/>
-            </a:endParaRPr>
-          </a:p>
-          <a:p>
-            <a:r>
-              <a:rPr lang="ru-RU" sz="2800" dirty="0" smtClean="0">
-                <a:latin typeface="PT Sans"/>
-              </a:rPr>
-              <a:t>Модификация варианта 2 для блоков</a:t>
-            </a:r>
-            <a:r>
-              <a:rPr lang="en-US" sz="2800" dirty="0"/>
-              <a:t/>
-            </a:r>
-            <a:br>
-              <a:rPr lang="en-US" sz="2800" dirty="0"/>
-            </a:br>
-            <a:endParaRPr lang="en-US" sz="2800" dirty="0"/>
-          </a:p>
           <a:p>
             <a:endParaRPr lang="ru-RU" sz="2800" dirty="0" smtClean="0">
               <a:latin typeface="PT Sans" pitchFamily="34" charset="-52"/>
               <a:ea typeface="PT Sans" pitchFamily="34" charset="-52"/>
             </a:endParaRPr>
+          </a:p>
+          <a:p>
+            <a:r>
+              <a:rPr lang="ru-RU" sz="2800" dirty="0" smtClean="0">
+                <a:latin typeface="PT Sans" pitchFamily="34" charset="-52"/>
+                <a:ea typeface="PT Sans" pitchFamily="34" charset="-52"/>
+              </a:rPr>
+              <a:t>Нить добавляет к своему адресу значение </a:t>
+            </a:r>
+            <a:r>
+              <a:rPr lang="en-US" sz="2800" dirty="0" smtClean="0">
+                <a:latin typeface="PT Sans" pitchFamily="34" charset="-52"/>
+                <a:ea typeface="PT Sans" pitchFamily="34" charset="-52"/>
+              </a:rPr>
+              <a:t>delta </a:t>
+            </a:r>
+            <a:r>
+              <a:rPr lang="ru-RU" sz="2800" dirty="0" smtClean="0">
+                <a:latin typeface="PT Sans" pitchFamily="34" charset="-52"/>
+                <a:ea typeface="PT Sans" pitchFamily="34" charset="-52"/>
+              </a:rPr>
+              <a:t>и считывает по этому адресу значение </a:t>
+            </a:r>
+            <a:r>
+              <a:rPr lang="en-US" sz="2800" dirty="0" err="1" smtClean="0">
+                <a:latin typeface="PT Sans" pitchFamily="34" charset="-52"/>
+                <a:ea typeface="PT Sans" pitchFamily="34" charset="-52"/>
+              </a:rPr>
+              <a:t>var</a:t>
+            </a:r>
+            <a:endParaRPr lang="en-US" sz="2800" dirty="0" smtClean="0">
+              <a:latin typeface="PT Sans" pitchFamily="34" charset="-52"/>
+              <a:ea typeface="PT Sans" pitchFamily="34" charset="-52"/>
+            </a:endParaRPr>
+          </a:p>
+          <a:p>
+            <a:r>
+              <a:rPr lang="en-US" sz="2800" dirty="0">
+                <a:latin typeface="PT Sans" pitchFamily="34" charset="-52"/>
+                <a:ea typeface="PT Sans" pitchFamily="34" charset="-52"/>
+              </a:rPr>
+              <a:t>w</a:t>
+            </a:r>
+            <a:r>
+              <a:rPr lang="en-US" sz="2800" dirty="0" smtClean="0">
+                <a:latin typeface="PT Sans" pitchFamily="34" charset="-52"/>
+                <a:ea typeface="PT Sans" pitchFamily="34" charset="-52"/>
+              </a:rPr>
+              <a:t>idth={2, 4, 8, 16, 32}</a:t>
+            </a:r>
+          </a:p>
+          <a:p>
+            <a:r>
+              <a:rPr lang="ru-RU" sz="2800" dirty="0" smtClean="0">
+                <a:latin typeface="PT Sans" pitchFamily="34" charset="-52"/>
+                <a:ea typeface="PT Sans" pitchFamily="34" charset="-52"/>
+              </a:rPr>
+              <a:t>Если адрес вышел за пределы </a:t>
+            </a:r>
+            <a:r>
+              <a:rPr lang="en-US" sz="2800" dirty="0" smtClean="0">
+                <a:latin typeface="PT Sans" pitchFamily="34" charset="-52"/>
+                <a:ea typeface="PT Sans" pitchFamily="34" charset="-52"/>
+              </a:rPr>
+              <a:t>width </a:t>
+            </a:r>
+            <a:r>
+              <a:rPr lang="ru-RU" sz="2800" dirty="0" smtClean="0">
+                <a:latin typeface="PT Sans" pitchFamily="34" charset="-52"/>
+                <a:ea typeface="PT Sans" pitchFamily="34" charset="-52"/>
+              </a:rPr>
+              <a:t>возвращается значение </a:t>
+            </a:r>
+            <a:r>
+              <a:rPr lang="en-US" sz="2800" dirty="0" err="1" smtClean="0">
+                <a:latin typeface="PT Sans" pitchFamily="34" charset="-52"/>
+                <a:ea typeface="PT Sans" pitchFamily="34" charset="-52"/>
+              </a:rPr>
+              <a:t>var</a:t>
+            </a:r>
+            <a:r>
+              <a:rPr lang="en-US" sz="2800" dirty="0" smtClean="0">
+                <a:latin typeface="PT Sans" pitchFamily="34" charset="-52"/>
+                <a:ea typeface="PT Sans" pitchFamily="34" charset="-52"/>
+              </a:rPr>
+              <a:t> </a:t>
+            </a:r>
+            <a:r>
+              <a:rPr lang="ru-RU" sz="2800" dirty="0" smtClean="0">
+                <a:latin typeface="PT Sans" pitchFamily="34" charset="-52"/>
+                <a:ea typeface="PT Sans" pitchFamily="34" charset="-52"/>
+              </a:rPr>
+              <a:t>самой нити</a:t>
+            </a:r>
           </a:p>
         </p:txBody>
       </p:sp>
@@ -7459,7 +7152,7 @@
           <a:lstStyle/>
           <a:p>
             <a:r>
-              <a:rPr lang="en-US" sz="4000" dirty="0" smtClean="0">
+              <a:rPr lang="en-US" sz="4000" dirty="0">
                 <a:latin typeface="PT Sans" pitchFamily="34" charset="-52"/>
                 <a:ea typeface="PT Sans" pitchFamily="34" charset="-52"/>
               </a:rPr>
@@ -7472,10 +7165,194 @@
           </a:p>
         </p:txBody>
       </p:sp>
+      <p:sp>
+        <p:nvSpPr>
+          <p:cNvPr id="2" name="Прямоугольник 1"/>
+          <p:cNvSpPr/>
+          <p:nvPr/>
+        </p:nvSpPr>
+        <p:spPr>
+          <a:xfrm>
+            <a:off x="539552" y="1547500"/>
+            <a:ext cx="8496944" cy="369332"/>
+          </a:xfrm>
+          <a:prstGeom prst="rect">
+            <a:avLst/>
+          </a:prstGeom>
+        </p:spPr>
+        <p:txBody>
+          <a:bodyPr wrap="square">
+            <a:spAutoFit/>
+          </a:bodyPr>
+          <a:lstStyle/>
+          <a:p>
+            <a:r>
+              <a:rPr lang="en-US" dirty="0" err="1">
+                <a:solidFill>
+                  <a:srgbClr val="0000FF"/>
+                </a:solidFill>
+                <a:latin typeface="Consolas"/>
+              </a:rPr>
+              <a:t>int</a:t>
+            </a:r>
+            <a:r>
+              <a:rPr lang="en-US" dirty="0">
+                <a:solidFill>
+                  <a:srgbClr val="000000"/>
+                </a:solidFill>
+                <a:latin typeface="Consolas"/>
+              </a:rPr>
+              <a:t> </a:t>
+            </a:r>
+            <a:r>
+              <a:rPr lang="en-US" dirty="0">
+                <a:solidFill>
+                  <a:srgbClr val="795E26"/>
+                </a:solidFill>
+                <a:latin typeface="Consolas"/>
+              </a:rPr>
+              <a:t>__</a:t>
+            </a:r>
+            <a:r>
+              <a:rPr lang="en-US" dirty="0" err="1">
+                <a:solidFill>
+                  <a:srgbClr val="795E26"/>
+                </a:solidFill>
+                <a:latin typeface="Consolas"/>
+              </a:rPr>
+              <a:t>shfl_down</a:t>
+            </a:r>
+            <a:r>
+              <a:rPr lang="en-US" dirty="0">
+                <a:solidFill>
+                  <a:srgbClr val="000000"/>
+                </a:solidFill>
+                <a:latin typeface="Consolas"/>
+              </a:rPr>
+              <a:t>(</a:t>
+            </a:r>
+            <a:r>
+              <a:rPr lang="en-US" dirty="0" err="1">
+                <a:solidFill>
+                  <a:srgbClr val="0000FF"/>
+                </a:solidFill>
+                <a:latin typeface="Consolas"/>
+              </a:rPr>
+              <a:t>int</a:t>
+            </a:r>
+            <a:r>
+              <a:rPr lang="en-US" dirty="0">
+                <a:solidFill>
+                  <a:srgbClr val="000000"/>
+                </a:solidFill>
+                <a:latin typeface="Consolas"/>
+              </a:rPr>
+              <a:t> </a:t>
+            </a:r>
+            <a:r>
+              <a:rPr lang="en-US" dirty="0" err="1">
+                <a:solidFill>
+                  <a:srgbClr val="000000"/>
+                </a:solidFill>
+                <a:latin typeface="Consolas"/>
+              </a:rPr>
+              <a:t>var</a:t>
+            </a:r>
+            <a:r>
+              <a:rPr lang="en-US" dirty="0">
+                <a:solidFill>
+                  <a:srgbClr val="000000"/>
+                </a:solidFill>
+                <a:latin typeface="Consolas"/>
+              </a:rPr>
+              <a:t>, </a:t>
+            </a:r>
+            <a:r>
+              <a:rPr lang="en-US" dirty="0">
+                <a:solidFill>
+                  <a:srgbClr val="0000FF"/>
+                </a:solidFill>
+                <a:latin typeface="Consolas"/>
+              </a:rPr>
+              <a:t>unsigned</a:t>
+            </a:r>
+            <a:r>
+              <a:rPr lang="en-US" dirty="0">
+                <a:solidFill>
+                  <a:srgbClr val="000000"/>
+                </a:solidFill>
+                <a:latin typeface="Consolas"/>
+              </a:rPr>
+              <a:t> </a:t>
+            </a:r>
+            <a:r>
+              <a:rPr lang="en-US" dirty="0" err="1">
+                <a:solidFill>
+                  <a:srgbClr val="0000FF"/>
+                </a:solidFill>
+                <a:latin typeface="Consolas"/>
+              </a:rPr>
+              <a:t>int</a:t>
+            </a:r>
+            <a:r>
+              <a:rPr lang="en-US" dirty="0">
+                <a:solidFill>
+                  <a:srgbClr val="000000"/>
+                </a:solidFill>
+                <a:latin typeface="Consolas"/>
+              </a:rPr>
+              <a:t> delta, </a:t>
+            </a:r>
+            <a:r>
+              <a:rPr lang="en-US" dirty="0" err="1">
+                <a:solidFill>
+                  <a:srgbClr val="0000FF"/>
+                </a:solidFill>
+                <a:latin typeface="Consolas"/>
+              </a:rPr>
+              <a:t>int</a:t>
+            </a:r>
+            <a:r>
+              <a:rPr lang="en-US" dirty="0">
+                <a:solidFill>
+                  <a:srgbClr val="000000"/>
+                </a:solidFill>
+                <a:latin typeface="Consolas"/>
+              </a:rPr>
+              <a:t> width=</a:t>
+            </a:r>
+            <a:r>
+              <a:rPr lang="en-US" dirty="0" err="1">
+                <a:solidFill>
+                  <a:srgbClr val="000000"/>
+                </a:solidFill>
+                <a:latin typeface="Consolas"/>
+              </a:rPr>
+              <a:t>warpSize</a:t>
+            </a:r>
+            <a:r>
+              <a:rPr lang="en-US" dirty="0">
+                <a:solidFill>
+                  <a:srgbClr val="000000"/>
+                </a:solidFill>
+                <a:latin typeface="Consolas"/>
+              </a:rPr>
+              <a:t>);</a:t>
+            </a:r>
+            <a:endParaRPr lang="en-US" b="0" dirty="0">
+              <a:solidFill>
+                <a:srgbClr val="000000"/>
+              </a:solidFill>
+              <a:effectLst/>
+              <a:latin typeface="Consolas"/>
+            </a:endParaRPr>
+          </a:p>
+        </p:txBody>
+      </p:sp>
     </p:spTree>
     <p:extLst>
       <p:ext uri="{BB962C8B-B14F-4D97-AF65-F5344CB8AC3E}">
-        <p14:creationId xmlns:p14="http://schemas.microsoft.com/office/powerpoint/2010/main" val="3426244301"/>
+        <p14:creationId xmlns:p14="http://schemas.microsoft.com/office/powerpoint/2010/main" val="3467058184"/>
       </p:ext>
     </p:extLst>
   </p:cSld>
@@ -7532,63 +7409,17 @@
           <a:lstStyle/>
           <a:p>
             <a:r>
+              <a:rPr lang="ru-RU" sz="2800" dirty="0">
+                <a:latin typeface="PT Sans" pitchFamily="34" charset="-52"/>
+              </a:rPr>
+              <a:t>П</a:t>
+            </a:r>
+            <a:r>
               <a:rPr lang="ru-RU" sz="2800" dirty="0" smtClean="0">
-                <a:latin typeface="PT Sans"/>
-              </a:rPr>
-              <a:t>Для улучшения паттерна доступа к памяти можно использовать векторизацию</a:t>
-            </a:r>
-          </a:p>
-          <a:p>
-            <a:r>
-              <a:rPr lang="ru-RU" sz="2800" dirty="0" smtClean="0">
-                <a:latin typeface="PT Sans"/>
-              </a:rPr>
-              <a:t>Векторизация является </a:t>
-            </a:r>
-            <a:r>
-              <a:rPr lang="ru-RU" sz="2800" u="sng" dirty="0" smtClean="0">
-                <a:latin typeface="PT Sans"/>
-              </a:rPr>
-              <a:t>практически </a:t>
-            </a:r>
-            <a:r>
-              <a:rPr lang="ru-RU" sz="2800" dirty="0" smtClean="0">
-                <a:latin typeface="PT Sans"/>
-              </a:rPr>
-              <a:t>«серебряной пулей»</a:t>
-            </a:r>
-          </a:p>
-          <a:p>
-            <a:r>
-              <a:rPr lang="ru-RU" sz="2800" dirty="0" smtClean="0">
-                <a:latin typeface="PT Sans"/>
-              </a:rPr>
-              <a:t>Обработка данных как векторов длиной 64/128 бит</a:t>
-            </a:r>
-          </a:p>
-          <a:p>
-            <a:r>
-              <a:rPr lang="ru-RU" sz="2800" dirty="0" smtClean="0">
-                <a:latin typeface="PT Sans"/>
-              </a:rPr>
-              <a:t>Используются встроенные векторные типы данных </a:t>
-            </a:r>
-            <a:r>
-              <a:rPr lang="en-US" sz="2800" dirty="0" smtClean="0">
-                <a:latin typeface="PT Sans"/>
-              </a:rPr>
-              <a:t>int2, int4, float2, float4</a:t>
-            </a:r>
-            <a:r>
-              <a:rPr lang="en-US" sz="2800" dirty="0"/>
-              <a:t/>
-            </a:r>
-            <a:br>
-              <a:rPr lang="en-US" sz="2800" dirty="0"/>
-            </a:br>
-            <a:endParaRPr lang="en-US" sz="2800" dirty="0"/>
-          </a:p>
-          <a:p>
+                <a:latin typeface="PT Sans" pitchFamily="34" charset="-52"/>
+              </a:rPr>
+              <a:t>оддерживаются только 4-байтовые типы данных</a:t>
+            </a:r>
             <a:endParaRPr lang="ru-RU" sz="2800" dirty="0" smtClean="0">
               <a:latin typeface="PT Sans" pitchFamily="34" charset="-52"/>
               <a:ea typeface="PT Sans" pitchFamily="34" charset="-52"/>
@@ -7621,11 +7452,11 @@
           <a:lstStyle/>
           <a:p>
             <a:r>
-              <a:rPr lang="ru-RU" sz="4000" dirty="0" smtClean="0">
-                <a:latin typeface="PT Sans" pitchFamily="34" charset="-52"/>
-                <a:ea typeface="PT Sans" pitchFamily="34" charset="-52"/>
-              </a:rPr>
-              <a:t>Векторизация</a:t>
+              <a:rPr lang="en-US" sz="4000" dirty="0">
+                <a:latin typeface="PT Sans" pitchFamily="34" charset="-52"/>
+                <a:ea typeface="PT Sans" pitchFamily="34" charset="-52"/>
+              </a:rPr>
+              <a:t>Shuffle</a:t>
             </a:r>
             <a:endParaRPr lang="ru-RU" sz="4000" dirty="0">
               <a:latin typeface="PT Sans" pitchFamily="34" charset="-52"/>
@@ -7634,10 +7465,582 @@
           </a:p>
         </p:txBody>
       </p:sp>
+      <p:sp>
+        <p:nvSpPr>
+          <p:cNvPr id="2" name="Прямоугольник 1"/>
+          <p:cNvSpPr/>
+          <p:nvPr/>
+        </p:nvSpPr>
+        <p:spPr>
+          <a:xfrm>
+            <a:off x="755576" y="2924944"/>
+            <a:ext cx="7920880" cy="2308324"/>
+          </a:xfrm>
+          <a:prstGeom prst="rect">
+            <a:avLst/>
+          </a:prstGeom>
+        </p:spPr>
+        <p:txBody>
+          <a:bodyPr wrap="square">
+            <a:spAutoFit/>
+          </a:bodyPr>
+          <a:lstStyle/>
+          <a:p>
+            <a:r>
+              <a:rPr lang="en-US" dirty="0">
+                <a:solidFill>
+                  <a:srgbClr val="000000"/>
+                </a:solidFill>
+                <a:latin typeface="Consolas"/>
+              </a:rPr>
+              <a:t>__device__ </a:t>
+            </a:r>
+            <a:r>
+              <a:rPr lang="en-US" dirty="0">
+                <a:solidFill>
+                  <a:srgbClr val="0000FF"/>
+                </a:solidFill>
+                <a:latin typeface="Consolas"/>
+              </a:rPr>
+              <a:t>inline</a:t>
+            </a:r>
+            <a:r>
+              <a:rPr lang="en-US" dirty="0">
+                <a:solidFill>
+                  <a:srgbClr val="000000"/>
+                </a:solidFill>
+                <a:latin typeface="Consolas"/>
+              </a:rPr>
+              <a:t> </a:t>
+            </a:r>
+            <a:r>
+              <a:rPr lang="en-US" dirty="0">
+                <a:solidFill>
+                  <a:srgbClr val="0000FF"/>
+                </a:solidFill>
+                <a:latin typeface="Consolas"/>
+              </a:rPr>
+              <a:t>double</a:t>
+            </a:r>
+            <a:r>
+              <a:rPr lang="en-US" dirty="0">
+                <a:solidFill>
+                  <a:srgbClr val="000000"/>
+                </a:solidFill>
+                <a:latin typeface="Consolas"/>
+              </a:rPr>
+              <a:t> </a:t>
+            </a:r>
+            <a:r>
+              <a:rPr lang="en-US" dirty="0">
+                <a:solidFill>
+                  <a:srgbClr val="795E26"/>
+                </a:solidFill>
+                <a:latin typeface="Consolas"/>
+              </a:rPr>
+              <a:t>__</a:t>
+            </a:r>
+            <a:r>
+              <a:rPr lang="en-US" dirty="0" err="1">
+                <a:solidFill>
+                  <a:srgbClr val="795E26"/>
+                </a:solidFill>
+                <a:latin typeface="Consolas"/>
+              </a:rPr>
+              <a:t>shfl_down</a:t>
+            </a:r>
+            <a:r>
+              <a:rPr lang="en-US" dirty="0">
+                <a:solidFill>
+                  <a:srgbClr val="000000"/>
+                </a:solidFill>
+                <a:latin typeface="Consolas"/>
+              </a:rPr>
+              <a:t>(</a:t>
+            </a:r>
+            <a:r>
+              <a:rPr lang="en-US" dirty="0">
+                <a:solidFill>
+                  <a:srgbClr val="0000FF"/>
+                </a:solidFill>
+                <a:latin typeface="Consolas"/>
+              </a:rPr>
+              <a:t>double</a:t>
+            </a:r>
+            <a:r>
+              <a:rPr lang="en-US" dirty="0">
+                <a:solidFill>
+                  <a:srgbClr val="000000"/>
+                </a:solidFill>
+                <a:latin typeface="Consolas"/>
+              </a:rPr>
+              <a:t> </a:t>
+            </a:r>
+            <a:r>
+              <a:rPr lang="en-US" dirty="0" err="1">
+                <a:solidFill>
+                  <a:srgbClr val="000000"/>
+                </a:solidFill>
+                <a:latin typeface="Consolas"/>
+              </a:rPr>
+              <a:t>var</a:t>
+            </a:r>
+            <a:r>
+              <a:rPr lang="en-US" dirty="0">
+                <a:solidFill>
+                  <a:srgbClr val="000000"/>
+                </a:solidFill>
+                <a:latin typeface="Consolas"/>
+              </a:rPr>
+              <a:t>, </a:t>
+            </a:r>
+            <a:r>
+              <a:rPr lang="en-US" dirty="0">
+                <a:solidFill>
+                  <a:srgbClr val="0000FF"/>
+                </a:solidFill>
+                <a:latin typeface="Consolas"/>
+              </a:rPr>
+              <a:t>unsigned</a:t>
+            </a:r>
+            <a:r>
+              <a:rPr lang="en-US" dirty="0">
+                <a:solidFill>
+                  <a:srgbClr val="000000"/>
+                </a:solidFill>
+                <a:latin typeface="Consolas"/>
+              </a:rPr>
+              <a:t> </a:t>
+            </a:r>
+            <a:r>
+              <a:rPr lang="en-US" dirty="0" err="1">
+                <a:solidFill>
+                  <a:srgbClr val="0000FF"/>
+                </a:solidFill>
+                <a:latin typeface="Consolas"/>
+              </a:rPr>
+              <a:t>int</a:t>
+            </a:r>
+            <a:r>
+              <a:rPr lang="en-US" dirty="0">
+                <a:solidFill>
+                  <a:srgbClr val="000000"/>
+                </a:solidFill>
+                <a:latin typeface="Consolas"/>
+              </a:rPr>
+              <a:t> </a:t>
+            </a:r>
+            <a:r>
+              <a:rPr lang="en-US" dirty="0" err="1">
+                <a:solidFill>
+                  <a:srgbClr val="000000"/>
+                </a:solidFill>
+                <a:latin typeface="Consolas"/>
+              </a:rPr>
+              <a:t>srcLane</a:t>
+            </a:r>
+            <a:r>
+              <a:rPr lang="en-US" dirty="0">
+                <a:solidFill>
+                  <a:srgbClr val="000000"/>
+                </a:solidFill>
+                <a:latin typeface="Consolas"/>
+              </a:rPr>
+              <a:t>, </a:t>
+            </a:r>
+            <a:r>
+              <a:rPr lang="en-US" dirty="0" err="1">
+                <a:solidFill>
+                  <a:srgbClr val="0000FF"/>
+                </a:solidFill>
+                <a:latin typeface="Consolas"/>
+              </a:rPr>
+              <a:t>int</a:t>
+            </a:r>
+            <a:r>
+              <a:rPr lang="en-US" dirty="0">
+                <a:solidFill>
+                  <a:srgbClr val="000000"/>
+                </a:solidFill>
+                <a:latin typeface="Consolas"/>
+              </a:rPr>
+              <a:t> width=</a:t>
+            </a:r>
+            <a:r>
+              <a:rPr lang="en-US" dirty="0">
+                <a:solidFill>
+                  <a:srgbClr val="09885A"/>
+                </a:solidFill>
+                <a:latin typeface="Consolas"/>
+              </a:rPr>
+              <a:t>32</a:t>
+            </a:r>
+            <a:r>
+              <a:rPr lang="en-US" dirty="0" smtClean="0">
+                <a:solidFill>
+                  <a:srgbClr val="000000"/>
+                </a:solidFill>
+                <a:latin typeface="Consolas"/>
+              </a:rPr>
+              <a:t>)</a:t>
+            </a:r>
+            <a:endParaRPr lang="ru-RU" dirty="0" smtClean="0">
+              <a:solidFill>
+                <a:srgbClr val="000000"/>
+              </a:solidFill>
+              <a:latin typeface="Consolas"/>
+            </a:endParaRPr>
+          </a:p>
+          <a:p>
+            <a:r>
+              <a:rPr lang="en-US" dirty="0" smtClean="0">
+                <a:solidFill>
+                  <a:srgbClr val="000000"/>
+                </a:solidFill>
+                <a:latin typeface="Consolas"/>
+              </a:rPr>
+              <a:t>{</a:t>
+            </a:r>
+            <a:endParaRPr lang="en-US" dirty="0">
+              <a:solidFill>
+                <a:srgbClr val="000000"/>
+              </a:solidFill>
+              <a:latin typeface="Consolas"/>
+            </a:endParaRPr>
+          </a:p>
+          <a:p>
+            <a:pPr lvl="1"/>
+            <a:r>
+              <a:rPr lang="en-US" dirty="0">
+                <a:solidFill>
+                  <a:srgbClr val="000000"/>
+                </a:solidFill>
+                <a:latin typeface="Consolas"/>
+              </a:rPr>
+              <a:t>int2 a = *</a:t>
+            </a:r>
+            <a:r>
+              <a:rPr lang="en-US" dirty="0" err="1">
+                <a:solidFill>
+                  <a:srgbClr val="0000FF"/>
+                </a:solidFill>
+                <a:latin typeface="Consolas"/>
+              </a:rPr>
+              <a:t>reinterpret_cast</a:t>
+            </a:r>
+            <a:r>
+              <a:rPr lang="en-US" dirty="0">
+                <a:solidFill>
+                  <a:srgbClr val="000000"/>
+                </a:solidFill>
+                <a:latin typeface="Consolas"/>
+              </a:rPr>
+              <a:t>&lt;int2*&gt;(&amp;</a:t>
+            </a:r>
+            <a:r>
+              <a:rPr lang="en-US" dirty="0" err="1">
+                <a:solidFill>
+                  <a:srgbClr val="000000"/>
+                </a:solidFill>
+                <a:latin typeface="Consolas"/>
+              </a:rPr>
+              <a:t>var</a:t>
+            </a:r>
+            <a:r>
+              <a:rPr lang="en-US" dirty="0">
+                <a:solidFill>
+                  <a:srgbClr val="000000"/>
+                </a:solidFill>
+                <a:latin typeface="Consolas"/>
+              </a:rPr>
+              <a:t>);</a:t>
+            </a:r>
+          </a:p>
+          <a:p>
+            <a:pPr lvl="1"/>
+            <a:r>
+              <a:rPr lang="en-US" dirty="0" err="1">
+                <a:solidFill>
+                  <a:srgbClr val="000000"/>
+                </a:solidFill>
+                <a:latin typeface="Consolas"/>
+              </a:rPr>
+              <a:t>a.</a:t>
+            </a:r>
+            <a:r>
+              <a:rPr lang="en-US" dirty="0" err="1">
+                <a:solidFill>
+                  <a:srgbClr val="001080"/>
+                </a:solidFill>
+                <a:latin typeface="Consolas"/>
+              </a:rPr>
+              <a:t>x</a:t>
+            </a:r>
+            <a:r>
+              <a:rPr lang="en-US" dirty="0">
+                <a:solidFill>
+                  <a:srgbClr val="000000"/>
+                </a:solidFill>
+                <a:latin typeface="Consolas"/>
+              </a:rPr>
+              <a:t> = </a:t>
+            </a:r>
+            <a:r>
+              <a:rPr lang="en-US" dirty="0">
+                <a:solidFill>
+                  <a:srgbClr val="795E26"/>
+                </a:solidFill>
+                <a:latin typeface="Consolas"/>
+              </a:rPr>
+              <a:t>__</a:t>
+            </a:r>
+            <a:r>
+              <a:rPr lang="en-US" dirty="0" err="1">
+                <a:solidFill>
+                  <a:srgbClr val="795E26"/>
+                </a:solidFill>
+                <a:latin typeface="Consolas"/>
+              </a:rPr>
+              <a:t>shfl_down</a:t>
+            </a:r>
+            <a:r>
+              <a:rPr lang="en-US" dirty="0">
+                <a:solidFill>
+                  <a:srgbClr val="000000"/>
+                </a:solidFill>
+                <a:latin typeface="Consolas"/>
+              </a:rPr>
+              <a:t>(</a:t>
+            </a:r>
+            <a:r>
+              <a:rPr lang="en-US" dirty="0" err="1">
+                <a:solidFill>
+                  <a:srgbClr val="000000"/>
+                </a:solidFill>
+                <a:latin typeface="Consolas"/>
+              </a:rPr>
+              <a:t>a.</a:t>
+            </a:r>
+            <a:r>
+              <a:rPr lang="en-US" dirty="0" err="1">
+                <a:solidFill>
+                  <a:srgbClr val="001080"/>
+                </a:solidFill>
+                <a:latin typeface="Consolas"/>
+              </a:rPr>
+              <a:t>x</a:t>
+            </a:r>
+            <a:r>
+              <a:rPr lang="en-US" dirty="0">
+                <a:solidFill>
+                  <a:srgbClr val="000000"/>
+                </a:solidFill>
+                <a:latin typeface="Consolas"/>
+              </a:rPr>
+              <a:t>, </a:t>
+            </a:r>
+            <a:r>
+              <a:rPr lang="en-US" dirty="0" err="1">
+                <a:solidFill>
+                  <a:srgbClr val="000000"/>
+                </a:solidFill>
+                <a:latin typeface="Consolas"/>
+              </a:rPr>
+              <a:t>srcLane</a:t>
+            </a:r>
+            <a:r>
+              <a:rPr lang="en-US" dirty="0">
+                <a:solidFill>
+                  <a:srgbClr val="000000"/>
+                </a:solidFill>
+                <a:latin typeface="Consolas"/>
+              </a:rPr>
+              <a:t>, width);</a:t>
+            </a:r>
+          </a:p>
+          <a:p>
+            <a:pPr lvl="1"/>
+            <a:r>
+              <a:rPr lang="en-US" dirty="0" err="1">
+                <a:solidFill>
+                  <a:srgbClr val="000000"/>
+                </a:solidFill>
+                <a:latin typeface="Consolas"/>
+              </a:rPr>
+              <a:t>a.</a:t>
+            </a:r>
+            <a:r>
+              <a:rPr lang="en-US" dirty="0" err="1">
+                <a:solidFill>
+                  <a:srgbClr val="001080"/>
+                </a:solidFill>
+                <a:latin typeface="Consolas"/>
+              </a:rPr>
+              <a:t>y</a:t>
+            </a:r>
+            <a:r>
+              <a:rPr lang="en-US" dirty="0">
+                <a:solidFill>
+                  <a:srgbClr val="000000"/>
+                </a:solidFill>
+                <a:latin typeface="Consolas"/>
+              </a:rPr>
+              <a:t> = </a:t>
+            </a:r>
+            <a:r>
+              <a:rPr lang="en-US" dirty="0">
+                <a:solidFill>
+                  <a:srgbClr val="795E26"/>
+                </a:solidFill>
+                <a:latin typeface="Consolas"/>
+              </a:rPr>
+              <a:t>__</a:t>
+            </a:r>
+            <a:r>
+              <a:rPr lang="en-US" dirty="0" err="1">
+                <a:solidFill>
+                  <a:srgbClr val="795E26"/>
+                </a:solidFill>
+                <a:latin typeface="Consolas"/>
+              </a:rPr>
+              <a:t>shfl_down</a:t>
+            </a:r>
+            <a:r>
+              <a:rPr lang="en-US" dirty="0">
+                <a:solidFill>
+                  <a:srgbClr val="000000"/>
+                </a:solidFill>
+                <a:latin typeface="Consolas"/>
+              </a:rPr>
+              <a:t>(</a:t>
+            </a:r>
+            <a:r>
+              <a:rPr lang="en-US" dirty="0" err="1">
+                <a:solidFill>
+                  <a:srgbClr val="000000"/>
+                </a:solidFill>
+                <a:latin typeface="Consolas"/>
+              </a:rPr>
+              <a:t>a.</a:t>
+            </a:r>
+            <a:r>
+              <a:rPr lang="en-US" dirty="0" err="1">
+                <a:solidFill>
+                  <a:srgbClr val="001080"/>
+                </a:solidFill>
+                <a:latin typeface="Consolas"/>
+              </a:rPr>
+              <a:t>y</a:t>
+            </a:r>
+            <a:r>
+              <a:rPr lang="en-US" dirty="0">
+                <a:solidFill>
+                  <a:srgbClr val="000000"/>
+                </a:solidFill>
+                <a:latin typeface="Consolas"/>
+              </a:rPr>
+              <a:t>, </a:t>
+            </a:r>
+            <a:r>
+              <a:rPr lang="en-US" dirty="0" err="1">
+                <a:solidFill>
+                  <a:srgbClr val="000000"/>
+                </a:solidFill>
+                <a:latin typeface="Consolas"/>
+              </a:rPr>
+              <a:t>srcLane</a:t>
+            </a:r>
+            <a:r>
+              <a:rPr lang="en-US" dirty="0">
+                <a:solidFill>
+                  <a:srgbClr val="000000"/>
+                </a:solidFill>
+                <a:latin typeface="Consolas"/>
+              </a:rPr>
+              <a:t>, width);</a:t>
+            </a:r>
+          </a:p>
+          <a:p>
+            <a:pPr lvl="1"/>
+            <a:r>
+              <a:rPr lang="en-US" dirty="0">
+                <a:solidFill>
+                  <a:srgbClr val="AF00DB"/>
+                </a:solidFill>
+                <a:latin typeface="Consolas"/>
+              </a:rPr>
+              <a:t>return</a:t>
+            </a:r>
+            <a:r>
+              <a:rPr lang="en-US" dirty="0">
+                <a:solidFill>
+                  <a:srgbClr val="000000"/>
+                </a:solidFill>
+                <a:latin typeface="Consolas"/>
+              </a:rPr>
+              <a:t> *</a:t>
+            </a:r>
+            <a:r>
+              <a:rPr lang="en-US" dirty="0" err="1">
+                <a:solidFill>
+                  <a:srgbClr val="0000FF"/>
+                </a:solidFill>
+                <a:latin typeface="Consolas"/>
+              </a:rPr>
+              <a:t>reinterpret_cast</a:t>
+            </a:r>
+            <a:r>
+              <a:rPr lang="en-US" dirty="0">
+                <a:solidFill>
+                  <a:srgbClr val="000000"/>
+                </a:solidFill>
+                <a:latin typeface="Consolas"/>
+              </a:rPr>
+              <a:t>&lt;</a:t>
+            </a:r>
+            <a:r>
+              <a:rPr lang="en-US" dirty="0">
+                <a:solidFill>
+                  <a:srgbClr val="0000FF"/>
+                </a:solidFill>
+                <a:latin typeface="Consolas"/>
+              </a:rPr>
+              <a:t>double</a:t>
+            </a:r>
+            <a:r>
+              <a:rPr lang="en-US" dirty="0">
+                <a:solidFill>
+                  <a:srgbClr val="000000"/>
+                </a:solidFill>
+                <a:latin typeface="Consolas"/>
+              </a:rPr>
+              <a:t>*&gt;(&amp;a);</a:t>
+            </a:r>
+          </a:p>
+          <a:p>
+            <a:r>
+              <a:rPr lang="en-US" dirty="0">
+                <a:solidFill>
+                  <a:srgbClr val="000000"/>
+                </a:solidFill>
+                <a:latin typeface="Consolas"/>
+              </a:rPr>
+              <a:t>}</a:t>
+            </a:r>
+            <a:endParaRPr lang="en-US" b="0" dirty="0">
+              <a:solidFill>
+                <a:srgbClr val="000000"/>
+              </a:solidFill>
+              <a:effectLst/>
+              <a:latin typeface="Consolas"/>
+            </a:endParaRPr>
+          </a:p>
+        </p:txBody>
+      </p:sp>
     </p:spTree>
     <p:extLst>
       <p:ext uri="{BB962C8B-B14F-4D97-AF65-F5344CB8AC3E}">
-        <p14:creationId xmlns:p14="http://schemas.microsoft.com/office/powerpoint/2010/main" val="2541843734"/>
+        <p14:creationId xmlns:p14="http://schemas.microsoft.com/office/powerpoint/2010/main" val="1409009558"/>
       </p:ext>
     </p:extLst>
   </p:cSld>
@@ -7689,38 +8092,166 @@
         </p:spPr>
         <p:txBody>
           <a:bodyPr vert="horz">
-            <a:normAutofit/>
+            <a:normAutofit lnSpcReduction="10000"/>
           </a:bodyPr>
           <a:lstStyle/>
           <a:p>
             <a:r>
-              <a:rPr lang="ru-RU" sz="2800" dirty="0">
+              <a:rPr lang="ru-RU" sz="2800" dirty="0" smtClean="0">
+                <a:latin typeface="PT Sans" pitchFamily="34" charset="-52"/>
+              </a:rPr>
+              <a:t>Вариант редукции с использованием </a:t>
+            </a:r>
+            <a:r>
+              <a:rPr lang="en-US" sz="2800" dirty="0" smtClean="0">
+                <a:latin typeface="PT Sans" pitchFamily="34" charset="-52"/>
+              </a:rPr>
+              <a:t>shuffle:</a:t>
+            </a:r>
+          </a:p>
+          <a:p>
+            <a:pPr lvl="1"/>
+            <a:r>
+              <a:rPr lang="ru-RU" sz="2400" dirty="0" smtClean="0">
                 <a:latin typeface="PT Sans"/>
               </a:rPr>
-              <a:t>Указатели на исходные данные преобразуются к </a:t>
-            </a:r>
+              <a:t>В каждом блоке </a:t>
+            </a:r>
+            <a:r>
+              <a:rPr lang="ru-RU" sz="2400" dirty="0" err="1" smtClean="0">
+                <a:latin typeface="PT Sans"/>
+              </a:rPr>
+              <a:t>варпы</a:t>
+            </a:r>
+            <a:r>
+              <a:rPr lang="ru-RU" sz="2400" dirty="0" smtClean="0">
+                <a:latin typeface="PT Sans"/>
+              </a:rPr>
+              <a:t> вычисляют промежуточные суммы через </a:t>
+            </a:r>
+            <a:r>
+              <a:rPr lang="en-US" sz="2400" dirty="0">
+                <a:latin typeface="PT Sans" pitchFamily="34" charset="-52"/>
+                <a:ea typeface="PT Sans" pitchFamily="34" charset="-52"/>
+              </a:rPr>
+              <a:t>__</a:t>
+            </a:r>
+            <a:r>
+              <a:rPr lang="en-US" sz="2400" dirty="0" err="1">
+                <a:latin typeface="PT Sans" pitchFamily="34" charset="-52"/>
+                <a:ea typeface="PT Sans" pitchFamily="34" charset="-52"/>
+              </a:rPr>
+              <a:t>shfl_down</a:t>
+            </a:r>
+            <a:r>
+              <a:rPr lang="en-US" sz="2400" dirty="0">
+                <a:latin typeface="PT Sans" pitchFamily="34" charset="-52"/>
+                <a:ea typeface="PT Sans" pitchFamily="34" charset="-52"/>
+              </a:rPr>
+              <a:t>()</a:t>
+            </a:r>
+          </a:p>
+          <a:p>
+            <a:pPr lvl="1"/>
+            <a:r>
+              <a:rPr lang="ru-RU" sz="2400" dirty="0" smtClean="0">
+                <a:latin typeface="PT Sans"/>
+              </a:rPr>
+              <a:t>Суммы помещаются в массив в разделяемой памяти</a:t>
+            </a:r>
+            <a:r>
+              <a:rPr lang="en-US" sz="2400" dirty="0" smtClean="0">
+                <a:latin typeface="PT Sans"/>
+              </a:rPr>
+              <a:t>, </a:t>
+            </a:r>
+            <a:r>
+              <a:rPr lang="ru-RU" sz="2400" dirty="0" smtClean="0">
+                <a:latin typeface="PT Sans"/>
+              </a:rPr>
+              <a:t>массив</a:t>
+            </a:r>
+            <a:r>
+              <a:rPr lang="en-US" sz="2400" dirty="0" smtClean="0">
+                <a:latin typeface="PT Sans"/>
+              </a:rPr>
+              <a:t> </a:t>
+            </a:r>
+            <a:r>
+              <a:rPr lang="ru-RU" sz="2400" dirty="0" smtClean="0">
+                <a:latin typeface="PT Sans"/>
+              </a:rPr>
+              <a:t>суммируется первым </a:t>
+            </a:r>
+            <a:r>
+              <a:rPr lang="ru-RU" sz="2400" dirty="0" err="1" smtClean="0">
+                <a:latin typeface="PT Sans"/>
+              </a:rPr>
+              <a:t>варпом</a:t>
+            </a:r>
+            <a:endParaRPr lang="ru-RU" sz="2400" dirty="0" smtClean="0">
+              <a:latin typeface="PT Sans"/>
+            </a:endParaRPr>
+          </a:p>
+          <a:p>
+            <a:pPr lvl="1"/>
+            <a:r>
+              <a:rPr lang="ru-RU" sz="2400" dirty="0" smtClean="0">
+                <a:latin typeface="PT Sans"/>
+              </a:rPr>
+              <a:t>Частичные суммы каждого блока суммируются повторным вызовом ядра</a:t>
+            </a:r>
+          </a:p>
+          <a:p>
             <a:r>
               <a:rPr lang="ru-RU" sz="2800" dirty="0" smtClean="0">
                 <a:latin typeface="PT Sans"/>
               </a:rPr>
-              <a:t>векторным типам</a:t>
-            </a:r>
-          </a:p>
-          <a:p>
+              <a:t>Модификация – каждый </a:t>
+            </a:r>
+            <a:r>
+              <a:rPr lang="ru-RU" sz="2800" dirty="0" err="1" smtClean="0">
+                <a:latin typeface="PT Sans"/>
+              </a:rPr>
+              <a:t>варп</a:t>
+            </a:r>
             <a:r>
               <a:rPr lang="ru-RU" sz="2800" dirty="0" smtClean="0">
                 <a:latin typeface="PT Sans"/>
               </a:rPr>
-              <a:t>Разыменование таких указателей вызывает векторные инструкции для выравненных данных</a:t>
-            </a:r>
+              <a:t> добавляет свою сумму к итоговой через </a:t>
+            </a:r>
+            <a:r>
+              <a:rPr lang="en-US" sz="2800" dirty="0" err="1" smtClean="0">
+                <a:latin typeface="PT Sans"/>
+              </a:rPr>
+              <a:t>atomicAdd</a:t>
+            </a:r>
+            <a:r>
+              <a:rPr lang="en-US" sz="2800" dirty="0" smtClean="0">
+                <a:latin typeface="PT Sans"/>
+              </a:rPr>
+              <a:t>()</a:t>
+            </a:r>
+            <a:endParaRPr lang="ru-RU" sz="2800" dirty="0" smtClean="0">
+              <a:latin typeface="PT Sans"/>
+            </a:endParaRPr>
           </a:p>
           <a:p>
             <a:r>
               <a:rPr lang="ru-RU" sz="2800" dirty="0" smtClean="0">
                 <a:latin typeface="PT Sans"/>
               </a:rPr>
-              <a:t>Использование векторизации увеличивает нагрузку на регистры</a:t>
-            </a:r>
+              <a:t>Модификация варианта 2 для блоков</a:t>
+            </a:r>
+            <a:r>
+              <a:rPr lang="en-US" sz="2800" dirty="0"/>
+              <a:t/>
+            </a:r>
+            <a:br>
+              <a:rPr lang="en-US" sz="2800" dirty="0"/>
+            </a:br>
+            <a:endParaRPr lang="en-US" sz="2800" dirty="0"/>
           </a:p>
           <a:p>
             <a:endParaRPr lang="ru-RU" sz="2800" dirty="0" smtClean="0">
@@ -7755,11 +8286,11 @@
           <a:lstStyle/>
           <a:p>
             <a:r>
-              <a:rPr lang="ru-RU" sz="4000" dirty="0" smtClean="0">
-                <a:latin typeface="PT Sans" pitchFamily="34" charset="-52"/>
-                <a:ea typeface="PT Sans" pitchFamily="34" charset="-52"/>
-              </a:rPr>
-              <a:t>Векторизация</a:t>
+              <a:rPr lang="en-US" sz="4000" dirty="0" smtClean="0">
+                <a:latin typeface="PT Sans" pitchFamily="34" charset="-52"/>
+                <a:ea typeface="PT Sans" pitchFamily="34" charset="-52"/>
+              </a:rPr>
+              <a:t>Shuffle</a:t>
             </a:r>
             <a:endParaRPr lang="ru-RU" sz="4000" dirty="0">
               <a:latin typeface="PT Sans" pitchFamily="34" charset="-52"/>
@@ -7771,7 +8302,7 @@
     </p:spTree>
     <p:extLst>
       <p:ext uri="{BB962C8B-B14F-4D97-AF65-F5344CB8AC3E}">
-        <p14:creationId xmlns:p14="http://schemas.microsoft.com/office/powerpoint/2010/main" val="3023806171"/>
+        <p14:creationId xmlns:p14="http://schemas.microsoft.com/office/powerpoint/2010/main" val="3426244301"/>
       </p:ext>
     </p:extLst>
   </p:cSld>
@@ -7807,6 +8338,131 @@
       </p:grpSpPr>
       <p:sp>
         <p:nvSpPr>
+          <p:cNvPr id="13" name="Объект 2"/>
+          <p:cNvSpPr>
+            <a:spLocks noGrp="1"/>
+          </p:cNvSpPr>
+          <p:nvPr>
+            <p:ph idx="1"/>
+          </p:nvPr>
+        </p:nvSpPr>
+        <p:spPr>
+          <a:xfrm>
+            <a:off x="539552" y="1481329"/>
+            <a:ext cx="8147248" cy="4467952"/>
+          </a:xfrm>
+        </p:spPr>
+        <p:txBody>
+          <a:bodyPr vert="horz">
+            <a:normAutofit/>
+          </a:bodyPr>
+          <a:lstStyle/>
+          <a:p>
+            <a:r>
+              <a:rPr lang="ru-RU" sz="2800" dirty="0" smtClean="0">
+                <a:latin typeface="PT Sans" pitchFamily="34" charset="-52"/>
+              </a:rPr>
+              <a:t>В </a:t>
+            </a:r>
+            <a:r>
+              <a:rPr lang="en-US" sz="2800" dirty="0" smtClean="0">
+                <a:latin typeface="PT Sans" pitchFamily="34" charset="-52"/>
+              </a:rPr>
+              <a:t>CUDA 9 </a:t>
+            </a:r>
+            <a:r>
+              <a:rPr lang="ru-RU" sz="2800" dirty="0" smtClean="0">
+                <a:latin typeface="PT Sans" pitchFamily="34" charset="-52"/>
+              </a:rPr>
+              <a:t>появилась возможность создавать собственные группы нитей в блоках</a:t>
+            </a:r>
+          </a:p>
+          <a:p>
+            <a:r>
+              <a:rPr lang="ru-RU" sz="2800" dirty="0" smtClean="0">
+                <a:latin typeface="PT Sans" pitchFamily="34" charset="-52"/>
+              </a:rPr>
+              <a:t>Тип данных </a:t>
+            </a:r>
+            <a:r>
+              <a:rPr lang="en-US" sz="2800" i="1" dirty="0" err="1" smtClean="0">
+                <a:latin typeface="PT Sans" pitchFamily="34" charset="-52"/>
+              </a:rPr>
+              <a:t>thread_group</a:t>
+            </a:r>
+            <a:r>
+              <a:rPr lang="ru-RU" sz="2800" dirty="0" smtClean="0">
+                <a:latin typeface="PT Sans" pitchFamily="34" charset="-52"/>
+              </a:rPr>
+              <a:t> – указатель на определенную программистом группу нитей</a:t>
+            </a:r>
+          </a:p>
+          <a:p>
+            <a:r>
+              <a:rPr lang="en-US" sz="2800" dirty="0" smtClean="0">
+                <a:latin typeface="PT Sans" pitchFamily="34" charset="-52"/>
+              </a:rPr>
+              <a:t>CG </a:t>
+            </a:r>
+            <a:r>
+              <a:rPr lang="ru-RU" sz="2800" dirty="0" smtClean="0">
+                <a:latin typeface="PT Sans" pitchFamily="34" charset="-52"/>
+              </a:rPr>
+              <a:t>поддерживают следующие операции</a:t>
+            </a:r>
+          </a:p>
+          <a:p>
+            <a:pPr lvl="1"/>
+            <a:r>
+              <a:rPr lang="ru-RU" sz="2400" dirty="0" smtClean="0">
+                <a:latin typeface="PT Sans" pitchFamily="34" charset="-52"/>
+              </a:rPr>
+              <a:t>Синхронизация</a:t>
+            </a:r>
+          </a:p>
+          <a:p>
+            <a:pPr lvl="1"/>
+            <a:r>
+              <a:rPr lang="ru-RU" sz="2400" dirty="0" smtClean="0">
+                <a:latin typeface="PT Sans" pitchFamily="34" charset="-52"/>
+              </a:rPr>
+              <a:t>Получение номера нити в группе</a:t>
+            </a:r>
+          </a:p>
+          <a:p>
+            <a:pPr lvl="1"/>
+            <a:r>
+              <a:rPr lang="ru-RU" sz="2400" dirty="0" smtClean="0">
+                <a:latin typeface="PT Sans" pitchFamily="34" charset="-52"/>
+              </a:rPr>
+              <a:t>Получение размера группы</a:t>
+            </a:r>
+          </a:p>
+          <a:p>
+            <a:pPr lvl="1"/>
+            <a:r>
+              <a:rPr lang="ru-RU" sz="2400" dirty="0" smtClean="0">
+                <a:latin typeface="PT Sans" pitchFamily="34" charset="-52"/>
+              </a:rPr>
+              <a:t>Проверка </a:t>
+            </a:r>
+            <a:r>
+              <a:rPr lang="ru-RU" sz="2400" dirty="0" err="1" smtClean="0">
+                <a:latin typeface="PT Sans" pitchFamily="34" charset="-52"/>
+              </a:rPr>
+              <a:t>валидности</a:t>
+            </a:r>
+            <a:r>
+              <a:rPr lang="ru-RU" sz="2400" dirty="0" smtClean="0">
+                <a:latin typeface="PT Sans" pitchFamily="34" charset="-52"/>
+              </a:rPr>
+              <a:t> группы</a:t>
+            </a:r>
+          </a:p>
+        </p:txBody>
+      </p:sp>
+      <p:sp>
+        <p:nvSpPr>
           <p:cNvPr id="10" name="Заголовок 9"/>
           <p:cNvSpPr>
             <a:spLocks noGrp="1"/>
@@ -7830,11 +8486,11 @@
           <a:lstStyle/>
           <a:p>
             <a:r>
-              <a:rPr lang="ru-RU" sz="4000" dirty="0" smtClean="0">
-                <a:latin typeface="PT Sans" pitchFamily="34" charset="-52"/>
-                <a:ea typeface="PT Sans" pitchFamily="34" charset="-52"/>
-              </a:rPr>
-              <a:t>Векторизация</a:t>
+              <a:rPr lang="en-US" sz="4000" dirty="0" smtClean="0">
+                <a:latin typeface="PT Sans" pitchFamily="34" charset="-52"/>
+                <a:ea typeface="PT Sans" pitchFamily="34" charset="-52"/>
+              </a:rPr>
+              <a:t>Cooperative groups</a:t>
             </a:r>
             <a:endParaRPr lang="ru-RU" sz="4000" dirty="0">
               <a:latin typeface="PT Sans" pitchFamily="34" charset="-52"/>
@@ -7843,1026 +8499,10 @@
           </a:p>
         </p:txBody>
       </p:sp>
-      <p:sp>
-        <p:nvSpPr>
-          <p:cNvPr id="3" name="Прямоугольник 2"/>
-          <p:cNvSpPr/>
-          <p:nvPr/>
-        </p:nvSpPr>
-        <p:spPr>
-          <a:xfrm>
-            <a:off x="179512" y="1601505"/>
-            <a:ext cx="8784976" cy="1323439"/>
-          </a:xfrm>
-          <a:prstGeom prst="rect">
-            <a:avLst/>
-          </a:prstGeom>
-        </p:spPr>
-        <p:txBody>
-          <a:bodyPr wrap="square">
-            <a:spAutoFit/>
-          </a:bodyPr>
-          <a:lstStyle/>
-          <a:p>
-            <a:r>
-              <a:rPr lang="en-US" sz="1600" dirty="0">
-                <a:solidFill>
-                  <a:srgbClr val="000000"/>
-                </a:solidFill>
-                <a:latin typeface="Consolas"/>
-              </a:rPr>
-              <a:t>__global__ </a:t>
-            </a:r>
-            <a:r>
-              <a:rPr lang="en-US" sz="1600" dirty="0">
-                <a:solidFill>
-                  <a:srgbClr val="0000FF"/>
-                </a:solidFill>
-                <a:latin typeface="Consolas"/>
-              </a:rPr>
-              <a:t>void</a:t>
-            </a:r>
-            <a:r>
-              <a:rPr lang="en-US" sz="1600" dirty="0">
-                <a:solidFill>
-                  <a:srgbClr val="000000"/>
-                </a:solidFill>
-                <a:latin typeface="Consolas"/>
-              </a:rPr>
-              <a:t> </a:t>
-            </a:r>
-            <a:r>
-              <a:rPr lang="en-US" sz="1600" dirty="0" err="1">
-                <a:solidFill>
-                  <a:srgbClr val="000000"/>
-                </a:solidFill>
-                <a:latin typeface="Consolas"/>
-              </a:rPr>
-              <a:t>device_copy_scalar_kernel</a:t>
-            </a:r>
-            <a:r>
-              <a:rPr lang="en-US" sz="1600" dirty="0">
-                <a:solidFill>
-                  <a:srgbClr val="000000"/>
-                </a:solidFill>
-                <a:latin typeface="Consolas"/>
-              </a:rPr>
-              <a:t>(</a:t>
-            </a:r>
-            <a:r>
-              <a:rPr lang="en-US" sz="1600" dirty="0" err="1">
-                <a:solidFill>
-                  <a:srgbClr val="0000FF"/>
-                </a:solidFill>
-                <a:latin typeface="Consolas"/>
-              </a:rPr>
-              <a:t>int</a:t>
-            </a:r>
-            <a:r>
-              <a:rPr lang="en-US" sz="1600" dirty="0">
-                <a:solidFill>
-                  <a:srgbClr val="000000"/>
-                </a:solidFill>
-                <a:latin typeface="Consolas"/>
-              </a:rPr>
-              <a:t>* </a:t>
-            </a:r>
-            <a:r>
-              <a:rPr lang="en-US" sz="1600" dirty="0" err="1">
-                <a:solidFill>
-                  <a:srgbClr val="000000"/>
-                </a:solidFill>
-                <a:latin typeface="Consolas"/>
-              </a:rPr>
-              <a:t>d_in</a:t>
-            </a:r>
-            <a:r>
-              <a:rPr lang="en-US" sz="1600" dirty="0">
-                <a:solidFill>
-                  <a:srgbClr val="000000"/>
-                </a:solidFill>
-                <a:latin typeface="Consolas"/>
-              </a:rPr>
-              <a:t>, </a:t>
-            </a:r>
-            <a:r>
-              <a:rPr lang="en-US" sz="1600" dirty="0" err="1">
-                <a:solidFill>
-                  <a:srgbClr val="0000FF"/>
-                </a:solidFill>
-                <a:latin typeface="Consolas"/>
-              </a:rPr>
-              <a:t>int</a:t>
-            </a:r>
-            <a:r>
-              <a:rPr lang="en-US" sz="1600" dirty="0">
-                <a:solidFill>
-                  <a:srgbClr val="000000"/>
-                </a:solidFill>
-                <a:latin typeface="Consolas"/>
-              </a:rPr>
-              <a:t>* </a:t>
-            </a:r>
-            <a:r>
-              <a:rPr lang="en-US" sz="1600" dirty="0" err="1">
-                <a:solidFill>
-                  <a:srgbClr val="000000"/>
-                </a:solidFill>
-                <a:latin typeface="Consolas"/>
-              </a:rPr>
-              <a:t>d_out</a:t>
-            </a:r>
-            <a:r>
-              <a:rPr lang="en-US" sz="1600" dirty="0">
-                <a:solidFill>
-                  <a:srgbClr val="000000"/>
-                </a:solidFill>
-                <a:latin typeface="Consolas"/>
-              </a:rPr>
-              <a:t>, </a:t>
-            </a:r>
-            <a:r>
-              <a:rPr lang="en-US" sz="1600" dirty="0" err="1">
-                <a:solidFill>
-                  <a:srgbClr val="0000FF"/>
-                </a:solidFill>
-                <a:latin typeface="Consolas"/>
-              </a:rPr>
-              <a:t>int</a:t>
-            </a:r>
-            <a:r>
-              <a:rPr lang="en-US" sz="1600" dirty="0">
-                <a:solidFill>
-                  <a:srgbClr val="000000"/>
-                </a:solidFill>
-                <a:latin typeface="Consolas"/>
-              </a:rPr>
-              <a:t> N</a:t>
-            </a:r>
-            <a:r>
-              <a:rPr lang="en-US" sz="1600" dirty="0" smtClean="0">
-                <a:solidFill>
-                  <a:srgbClr val="000000"/>
-                </a:solidFill>
-                <a:latin typeface="Consolas"/>
-              </a:rPr>
-              <a:t>){ </a:t>
-            </a:r>
-            <a:endParaRPr lang="en-US" sz="1600" dirty="0">
-              <a:solidFill>
-                <a:srgbClr val="000000"/>
-              </a:solidFill>
-              <a:latin typeface="Consolas"/>
-            </a:endParaRPr>
-          </a:p>
-          <a:p>
-            <a:r>
-              <a:rPr lang="ru-RU" sz="1600" dirty="0" smtClean="0">
-                <a:solidFill>
-                  <a:srgbClr val="0000FF"/>
-                </a:solidFill>
-                <a:latin typeface="Consolas"/>
-              </a:rPr>
-              <a:t>	</a:t>
-            </a:r>
-            <a:r>
-              <a:rPr lang="en-US" sz="1600" dirty="0" err="1" smtClean="0">
-                <a:solidFill>
-                  <a:srgbClr val="0000FF"/>
-                </a:solidFill>
-                <a:latin typeface="Consolas"/>
-              </a:rPr>
-              <a:t>int</a:t>
-            </a:r>
-            <a:r>
-              <a:rPr lang="en-US" sz="1600" dirty="0" smtClean="0">
-                <a:solidFill>
-                  <a:srgbClr val="000000"/>
-                </a:solidFill>
-                <a:latin typeface="Consolas"/>
-              </a:rPr>
-              <a:t> </a:t>
-            </a:r>
-            <a:r>
-              <a:rPr lang="en-US" sz="1600" dirty="0" err="1">
-                <a:solidFill>
-                  <a:srgbClr val="000000"/>
-                </a:solidFill>
-                <a:latin typeface="Consolas"/>
-              </a:rPr>
-              <a:t>idx</a:t>
-            </a:r>
-            <a:r>
-              <a:rPr lang="en-US" sz="1600" dirty="0">
-                <a:solidFill>
-                  <a:srgbClr val="000000"/>
-                </a:solidFill>
-                <a:latin typeface="Consolas"/>
-              </a:rPr>
-              <a:t> = </a:t>
-            </a:r>
-            <a:r>
-              <a:rPr lang="en-US" sz="1600" dirty="0" err="1">
-                <a:solidFill>
-                  <a:srgbClr val="000000"/>
-                </a:solidFill>
-                <a:latin typeface="Consolas"/>
-              </a:rPr>
-              <a:t>blockIdx.x</a:t>
-            </a:r>
-            <a:r>
-              <a:rPr lang="en-US" sz="1600" dirty="0">
-                <a:solidFill>
-                  <a:srgbClr val="000000"/>
-                </a:solidFill>
-                <a:latin typeface="Consolas"/>
-              </a:rPr>
-              <a:t> * </a:t>
-            </a:r>
-            <a:r>
-              <a:rPr lang="en-US" sz="1600" dirty="0" err="1">
-                <a:solidFill>
-                  <a:srgbClr val="000000"/>
-                </a:solidFill>
-                <a:latin typeface="Consolas"/>
-              </a:rPr>
-              <a:t>blockDim.x</a:t>
-            </a:r>
-            <a:r>
-              <a:rPr lang="en-US" sz="1600" dirty="0">
-                <a:solidFill>
-                  <a:srgbClr val="000000"/>
-                </a:solidFill>
-                <a:latin typeface="Consolas"/>
-              </a:rPr>
-              <a:t> + </a:t>
-            </a:r>
-            <a:r>
-              <a:rPr lang="en-US" sz="1600" dirty="0" err="1">
-                <a:solidFill>
-                  <a:srgbClr val="000000"/>
-                </a:solidFill>
-                <a:latin typeface="Consolas"/>
-              </a:rPr>
-              <a:t>threadIdx.x</a:t>
-            </a:r>
-            <a:r>
-              <a:rPr lang="en-US" sz="1600" dirty="0">
-                <a:solidFill>
-                  <a:srgbClr val="000000"/>
-                </a:solidFill>
-                <a:latin typeface="Consolas"/>
-              </a:rPr>
-              <a:t>; </a:t>
-            </a:r>
-          </a:p>
-          <a:p>
-            <a:r>
-              <a:rPr lang="ru-RU" sz="1600" dirty="0" smtClean="0">
-                <a:solidFill>
-                  <a:srgbClr val="0000FF"/>
-                </a:solidFill>
-                <a:latin typeface="Consolas"/>
-              </a:rPr>
-              <a:t>	</a:t>
-            </a:r>
-            <a:r>
-              <a:rPr lang="en-US" sz="1600" dirty="0" smtClean="0">
-                <a:solidFill>
-                  <a:srgbClr val="0000FF"/>
-                </a:solidFill>
-                <a:latin typeface="Consolas"/>
-              </a:rPr>
-              <a:t>for</a:t>
-            </a:r>
-            <a:r>
-              <a:rPr lang="en-US" sz="1600" dirty="0" smtClean="0">
-                <a:solidFill>
-                  <a:srgbClr val="000000"/>
-                </a:solidFill>
-                <a:latin typeface="Consolas"/>
-              </a:rPr>
-              <a:t> </a:t>
-            </a:r>
-            <a:r>
-              <a:rPr lang="en-US" sz="1600" dirty="0">
-                <a:solidFill>
-                  <a:srgbClr val="000000"/>
-                </a:solidFill>
-                <a:latin typeface="Consolas"/>
-              </a:rPr>
-              <a:t>(</a:t>
-            </a:r>
-            <a:r>
-              <a:rPr lang="en-US" sz="1600" dirty="0" err="1">
-                <a:solidFill>
-                  <a:srgbClr val="0000FF"/>
-                </a:solidFill>
-                <a:latin typeface="Consolas"/>
-              </a:rPr>
-              <a:t>int</a:t>
-            </a:r>
-            <a:r>
-              <a:rPr lang="en-US" sz="1600" dirty="0">
-                <a:solidFill>
-                  <a:srgbClr val="000000"/>
-                </a:solidFill>
-                <a:latin typeface="Consolas"/>
-              </a:rPr>
-              <a:t> i = </a:t>
-            </a:r>
-            <a:r>
-              <a:rPr lang="en-US" sz="1600" dirty="0" err="1">
-                <a:solidFill>
-                  <a:srgbClr val="000000"/>
-                </a:solidFill>
-                <a:latin typeface="Consolas"/>
-              </a:rPr>
-              <a:t>idx</a:t>
-            </a:r>
-            <a:r>
-              <a:rPr lang="en-US" sz="1600" dirty="0">
-                <a:solidFill>
-                  <a:srgbClr val="000000"/>
-                </a:solidFill>
-                <a:latin typeface="Consolas"/>
-              </a:rPr>
-              <a:t>; i &lt; N; i += </a:t>
-            </a:r>
-            <a:r>
-              <a:rPr lang="en-US" sz="1600" dirty="0" err="1">
-                <a:solidFill>
-                  <a:srgbClr val="000000"/>
-                </a:solidFill>
-                <a:latin typeface="Consolas"/>
-              </a:rPr>
-              <a:t>blockDim.x</a:t>
-            </a:r>
-            <a:r>
-              <a:rPr lang="en-US" sz="1600" dirty="0">
-                <a:solidFill>
-                  <a:srgbClr val="000000"/>
-                </a:solidFill>
-                <a:latin typeface="Consolas"/>
-              </a:rPr>
-              <a:t> * </a:t>
-            </a:r>
-            <a:r>
-              <a:rPr lang="en-US" sz="1600" dirty="0" err="1">
-                <a:solidFill>
-                  <a:srgbClr val="000000"/>
-                </a:solidFill>
-                <a:latin typeface="Consolas"/>
-              </a:rPr>
-              <a:t>gridDim.x</a:t>
-            </a:r>
-            <a:r>
-              <a:rPr lang="en-US" sz="1600" dirty="0" smtClean="0">
-                <a:solidFill>
-                  <a:srgbClr val="000000"/>
-                </a:solidFill>
-                <a:latin typeface="Consolas"/>
-              </a:rPr>
-              <a:t>)</a:t>
-            </a:r>
-            <a:r>
-              <a:rPr lang="ru-RU" sz="1600" dirty="0" smtClean="0">
-                <a:solidFill>
-                  <a:srgbClr val="000000"/>
-                </a:solidFill>
-                <a:latin typeface="Consolas"/>
-              </a:rPr>
-              <a:t>				</a:t>
-            </a:r>
-            <a:r>
-              <a:rPr lang="en-US" sz="1600" dirty="0" err="1" smtClean="0">
-                <a:solidFill>
-                  <a:srgbClr val="000000"/>
-                </a:solidFill>
-                <a:latin typeface="Consolas"/>
-              </a:rPr>
-              <a:t>d_out</a:t>
-            </a:r>
-            <a:r>
-              <a:rPr lang="en-US" sz="1600" dirty="0" smtClean="0">
-                <a:solidFill>
-                  <a:srgbClr val="000000"/>
-                </a:solidFill>
-                <a:latin typeface="Consolas"/>
-              </a:rPr>
-              <a:t>[i</a:t>
-            </a:r>
-            <a:r>
-              <a:rPr lang="en-US" sz="1600" dirty="0">
-                <a:solidFill>
-                  <a:srgbClr val="000000"/>
-                </a:solidFill>
-                <a:latin typeface="Consolas"/>
-              </a:rPr>
-              <a:t>] = </a:t>
-            </a:r>
-            <a:r>
-              <a:rPr lang="en-US" sz="1600" dirty="0" err="1">
-                <a:solidFill>
-                  <a:srgbClr val="000000"/>
-                </a:solidFill>
-                <a:latin typeface="Consolas"/>
-              </a:rPr>
-              <a:t>d_in</a:t>
-            </a:r>
-            <a:r>
-              <a:rPr lang="en-US" sz="1600" dirty="0">
-                <a:solidFill>
-                  <a:srgbClr val="000000"/>
-                </a:solidFill>
-                <a:latin typeface="Consolas"/>
-              </a:rPr>
-              <a:t>[i]; </a:t>
-            </a:r>
-            <a:r>
-              <a:rPr lang="en-US" sz="1600" dirty="0" smtClean="0">
-                <a:solidFill>
-                  <a:srgbClr val="000000"/>
-                </a:solidFill>
-                <a:latin typeface="Consolas"/>
-              </a:rPr>
-              <a:t> </a:t>
-            </a:r>
-            <a:endParaRPr lang="en-US" sz="1600" dirty="0">
-              <a:solidFill>
-                <a:srgbClr val="000000"/>
-              </a:solidFill>
-              <a:latin typeface="Consolas"/>
-            </a:endParaRPr>
-          </a:p>
-          <a:p>
-            <a:r>
-              <a:rPr lang="en-US" sz="1600" dirty="0">
-                <a:solidFill>
-                  <a:srgbClr val="000000"/>
-                </a:solidFill>
-                <a:latin typeface="Consolas"/>
-              </a:rPr>
-              <a:t>}</a:t>
-            </a:r>
-            <a:endParaRPr lang="en-US" sz="1600" b="0" dirty="0">
-              <a:solidFill>
-                <a:srgbClr val="000000"/>
-              </a:solidFill>
-              <a:effectLst/>
-              <a:latin typeface="Consolas"/>
-            </a:endParaRPr>
-          </a:p>
-        </p:txBody>
-      </p:sp>
-      <p:sp>
-        <p:nvSpPr>
-          <p:cNvPr id="4" name="Прямоугольник 3"/>
-          <p:cNvSpPr/>
-          <p:nvPr/>
-        </p:nvSpPr>
-        <p:spPr>
-          <a:xfrm>
-            <a:off x="179512" y="4121785"/>
-            <a:ext cx="8856984" cy="1569660"/>
-          </a:xfrm>
-          <a:prstGeom prst="rect">
-            <a:avLst/>
-          </a:prstGeom>
-        </p:spPr>
-        <p:txBody>
-          <a:bodyPr wrap="square">
-            <a:spAutoFit/>
-          </a:bodyPr>
-          <a:lstStyle/>
-          <a:p>
-            <a:r>
-              <a:rPr lang="en-US" sz="1600" dirty="0">
-                <a:solidFill>
-                  <a:srgbClr val="000000"/>
-                </a:solidFill>
-                <a:latin typeface="Consolas"/>
-              </a:rPr>
-              <a:t>__global__ </a:t>
-            </a:r>
-            <a:r>
-              <a:rPr lang="en-US" sz="1600" dirty="0">
-                <a:solidFill>
-                  <a:srgbClr val="0000FF"/>
-                </a:solidFill>
-                <a:latin typeface="Consolas"/>
-              </a:rPr>
-              <a:t>void</a:t>
-            </a:r>
-            <a:r>
-              <a:rPr lang="en-US" sz="1600" dirty="0">
-                <a:solidFill>
-                  <a:srgbClr val="000000"/>
-                </a:solidFill>
-                <a:latin typeface="Consolas"/>
-              </a:rPr>
-              <a:t> device_copy_vector4_kernel(</a:t>
-            </a:r>
-            <a:r>
-              <a:rPr lang="en-US" sz="1600" dirty="0" err="1">
-                <a:solidFill>
-                  <a:srgbClr val="0000FF"/>
-                </a:solidFill>
-                <a:latin typeface="Consolas"/>
-              </a:rPr>
-              <a:t>int</a:t>
-            </a:r>
-            <a:r>
-              <a:rPr lang="en-US" sz="1600" dirty="0">
-                <a:solidFill>
-                  <a:srgbClr val="000000"/>
-                </a:solidFill>
-                <a:latin typeface="Consolas"/>
-              </a:rPr>
-              <a:t>* </a:t>
-            </a:r>
-            <a:r>
-              <a:rPr lang="en-US" sz="1600" dirty="0" err="1">
-                <a:solidFill>
-                  <a:srgbClr val="000000"/>
-                </a:solidFill>
-                <a:latin typeface="Consolas"/>
-              </a:rPr>
-              <a:t>d_in</a:t>
-            </a:r>
-            <a:r>
-              <a:rPr lang="en-US" sz="1600" dirty="0">
-                <a:solidFill>
-                  <a:srgbClr val="000000"/>
-                </a:solidFill>
-                <a:latin typeface="Consolas"/>
-              </a:rPr>
-              <a:t>, </a:t>
-            </a:r>
-            <a:r>
-              <a:rPr lang="en-US" sz="1600" dirty="0" err="1">
-                <a:solidFill>
-                  <a:srgbClr val="0000FF"/>
-                </a:solidFill>
-                <a:latin typeface="Consolas"/>
-              </a:rPr>
-              <a:t>int</a:t>
-            </a:r>
-            <a:r>
-              <a:rPr lang="en-US" sz="1600" dirty="0">
-                <a:solidFill>
-                  <a:srgbClr val="000000"/>
-                </a:solidFill>
-                <a:latin typeface="Consolas"/>
-              </a:rPr>
-              <a:t>* </a:t>
-            </a:r>
-            <a:r>
-              <a:rPr lang="en-US" sz="1600" dirty="0" err="1">
-                <a:solidFill>
-                  <a:srgbClr val="000000"/>
-                </a:solidFill>
-                <a:latin typeface="Consolas"/>
-              </a:rPr>
-              <a:t>d_out</a:t>
-            </a:r>
-            <a:r>
-              <a:rPr lang="en-US" sz="1600" dirty="0">
-                <a:solidFill>
-                  <a:srgbClr val="000000"/>
-                </a:solidFill>
-                <a:latin typeface="Consolas"/>
-              </a:rPr>
-              <a:t>, </a:t>
-            </a:r>
-            <a:r>
-              <a:rPr lang="en-US" sz="1600" dirty="0" err="1">
-                <a:solidFill>
-                  <a:srgbClr val="0000FF"/>
-                </a:solidFill>
-                <a:latin typeface="Consolas"/>
-              </a:rPr>
-              <a:t>int</a:t>
-            </a:r>
-            <a:r>
-              <a:rPr lang="en-US" sz="1600" dirty="0">
-                <a:solidFill>
-                  <a:srgbClr val="000000"/>
-                </a:solidFill>
-                <a:latin typeface="Consolas"/>
-              </a:rPr>
-              <a:t> N) {</a:t>
-            </a:r>
-          </a:p>
-          <a:p>
-            <a:r>
-              <a:rPr lang="ru-RU" sz="1600" dirty="0" smtClean="0">
-                <a:solidFill>
-                  <a:srgbClr val="0000FF"/>
-                </a:solidFill>
-                <a:latin typeface="Consolas"/>
-              </a:rPr>
-              <a:t>	</a:t>
-            </a:r>
-            <a:r>
-              <a:rPr lang="en-US" sz="1600" dirty="0" err="1" smtClean="0">
-                <a:solidFill>
-                  <a:srgbClr val="0000FF"/>
-                </a:solidFill>
-                <a:latin typeface="Consolas"/>
-              </a:rPr>
-              <a:t>int</a:t>
-            </a:r>
-            <a:r>
-              <a:rPr lang="en-US" sz="1600" dirty="0" smtClean="0">
-                <a:solidFill>
-                  <a:srgbClr val="000000"/>
-                </a:solidFill>
-                <a:latin typeface="Consolas"/>
-              </a:rPr>
-              <a:t> </a:t>
-            </a:r>
-            <a:r>
-              <a:rPr lang="en-US" sz="1600" dirty="0" err="1">
-                <a:solidFill>
-                  <a:srgbClr val="000000"/>
-                </a:solidFill>
-                <a:latin typeface="Consolas"/>
-              </a:rPr>
-              <a:t>idx</a:t>
-            </a:r>
-            <a:r>
-              <a:rPr lang="en-US" sz="1600" dirty="0">
-                <a:solidFill>
-                  <a:srgbClr val="000000"/>
-                </a:solidFill>
-                <a:latin typeface="Consolas"/>
-              </a:rPr>
-              <a:t> = </a:t>
-            </a:r>
-            <a:r>
-              <a:rPr lang="en-US" sz="1600" dirty="0" err="1">
-                <a:solidFill>
-                  <a:srgbClr val="000000"/>
-                </a:solidFill>
-                <a:latin typeface="Consolas"/>
-              </a:rPr>
-              <a:t>blockIdx.x</a:t>
-            </a:r>
-            <a:r>
-              <a:rPr lang="en-US" sz="1600" dirty="0">
-                <a:solidFill>
-                  <a:srgbClr val="000000"/>
-                </a:solidFill>
-                <a:latin typeface="Consolas"/>
-              </a:rPr>
-              <a:t> * </a:t>
-            </a:r>
-            <a:r>
-              <a:rPr lang="en-US" sz="1600" dirty="0" err="1">
-                <a:solidFill>
-                  <a:srgbClr val="000000"/>
-                </a:solidFill>
-                <a:latin typeface="Consolas"/>
-              </a:rPr>
-              <a:t>blockDim.x</a:t>
-            </a:r>
-            <a:r>
-              <a:rPr lang="en-US" sz="1600" dirty="0">
-                <a:solidFill>
-                  <a:srgbClr val="000000"/>
-                </a:solidFill>
-                <a:latin typeface="Consolas"/>
-              </a:rPr>
-              <a:t> + </a:t>
-            </a:r>
-            <a:r>
-              <a:rPr lang="en-US" sz="1600" dirty="0" err="1">
-                <a:solidFill>
-                  <a:srgbClr val="000000"/>
-                </a:solidFill>
-                <a:latin typeface="Consolas"/>
-              </a:rPr>
-              <a:t>threadIdx.x</a:t>
-            </a:r>
-            <a:r>
-              <a:rPr lang="en-US" sz="1600" dirty="0">
-                <a:solidFill>
-                  <a:srgbClr val="000000"/>
-                </a:solidFill>
-                <a:latin typeface="Consolas"/>
-              </a:rPr>
-              <a:t>;</a:t>
-            </a:r>
-          </a:p>
-          <a:p>
-            <a:r>
-              <a:rPr lang="ru-RU" sz="1600" dirty="0" smtClean="0">
-                <a:solidFill>
-                  <a:srgbClr val="0000FF"/>
-                </a:solidFill>
-                <a:latin typeface="Consolas"/>
-              </a:rPr>
-              <a:t>	</a:t>
-            </a:r>
-            <a:r>
-              <a:rPr lang="en-US" sz="1600" dirty="0" smtClean="0">
-                <a:solidFill>
-                  <a:srgbClr val="0000FF"/>
-                </a:solidFill>
-                <a:latin typeface="Consolas"/>
-              </a:rPr>
-              <a:t>for</a:t>
-            </a:r>
-            <a:r>
-              <a:rPr lang="en-US" sz="1600" dirty="0" smtClean="0">
-                <a:solidFill>
-                  <a:srgbClr val="000000"/>
-                </a:solidFill>
-                <a:latin typeface="Consolas"/>
-              </a:rPr>
-              <a:t>(</a:t>
-            </a:r>
-            <a:r>
-              <a:rPr lang="en-US" sz="1600" dirty="0" err="1" smtClean="0">
-                <a:solidFill>
-                  <a:srgbClr val="0000FF"/>
-                </a:solidFill>
-                <a:latin typeface="Consolas"/>
-              </a:rPr>
-              <a:t>int</a:t>
-            </a:r>
-            <a:r>
-              <a:rPr lang="en-US" sz="1600" dirty="0" smtClean="0">
-                <a:solidFill>
-                  <a:srgbClr val="000000"/>
-                </a:solidFill>
-                <a:latin typeface="Consolas"/>
-              </a:rPr>
-              <a:t> </a:t>
-            </a:r>
-            <a:r>
-              <a:rPr lang="en-US" sz="1600" dirty="0">
-                <a:solidFill>
-                  <a:srgbClr val="000000"/>
-                </a:solidFill>
-                <a:latin typeface="Consolas"/>
-              </a:rPr>
-              <a:t>i = </a:t>
-            </a:r>
-            <a:r>
-              <a:rPr lang="en-US" sz="1600" dirty="0" err="1">
-                <a:solidFill>
-                  <a:srgbClr val="000000"/>
-                </a:solidFill>
-                <a:latin typeface="Consolas"/>
-              </a:rPr>
-              <a:t>idx</a:t>
-            </a:r>
-            <a:r>
-              <a:rPr lang="en-US" sz="1600" dirty="0">
-                <a:solidFill>
-                  <a:srgbClr val="000000"/>
-                </a:solidFill>
-                <a:latin typeface="Consolas"/>
-              </a:rPr>
-              <a:t>; i &lt; N/</a:t>
-            </a:r>
-            <a:r>
-              <a:rPr lang="en-US" sz="1600" dirty="0">
-                <a:solidFill>
-                  <a:srgbClr val="09885A"/>
-                </a:solidFill>
-                <a:latin typeface="Consolas"/>
-              </a:rPr>
-              <a:t>4</a:t>
-            </a:r>
-            <a:r>
-              <a:rPr lang="en-US" sz="1600" dirty="0">
-                <a:solidFill>
-                  <a:srgbClr val="000000"/>
-                </a:solidFill>
-                <a:latin typeface="Consolas"/>
-              </a:rPr>
-              <a:t>; i += </a:t>
-            </a:r>
-            <a:r>
-              <a:rPr lang="en-US" sz="1600" dirty="0" err="1">
-                <a:solidFill>
-                  <a:srgbClr val="000000"/>
-                </a:solidFill>
-                <a:latin typeface="Consolas"/>
-              </a:rPr>
-              <a:t>blockDim.x</a:t>
-            </a:r>
-            <a:r>
-              <a:rPr lang="en-US" sz="1600" dirty="0">
-                <a:solidFill>
-                  <a:srgbClr val="000000"/>
-                </a:solidFill>
-                <a:latin typeface="Consolas"/>
-              </a:rPr>
-              <a:t> * </a:t>
-            </a:r>
-            <a:r>
-              <a:rPr lang="en-US" sz="1600" dirty="0" err="1">
-                <a:solidFill>
-                  <a:srgbClr val="000000"/>
-                </a:solidFill>
-                <a:latin typeface="Consolas"/>
-              </a:rPr>
-              <a:t>gridDim.x</a:t>
-            </a:r>
-            <a:r>
-              <a:rPr lang="en-US" sz="1600" dirty="0" smtClean="0">
-                <a:solidFill>
-                  <a:srgbClr val="000000"/>
-                </a:solidFill>
-                <a:latin typeface="Consolas"/>
-              </a:rPr>
-              <a:t>)</a:t>
-            </a:r>
-            <a:endParaRPr lang="en-US" sz="1600" dirty="0">
-              <a:solidFill>
-                <a:srgbClr val="000000"/>
-              </a:solidFill>
-              <a:latin typeface="Consolas"/>
-            </a:endParaRPr>
-          </a:p>
-          <a:p>
-            <a:r>
-              <a:rPr lang="ru-RU" sz="1600" dirty="0" smtClean="0">
-                <a:solidFill>
-                  <a:srgbClr val="0000FF"/>
-                </a:solidFill>
-                <a:latin typeface="Consolas"/>
-              </a:rPr>
-              <a:t>		</a:t>
-            </a:r>
-            <a:r>
-              <a:rPr lang="en-US" sz="1600" dirty="0" err="1" smtClean="0">
-                <a:solidFill>
-                  <a:srgbClr val="0000FF"/>
-                </a:solidFill>
-                <a:latin typeface="Consolas"/>
-              </a:rPr>
-              <a:t>reinterpret_cast</a:t>
-            </a:r>
-            <a:r>
-              <a:rPr lang="en-US" sz="1600" dirty="0" smtClean="0">
-                <a:solidFill>
-                  <a:srgbClr val="000000"/>
-                </a:solidFill>
-                <a:latin typeface="Consolas"/>
-              </a:rPr>
-              <a:t>&lt;int4</a:t>
-            </a:r>
-            <a:r>
-              <a:rPr lang="en-US" sz="1600" dirty="0">
-                <a:solidFill>
-                  <a:srgbClr val="000000"/>
-                </a:solidFill>
-                <a:latin typeface="Consolas"/>
-              </a:rPr>
-              <a:t>*&gt;(</a:t>
-            </a:r>
-            <a:r>
-              <a:rPr lang="en-US" sz="1600" dirty="0" err="1">
-                <a:solidFill>
-                  <a:srgbClr val="000000"/>
-                </a:solidFill>
-                <a:latin typeface="Consolas"/>
-              </a:rPr>
-              <a:t>d_out</a:t>
-            </a:r>
-            <a:r>
-              <a:rPr lang="en-US" sz="1600" dirty="0">
-                <a:solidFill>
-                  <a:srgbClr val="000000"/>
-                </a:solidFill>
-                <a:latin typeface="Consolas"/>
-              </a:rPr>
-              <a:t>)[i] = </a:t>
-            </a:r>
-            <a:r>
-              <a:rPr lang="ru-RU" sz="1600" dirty="0" smtClean="0">
-                <a:solidFill>
-                  <a:srgbClr val="000000"/>
-                </a:solidFill>
-                <a:latin typeface="Consolas"/>
-              </a:rPr>
-              <a:t>						</a:t>
-            </a:r>
-            <a:r>
-              <a:rPr lang="en-US" sz="1600" dirty="0" err="1" smtClean="0">
-                <a:solidFill>
-                  <a:srgbClr val="0000FF"/>
-                </a:solidFill>
-                <a:latin typeface="Consolas"/>
-              </a:rPr>
-              <a:t>reinterpret_cast</a:t>
-            </a:r>
-            <a:r>
-              <a:rPr lang="en-US" sz="1600" dirty="0" smtClean="0">
-                <a:solidFill>
-                  <a:srgbClr val="000000"/>
-                </a:solidFill>
-                <a:latin typeface="Consolas"/>
-              </a:rPr>
-              <a:t>&lt;int4</a:t>
-            </a:r>
-            <a:r>
-              <a:rPr lang="en-US" sz="1600" dirty="0">
-                <a:solidFill>
-                  <a:srgbClr val="000000"/>
-                </a:solidFill>
-                <a:latin typeface="Consolas"/>
-              </a:rPr>
-              <a:t>*&gt;(</a:t>
-            </a:r>
-            <a:r>
-              <a:rPr lang="en-US" sz="1600" dirty="0" err="1">
-                <a:solidFill>
-                  <a:srgbClr val="000000"/>
-                </a:solidFill>
-                <a:latin typeface="Consolas"/>
-              </a:rPr>
-              <a:t>d_in</a:t>
-            </a:r>
-            <a:r>
-              <a:rPr lang="en-US" sz="1600" dirty="0">
-                <a:solidFill>
-                  <a:srgbClr val="000000"/>
-                </a:solidFill>
-                <a:latin typeface="Consolas"/>
-              </a:rPr>
-              <a:t>)[i];</a:t>
-            </a:r>
-          </a:p>
-          <a:p>
-            <a:r>
-              <a:rPr lang="en-US" sz="1600" dirty="0">
-                <a:solidFill>
-                  <a:srgbClr val="000000"/>
-                </a:solidFill>
-                <a:latin typeface="Consolas"/>
-              </a:rPr>
-              <a:t>}</a:t>
-            </a:r>
-            <a:endParaRPr lang="en-US" sz="1600" b="0" dirty="0">
-              <a:solidFill>
-                <a:srgbClr val="000000"/>
-              </a:solidFill>
-              <a:effectLst/>
-              <a:latin typeface="Consolas"/>
-            </a:endParaRPr>
-          </a:p>
-        </p:txBody>
-      </p:sp>
-      <p:sp>
-        <p:nvSpPr>
-          <p:cNvPr id="5" name="Стрелка вниз 4"/>
-          <p:cNvSpPr/>
-          <p:nvPr/>
-        </p:nvSpPr>
-        <p:spPr>
-          <a:xfrm>
-            <a:off x="4329684" y="2957393"/>
-            <a:ext cx="484632" cy="831647"/>
-          </a:xfrm>
-          <a:prstGeom prst="downArrow">
-            <a:avLst/>
-          </a:prstGeom>
-        </p:spPr>
-        <p:style>
-          <a:lnRef idx="2">
-            <a:schemeClr val="accent1">
-              <a:shade val="50000"/>
-            </a:schemeClr>
-          </a:lnRef>
-          <a:fillRef idx="1">
-            <a:schemeClr val="accent1"/>
-          </a:fillRef>
-          <a:effectRef idx="0">
-            <a:schemeClr val="accent1"/>
-          </a:effectRef>
-          <a:fontRef idx="minor">
-            <a:schemeClr val="lt1"/>
-          </a:fontRef>
-        </p:style>
-        <p:txBody>
-          <a:bodyPr rtlCol="0" anchor="ctr"/>
-          <a:lstStyle/>
-          <a:p>
-            <a:pPr algn="ctr"/>
-            <a:endParaRPr lang="ru-RU"/>
-          </a:p>
-        </p:txBody>
-      </p:sp>
     </p:spTree>
     <p:extLst>
       <p:ext uri="{BB962C8B-B14F-4D97-AF65-F5344CB8AC3E}">
-        <p14:creationId xmlns:p14="http://schemas.microsoft.com/office/powerpoint/2010/main" val="1714347219"/>
+        <p14:creationId xmlns:p14="http://schemas.microsoft.com/office/powerpoint/2010/main" val="2643755684"/>
       </p:ext>
     </p:extLst>
   </p:cSld>
@@ -8898,76 +8538,6 @@
       </p:grpSpPr>
       <p:sp>
         <p:nvSpPr>
-          <p:cNvPr id="13" name="Объект 2"/>
-          <p:cNvSpPr>
-            <a:spLocks noGrp="1"/>
-          </p:cNvSpPr>
-          <p:nvPr>
-            <p:ph idx="1"/>
-          </p:nvPr>
-        </p:nvSpPr>
-        <p:spPr>
-          <a:xfrm>
-            <a:off x="539552" y="1481329"/>
-            <a:ext cx="8147248" cy="4467952"/>
-          </a:xfrm>
-        </p:spPr>
-        <p:txBody>
-          <a:bodyPr vert="horz">
-            <a:normAutofit/>
-          </a:bodyPr>
-          <a:lstStyle/>
-          <a:p>
-            <a:r>
-              <a:rPr lang="ru-RU" sz="2800" dirty="0" smtClean="0">
-                <a:latin typeface="PT Sans" pitchFamily="34" charset="-52"/>
-                <a:ea typeface="PT Sans" pitchFamily="34" charset="-52"/>
-              </a:rPr>
-              <a:t>Вариант редукции с векторизацие</a:t>
-            </a:r>
-            <a:r>
-              <a:rPr lang="ru-RU" sz="2800" dirty="0" smtClean="0">
-                <a:latin typeface="PT Sans" pitchFamily="34" charset="-52"/>
-                <a:ea typeface="PT Sans" pitchFamily="34" charset="-52"/>
-              </a:rPr>
-              <a:t>й и использованием </a:t>
-            </a:r>
-            <a:r>
-              <a:rPr lang="en-US" sz="2800" dirty="0" smtClean="0">
-                <a:latin typeface="PT Sans" pitchFamily="34" charset="-52"/>
-                <a:ea typeface="PT Sans" pitchFamily="34" charset="-52"/>
-              </a:rPr>
-              <a:t>cooperative groups(CG)</a:t>
-            </a:r>
-            <a:endParaRPr lang="ru-RU" sz="2800" dirty="0" smtClean="0">
-              <a:latin typeface="PT Sans" pitchFamily="34" charset="-52"/>
-              <a:ea typeface="PT Sans" pitchFamily="34" charset="-52"/>
-            </a:endParaRPr>
-          </a:p>
-          <a:p>
-            <a:pPr lvl="1"/>
-            <a:r>
-              <a:rPr lang="ru-RU" sz="2400" dirty="0" smtClean="0">
-                <a:latin typeface="PT Sans" pitchFamily="34" charset="-52"/>
-                <a:ea typeface="PT Sans" pitchFamily="34" charset="-52"/>
-              </a:rPr>
-              <a:t>Каждая нить пробегает по массиву складывая по 4 элемента за раз</a:t>
-            </a:r>
-          </a:p>
-          <a:p>
-            <a:pPr lvl="1"/>
-            <a:r>
-              <a:rPr lang="ru-RU" sz="2400" dirty="0" smtClean="0">
-                <a:latin typeface="PT Sans" pitchFamily="34" charset="-52"/>
-                <a:ea typeface="PT Sans" pitchFamily="34" charset="-52"/>
-              </a:rPr>
-              <a:t>Каждый блок получает частичную сумму, потом атомарно складывает результат с итоговой суммой</a:t>
-            </a:r>
-          </a:p>
-        </p:txBody>
-      </p:sp>
-      <p:sp>
-        <p:nvSpPr>
           <p:cNvPr id="10" name="Заголовок 9"/>
           <p:cNvSpPr>
             <a:spLocks noGrp="1"/>
@@ -8991,11 +8561,11 @@
           <a:lstStyle/>
           <a:p>
             <a:r>
-              <a:rPr lang="ru-RU" sz="4000" dirty="0" smtClean="0">
-                <a:latin typeface="PT Sans" pitchFamily="34" charset="-52"/>
-                <a:ea typeface="PT Sans" pitchFamily="34" charset="-52"/>
-              </a:rPr>
-              <a:t>Векторизация</a:t>
+              <a:rPr lang="en-US" sz="4000" dirty="0" smtClean="0">
+                <a:latin typeface="PT Sans" pitchFamily="34" charset="-52"/>
+                <a:ea typeface="PT Sans" pitchFamily="34" charset="-52"/>
+              </a:rPr>
+              <a:t>Cooperative groups</a:t>
             </a:r>
             <a:endParaRPr lang="ru-RU" sz="4000" dirty="0">
               <a:latin typeface="PT Sans" pitchFamily="34" charset="-52"/>
@@ -9004,10 +8574,74 @@
           </a:p>
         </p:txBody>
       </p:sp>
+      <p:pic>
+        <p:nvPicPr>
+          <p:cNvPr id="1029" name="Picture 5"/>
+          <p:cNvPicPr>
+            <a:picLocks noChangeAspect="1" noChangeArrowheads="1"/>
+          </p:cNvPicPr>
+          <p:nvPr/>
+        </p:nvPicPr>
+        <p:blipFill>
+          <a:blip r:embed="rId3">
+            <a:extLst>
+              <a:ext uri="{28A0092B-C50C-407E-A947-70E740481C1C}">
+                <a14:useLocalDpi xmlns:a14="http://schemas.microsoft.com/office/drawing/2010/main" val="0"/>
+              </a:ext>
+            </a:extLst>
+          </a:blip>
+          <a:srcRect/>
+          <a:stretch>
+            <a:fillRect/>
+          </a:stretch>
+        </p:blipFill>
+        <p:spPr bwMode="auto">
+          <a:xfrm>
+            <a:off x="1403648" y="1362480"/>
+            <a:ext cx="6408712" cy="4687453"/>
+          </a:xfrm>
+          <a:prstGeom prst="rect">
+            <a:avLst/>
+          </a:prstGeom>
+          <a:noFill/>
+          <a:ln>
+            <a:noFill/>
+          </a:ln>
+          <a:effectLst/>
+          <a:extLst>
+            <a:ext uri="{909E8E84-426E-40DD-AFC4-6F175D3DCCD1}">
+              <a14:hiddenFill xmlns:a14="http://schemas.microsoft.com/office/drawing/2010/main">
+                <a:solidFill>
+                  <a:schemeClr val="accent1"/>
+                </a:solidFill>
+              </a14:hiddenFill>
+            </a:ext>
+            <a:ext uri="{91240B29-F687-4F45-9708-019B960494DF}">
+              <a14:hiddenLine xmlns:a14="http://schemas.microsoft.com/office/drawing/2010/main" w="9525">
+                <a:solidFill>
+                  <a:schemeClr val="tx1"/>
+                </a:solidFill>
+                <a:miter lim="800000"/>
+                <a:headEnd/>
+                <a:tailEnd/>
+              </a14:hiddenLine>
+            </a:ext>
+            <a:ext uri="{AF507438-7753-43E0-B8FC-AC1667EBCBE1}">
+              <a14:hiddenEffects xmlns:a14="http://schemas.microsoft.com/office/drawing/2010/main">
+                <a:effectLst>
+                  <a:outerShdw dist="35921" dir="2700000" algn="ctr" rotWithShape="0">
+                    <a:schemeClr val="bg2"/>
+                  </a:outerShdw>
+                </a:effectLst>
+              </a14:hiddenEffects>
+            </a:ext>
+          </a:extLst>
+        </p:spPr>
+      </p:pic>
     </p:spTree>
     <p:extLst>
       <p:ext uri="{BB962C8B-B14F-4D97-AF65-F5344CB8AC3E}">
-        <p14:creationId xmlns:p14="http://schemas.microsoft.com/office/powerpoint/2010/main" val="4222458403"/>
+        <p14:creationId xmlns:p14="http://schemas.microsoft.com/office/powerpoint/2010/main" val="43007484"/>
       </p:ext>
     </p:extLst>
   </p:cSld>
@@ -9102,10 +8736,6 @@
               </a:rPr>
               <a:t>Рассмотрим методы оптимизации алгоритма на примере алгоритма параллельной редукции</a:t>
             </a:r>
-            <a:endParaRPr lang="ru-RU" sz="2800" dirty="0" smtClean="0">
-              <a:latin typeface="PT Sans" pitchFamily="34" charset="-52"/>
-              <a:ea typeface="PT Sans" pitchFamily="34" charset="-52"/>
-            </a:endParaRPr>
           </a:p>
         </p:txBody>
       </p:sp>
@@ -9186,6 +8816,2436 @@
       </p:grpSpPr>
       <p:sp>
         <p:nvSpPr>
+          <p:cNvPr id="10" name="Заголовок 9"/>
+          <p:cNvSpPr>
+            <a:spLocks noGrp="1"/>
+          </p:cNvSpPr>
+          <p:nvPr>
+            <p:ph type="title"/>
+          </p:nvPr>
+        </p:nvSpPr>
+        <p:spPr/>
+        <p:txBody>
+          <a:bodyPr vert="horz" rtlCol="0" anchor="ctr">
+            <a:normAutofit/>
+            <a:scene3d>
+              <a:camera prst="orthographicFront"/>
+              <a:lightRig rig="soft" dir="t"/>
+            </a:scene3d>
+            <a:sp3d prstMaterial="softEdge">
+              <a:bevelT w="25400" h="25400"/>
+            </a:sp3d>
+          </a:bodyPr>
+          <a:lstStyle/>
+          <a:p>
+            <a:r>
+              <a:rPr lang="en-US" sz="4000" dirty="0" smtClean="0">
+                <a:latin typeface="PT Sans" pitchFamily="34" charset="-52"/>
+                <a:ea typeface="PT Sans" pitchFamily="34" charset="-52"/>
+              </a:rPr>
+              <a:t>Cooperative groups</a:t>
+            </a:r>
+            <a:endParaRPr lang="ru-RU" sz="4000" dirty="0">
+              <a:latin typeface="PT Sans" pitchFamily="34" charset="-52"/>
+              <a:ea typeface="PT Sans" pitchFamily="34" charset="-52"/>
+            </a:endParaRPr>
+          </a:p>
+        </p:txBody>
+      </p:sp>
+      <p:sp>
+        <p:nvSpPr>
+          <p:cNvPr id="4" name="Прямоугольник 3"/>
+          <p:cNvSpPr/>
+          <p:nvPr/>
+        </p:nvSpPr>
+        <p:spPr>
+          <a:xfrm>
+            <a:off x="421060" y="1556792"/>
+            <a:ext cx="8496944" cy="4278094"/>
+          </a:xfrm>
+          <a:prstGeom prst="rect">
+            <a:avLst/>
+          </a:prstGeom>
+          <a:ln>
+            <a:solidFill>
+              <a:srgbClr val="92D050"/>
+            </a:solidFill>
+          </a:ln>
+        </p:spPr>
+        <p:txBody>
+          <a:bodyPr wrap="square">
+            <a:spAutoFit/>
+          </a:bodyPr>
+          <a:lstStyle/>
+          <a:p>
+            <a:r>
+              <a:rPr lang="en-US" sz="1600" dirty="0">
+                <a:solidFill>
+                  <a:srgbClr val="AF00DB"/>
+                </a:solidFill>
+                <a:latin typeface="Consolas"/>
+              </a:rPr>
+              <a:t>#include</a:t>
+            </a:r>
+            <a:r>
+              <a:rPr lang="en-US" sz="1600" dirty="0">
+                <a:solidFill>
+                  <a:srgbClr val="0000FF"/>
+                </a:solidFill>
+                <a:latin typeface="Consolas"/>
+              </a:rPr>
+              <a:t> </a:t>
+            </a:r>
+            <a:r>
+              <a:rPr lang="en-US" sz="1600" dirty="0">
+                <a:solidFill>
+                  <a:srgbClr val="A31515"/>
+                </a:solidFill>
+                <a:latin typeface="Consolas"/>
+              </a:rPr>
+              <a:t>&lt;</a:t>
+            </a:r>
+            <a:r>
+              <a:rPr lang="en-US" sz="1600" dirty="0" err="1">
+                <a:solidFill>
+                  <a:srgbClr val="A31515"/>
+                </a:solidFill>
+                <a:latin typeface="Consolas"/>
+              </a:rPr>
+              <a:t>cooperative_groups.h</a:t>
+            </a:r>
+            <a:r>
+              <a:rPr lang="en-US" sz="1600" dirty="0">
+                <a:solidFill>
+                  <a:srgbClr val="A31515"/>
+                </a:solidFill>
+                <a:latin typeface="Consolas"/>
+              </a:rPr>
+              <a:t>&gt;</a:t>
+            </a:r>
+            <a:endParaRPr lang="en-US" sz="1600" dirty="0">
+              <a:solidFill>
+                <a:srgbClr val="000000"/>
+              </a:solidFill>
+              <a:latin typeface="Consolas"/>
+            </a:endParaRPr>
+          </a:p>
+          <a:p>
+            <a:r>
+              <a:rPr lang="en-US" sz="1600" dirty="0">
+                <a:solidFill>
+                  <a:srgbClr val="000000"/>
+                </a:solidFill>
+                <a:latin typeface="Consolas"/>
+              </a:rPr>
+              <a:t/>
+            </a:r>
+            <a:br>
+              <a:rPr lang="en-US" sz="1600" dirty="0">
+                <a:solidFill>
+                  <a:srgbClr val="000000"/>
+                </a:solidFill>
+                <a:latin typeface="Consolas"/>
+              </a:rPr>
+            </a:br>
+            <a:r>
+              <a:rPr lang="en-US" sz="1600" dirty="0">
+                <a:solidFill>
+                  <a:srgbClr val="0000FF"/>
+                </a:solidFill>
+                <a:latin typeface="Consolas"/>
+              </a:rPr>
+              <a:t>namespace</a:t>
+            </a:r>
+            <a:r>
+              <a:rPr lang="en-US" sz="1600" dirty="0">
+                <a:solidFill>
+                  <a:srgbClr val="000000"/>
+                </a:solidFill>
+                <a:latin typeface="Consolas"/>
+              </a:rPr>
+              <a:t> </a:t>
+            </a:r>
+            <a:r>
+              <a:rPr lang="en-US" sz="1600" dirty="0">
+                <a:solidFill>
+                  <a:srgbClr val="267F99"/>
+                </a:solidFill>
+                <a:latin typeface="Consolas"/>
+              </a:rPr>
+              <a:t>cg</a:t>
+            </a:r>
+            <a:r>
+              <a:rPr lang="en-US" sz="1600" dirty="0">
+                <a:solidFill>
+                  <a:srgbClr val="000000"/>
+                </a:solidFill>
+                <a:latin typeface="Consolas"/>
+              </a:rPr>
+              <a:t> </a:t>
+            </a:r>
+            <a:r>
+              <a:rPr lang="en-US" sz="1600" dirty="0">
+                <a:solidFill>
+                  <a:srgbClr val="AF00DB"/>
+                </a:solidFill>
+                <a:latin typeface="Consolas"/>
+              </a:rPr>
+              <a:t>=</a:t>
+            </a:r>
+            <a:r>
+              <a:rPr lang="en-US" sz="1600" dirty="0">
+                <a:solidFill>
+                  <a:srgbClr val="000000"/>
+                </a:solidFill>
+                <a:latin typeface="Consolas"/>
+              </a:rPr>
+              <a:t> </a:t>
+            </a:r>
+            <a:r>
+              <a:rPr lang="en-US" sz="1600" dirty="0" err="1">
+                <a:solidFill>
+                  <a:srgbClr val="000000"/>
+                </a:solidFill>
+                <a:latin typeface="Consolas"/>
+              </a:rPr>
+              <a:t>cooperative_groups</a:t>
+            </a:r>
+            <a:r>
+              <a:rPr lang="en-US" sz="1600" dirty="0">
+                <a:solidFill>
+                  <a:srgbClr val="000000"/>
+                </a:solidFill>
+                <a:latin typeface="Consolas"/>
+              </a:rPr>
+              <a:t>;</a:t>
+            </a:r>
+          </a:p>
+          <a:p>
+            <a:r>
+              <a:rPr lang="en-US" sz="1600" dirty="0">
+                <a:solidFill>
+                  <a:srgbClr val="000000"/>
+                </a:solidFill>
+                <a:latin typeface="Consolas"/>
+              </a:rPr>
+              <a:t/>
+            </a:r>
+            <a:br>
+              <a:rPr lang="en-US" sz="1600" dirty="0">
+                <a:solidFill>
+                  <a:srgbClr val="000000"/>
+                </a:solidFill>
+                <a:latin typeface="Consolas"/>
+              </a:rPr>
+            </a:br>
+            <a:r>
+              <a:rPr lang="en-US" sz="1600" dirty="0">
+                <a:solidFill>
+                  <a:srgbClr val="008000"/>
+                </a:solidFill>
+                <a:latin typeface="Consolas"/>
+              </a:rPr>
+              <a:t>//</a:t>
+            </a:r>
+            <a:r>
+              <a:rPr lang="ru-RU" sz="1600" dirty="0">
+                <a:solidFill>
+                  <a:srgbClr val="008000"/>
+                </a:solidFill>
+                <a:latin typeface="Consolas"/>
+              </a:rPr>
+              <a:t>Создание группы равной текущему блоку</a:t>
+            </a:r>
+            <a:endParaRPr lang="ru-RU" sz="1600" dirty="0">
+              <a:solidFill>
+                <a:srgbClr val="000000"/>
+              </a:solidFill>
+              <a:latin typeface="Consolas"/>
+            </a:endParaRPr>
+          </a:p>
+          <a:p>
+            <a:r>
+              <a:rPr lang="en-US" sz="1600" dirty="0" err="1">
+                <a:solidFill>
+                  <a:srgbClr val="000000"/>
+                </a:solidFill>
+                <a:latin typeface="Consolas"/>
+              </a:rPr>
+              <a:t>thread_block</a:t>
+            </a:r>
+            <a:r>
+              <a:rPr lang="en-US" sz="1600" dirty="0">
+                <a:solidFill>
+                  <a:srgbClr val="000000"/>
+                </a:solidFill>
+                <a:latin typeface="Consolas"/>
+              </a:rPr>
+              <a:t> block = </a:t>
+            </a:r>
+            <a:r>
+              <a:rPr lang="en-US" sz="1600" dirty="0" err="1">
+                <a:solidFill>
+                  <a:srgbClr val="795E26"/>
+                </a:solidFill>
+                <a:latin typeface="Consolas"/>
+              </a:rPr>
+              <a:t>this_thread_block</a:t>
+            </a:r>
+            <a:r>
+              <a:rPr lang="en-US" sz="1600" dirty="0">
+                <a:solidFill>
+                  <a:srgbClr val="000000"/>
+                </a:solidFill>
+                <a:latin typeface="Consolas"/>
+              </a:rPr>
+              <a:t>();</a:t>
+            </a:r>
+          </a:p>
+          <a:p>
+            <a:r>
+              <a:rPr lang="en-US" sz="1600" dirty="0">
+                <a:solidFill>
+                  <a:srgbClr val="000000"/>
+                </a:solidFill>
+                <a:latin typeface="Consolas"/>
+              </a:rPr>
+              <a:t/>
+            </a:r>
+            <a:br>
+              <a:rPr lang="en-US" sz="1600" dirty="0">
+                <a:solidFill>
+                  <a:srgbClr val="000000"/>
+                </a:solidFill>
+                <a:latin typeface="Consolas"/>
+              </a:rPr>
+            </a:br>
+            <a:r>
+              <a:rPr lang="en-US" sz="1600" dirty="0">
+                <a:solidFill>
+                  <a:srgbClr val="008000"/>
+                </a:solidFill>
+                <a:latin typeface="Consolas"/>
+              </a:rPr>
+              <a:t>//</a:t>
+            </a:r>
+            <a:r>
+              <a:rPr lang="ru-RU" sz="1600" dirty="0">
+                <a:solidFill>
+                  <a:srgbClr val="008000"/>
+                </a:solidFill>
+                <a:latin typeface="Consolas"/>
+              </a:rPr>
+              <a:t>Синхронизация группы</a:t>
+            </a:r>
+            <a:endParaRPr lang="ru-RU" sz="1600" dirty="0">
+              <a:solidFill>
+                <a:srgbClr val="000000"/>
+              </a:solidFill>
+              <a:latin typeface="Consolas"/>
+            </a:endParaRPr>
+          </a:p>
+          <a:p>
+            <a:r>
+              <a:rPr lang="ru-RU" sz="1600" dirty="0">
+                <a:solidFill>
+                  <a:srgbClr val="795E26"/>
+                </a:solidFill>
+                <a:latin typeface="Consolas"/>
+              </a:rPr>
+              <a:t>__</a:t>
+            </a:r>
+            <a:r>
+              <a:rPr lang="en-US" sz="1600" dirty="0" err="1">
+                <a:solidFill>
+                  <a:srgbClr val="795E26"/>
+                </a:solidFill>
+                <a:latin typeface="Consolas"/>
+              </a:rPr>
+              <a:t>syncthreads</a:t>
+            </a:r>
+            <a:r>
+              <a:rPr lang="en-US" sz="1600" dirty="0">
+                <a:solidFill>
+                  <a:srgbClr val="000000"/>
+                </a:solidFill>
+                <a:latin typeface="Consolas"/>
+              </a:rPr>
+              <a:t>();</a:t>
+            </a:r>
+          </a:p>
+          <a:p>
+            <a:r>
+              <a:rPr lang="en-US" sz="1600" dirty="0" err="1">
+                <a:solidFill>
+                  <a:srgbClr val="000000"/>
+                </a:solidFill>
+                <a:latin typeface="Consolas"/>
+              </a:rPr>
+              <a:t>block.</a:t>
+            </a:r>
+            <a:r>
+              <a:rPr lang="en-US" sz="1600" dirty="0" err="1">
+                <a:solidFill>
+                  <a:srgbClr val="795E26"/>
+                </a:solidFill>
+                <a:latin typeface="Consolas"/>
+              </a:rPr>
+              <a:t>sync</a:t>
+            </a:r>
+            <a:r>
+              <a:rPr lang="en-US" sz="1600" dirty="0">
+                <a:solidFill>
+                  <a:srgbClr val="000000"/>
+                </a:solidFill>
+                <a:latin typeface="Consolas"/>
+              </a:rPr>
+              <a:t>();</a:t>
+            </a:r>
+          </a:p>
+          <a:p>
+            <a:r>
+              <a:rPr lang="en-US" sz="1600" dirty="0">
+                <a:solidFill>
+                  <a:srgbClr val="795E26"/>
+                </a:solidFill>
+                <a:latin typeface="Consolas"/>
+              </a:rPr>
+              <a:t>cg::synchronize</a:t>
+            </a:r>
+            <a:r>
+              <a:rPr lang="en-US" sz="1600" dirty="0">
+                <a:solidFill>
+                  <a:srgbClr val="000000"/>
+                </a:solidFill>
+                <a:latin typeface="Consolas"/>
+              </a:rPr>
+              <a:t>(block);</a:t>
+            </a:r>
+          </a:p>
+          <a:p>
+            <a:r>
+              <a:rPr lang="en-US" sz="1600" dirty="0" err="1">
+                <a:solidFill>
+                  <a:srgbClr val="795E26"/>
+                </a:solidFill>
+                <a:latin typeface="Consolas"/>
+              </a:rPr>
+              <a:t>this_thread_block</a:t>
+            </a:r>
+            <a:r>
+              <a:rPr lang="en-US" sz="1600" dirty="0">
+                <a:solidFill>
+                  <a:srgbClr val="000000"/>
+                </a:solidFill>
+                <a:latin typeface="Consolas"/>
+              </a:rPr>
+              <a:t>().</a:t>
+            </a:r>
+            <a:r>
+              <a:rPr lang="en-US" sz="1600" dirty="0">
+                <a:solidFill>
+                  <a:srgbClr val="795E26"/>
+                </a:solidFill>
+                <a:latin typeface="Consolas"/>
+              </a:rPr>
+              <a:t>sync</a:t>
+            </a:r>
+            <a:r>
+              <a:rPr lang="en-US" sz="1600" dirty="0">
+                <a:solidFill>
+                  <a:srgbClr val="000000"/>
+                </a:solidFill>
+                <a:latin typeface="Consolas"/>
+              </a:rPr>
+              <a:t>();</a:t>
+            </a:r>
+          </a:p>
+          <a:p>
+            <a:r>
+              <a:rPr lang="en-US" sz="1600" dirty="0">
+                <a:solidFill>
+                  <a:srgbClr val="795E26"/>
+                </a:solidFill>
+                <a:latin typeface="Consolas"/>
+              </a:rPr>
+              <a:t>cg::synchronize</a:t>
+            </a:r>
+            <a:r>
+              <a:rPr lang="en-US" sz="1600" dirty="0">
+                <a:solidFill>
+                  <a:srgbClr val="000000"/>
+                </a:solidFill>
+                <a:latin typeface="Consolas"/>
+              </a:rPr>
+              <a:t>(</a:t>
+            </a:r>
+            <a:r>
+              <a:rPr lang="en-US" sz="1600" dirty="0" err="1">
+                <a:solidFill>
+                  <a:srgbClr val="795E26"/>
+                </a:solidFill>
+                <a:latin typeface="Consolas"/>
+              </a:rPr>
+              <a:t>this_thread_block</a:t>
+            </a:r>
+            <a:r>
+              <a:rPr lang="en-US" sz="1600" dirty="0">
+                <a:solidFill>
+                  <a:srgbClr val="000000"/>
+                </a:solidFill>
+                <a:latin typeface="Consolas"/>
+              </a:rPr>
+              <a:t>());</a:t>
+            </a:r>
+          </a:p>
+          <a:p>
+            <a:r>
+              <a:rPr lang="en-US" sz="1600" dirty="0">
+                <a:solidFill>
+                  <a:srgbClr val="000000"/>
+                </a:solidFill>
+                <a:latin typeface="Consolas"/>
+              </a:rPr>
+              <a:t/>
+            </a:r>
+            <a:br>
+              <a:rPr lang="en-US" sz="1600" dirty="0">
+                <a:solidFill>
+                  <a:srgbClr val="000000"/>
+                </a:solidFill>
+                <a:latin typeface="Consolas"/>
+              </a:rPr>
+            </a:br>
+            <a:r>
+              <a:rPr lang="en-US" sz="1600" dirty="0">
+                <a:solidFill>
+                  <a:srgbClr val="008000"/>
+                </a:solidFill>
+                <a:latin typeface="Consolas"/>
+              </a:rPr>
+              <a:t>//</a:t>
+            </a:r>
+            <a:r>
+              <a:rPr lang="ru-RU" sz="1600" dirty="0">
+                <a:solidFill>
+                  <a:srgbClr val="008000"/>
+                </a:solidFill>
+                <a:latin typeface="Consolas"/>
+              </a:rPr>
+              <a:t>Разбиение группы на более мелкие</a:t>
+            </a:r>
+            <a:endParaRPr lang="ru-RU" sz="1600" dirty="0">
+              <a:solidFill>
+                <a:srgbClr val="000000"/>
+              </a:solidFill>
+              <a:latin typeface="Consolas"/>
+            </a:endParaRPr>
+          </a:p>
+          <a:p>
+            <a:r>
+              <a:rPr lang="en-US" sz="1600" dirty="0" err="1">
+                <a:solidFill>
+                  <a:srgbClr val="000000"/>
+                </a:solidFill>
+                <a:latin typeface="Consolas"/>
+              </a:rPr>
+              <a:t>thread_group</a:t>
+            </a:r>
+            <a:r>
+              <a:rPr lang="en-US" sz="1600" dirty="0">
+                <a:solidFill>
+                  <a:srgbClr val="000000"/>
+                </a:solidFill>
+                <a:latin typeface="Consolas"/>
+              </a:rPr>
+              <a:t> tile32 = </a:t>
+            </a:r>
+            <a:r>
+              <a:rPr lang="en-US" sz="1600" dirty="0">
+                <a:solidFill>
+                  <a:srgbClr val="795E26"/>
+                </a:solidFill>
+                <a:latin typeface="Consolas"/>
+              </a:rPr>
+              <a:t>cg::partition</a:t>
+            </a:r>
+            <a:r>
+              <a:rPr lang="en-US" sz="1600" dirty="0">
+                <a:solidFill>
+                  <a:srgbClr val="000000"/>
+                </a:solidFill>
+                <a:latin typeface="Consolas"/>
+              </a:rPr>
+              <a:t>(block, </a:t>
+            </a:r>
+            <a:r>
+              <a:rPr lang="en-US" sz="1600" dirty="0">
+                <a:solidFill>
+                  <a:srgbClr val="09885A"/>
+                </a:solidFill>
+                <a:latin typeface="Consolas"/>
+              </a:rPr>
+              <a:t>32</a:t>
+            </a:r>
+            <a:r>
+              <a:rPr lang="en-US" sz="1600" dirty="0">
+                <a:solidFill>
+                  <a:srgbClr val="000000"/>
+                </a:solidFill>
+                <a:latin typeface="Consolas"/>
+              </a:rPr>
+              <a:t>);</a:t>
+            </a:r>
+          </a:p>
+          <a:p>
+            <a:r>
+              <a:rPr lang="en-US" sz="1600" dirty="0" err="1">
+                <a:solidFill>
+                  <a:srgbClr val="000000"/>
+                </a:solidFill>
+                <a:latin typeface="Consolas"/>
+              </a:rPr>
+              <a:t>thread_block_tile</a:t>
+            </a:r>
+            <a:r>
+              <a:rPr lang="en-US" sz="1600" dirty="0">
+                <a:solidFill>
+                  <a:srgbClr val="000000"/>
+                </a:solidFill>
+                <a:latin typeface="Consolas"/>
+              </a:rPr>
+              <a:t>&lt;</a:t>
+            </a:r>
+            <a:r>
+              <a:rPr lang="en-US" sz="1600" dirty="0">
+                <a:solidFill>
+                  <a:srgbClr val="09885A"/>
+                </a:solidFill>
+                <a:latin typeface="Consolas"/>
+              </a:rPr>
+              <a:t>32</a:t>
+            </a:r>
+            <a:r>
+              <a:rPr lang="en-US" sz="1600" dirty="0">
+                <a:solidFill>
+                  <a:srgbClr val="000000"/>
+                </a:solidFill>
+                <a:latin typeface="Consolas"/>
+              </a:rPr>
+              <a:t>&gt; tile32 = </a:t>
+            </a:r>
+            <a:r>
+              <a:rPr lang="en-US" sz="1600" dirty="0" err="1">
+                <a:solidFill>
+                  <a:srgbClr val="000000"/>
+                </a:solidFill>
+                <a:latin typeface="Consolas"/>
+              </a:rPr>
+              <a:t>tiled_partition</a:t>
+            </a:r>
+            <a:r>
+              <a:rPr lang="en-US" sz="1600" dirty="0">
+                <a:solidFill>
+                  <a:srgbClr val="000000"/>
+                </a:solidFill>
+                <a:latin typeface="Consolas"/>
+              </a:rPr>
+              <a:t>&lt;</a:t>
+            </a:r>
+            <a:r>
+              <a:rPr lang="en-US" sz="1600" dirty="0">
+                <a:solidFill>
+                  <a:srgbClr val="09885A"/>
+                </a:solidFill>
+                <a:latin typeface="Consolas"/>
+              </a:rPr>
+              <a:t>32</a:t>
+            </a:r>
+            <a:r>
+              <a:rPr lang="en-US" sz="1600" dirty="0">
+                <a:solidFill>
+                  <a:srgbClr val="000000"/>
+                </a:solidFill>
+                <a:latin typeface="Consolas"/>
+              </a:rPr>
+              <a:t>&gt;(block</a:t>
+            </a:r>
+            <a:r>
+              <a:rPr lang="en-US" sz="1600" dirty="0" smtClean="0">
+                <a:solidFill>
+                  <a:srgbClr val="000000"/>
+                </a:solidFill>
+                <a:latin typeface="Consolas"/>
+              </a:rPr>
+              <a:t>);</a:t>
+            </a:r>
+            <a:endParaRPr lang="en-US" sz="1600" dirty="0">
+              <a:solidFill>
+                <a:srgbClr val="000000"/>
+              </a:solidFill>
+              <a:latin typeface="Consolas"/>
+            </a:endParaRPr>
+          </a:p>
+        </p:txBody>
+      </p:sp>
+    </p:spTree>
+    <p:extLst>
+      <p:ext uri="{BB962C8B-B14F-4D97-AF65-F5344CB8AC3E}">
+        <p14:creationId xmlns:p14="http://schemas.microsoft.com/office/powerpoint/2010/main" val="2925194726"/>
+      </p:ext>
+    </p:extLst>
+  </p:cSld>
+  <p:clrMapOvr>
+    <a:masterClrMapping/>
+  </p:clrMapOvr>
+  <p:timing>
+    <p:tnLst>
+      <p:par>
+        <p:cTn id="1" dur="indefinite" restart="never" nodeType="tmRoot"/>
+      </p:par>
+    </p:tnLst>
+  </p:timing>
+</p:sld>
+</file>
+
+<file path=ppt/slides/slide21.xml><?xml version="1.0" encoding="utf-8"?>
+<p:sld xmlns:a="http://schemas.openxmlformats.org/drawingml/2006/main" xmlns:r="http://schemas.openxmlformats.org/officeDocument/2006/relationships" xmlns:p="http://schemas.openxmlformats.org/presentationml/2006/main">
+  <p:cSld>
+    <p:spTree>
+      <p:nvGrpSpPr>
+        <p:cNvPr id="1" name=""/>
+        <p:cNvGrpSpPr/>
+        <p:nvPr/>
+      </p:nvGrpSpPr>
+      <p:grpSpPr>
+        <a:xfrm>
+          <a:off x="0" y="0"/>
+          <a:ext cx="0" cy="0"/>
+          <a:chOff x="0" y="0"/>
+          <a:chExt cx="0" cy="0"/>
+        </a:xfrm>
+      </p:grpSpPr>
+      <p:sp>
+        <p:nvSpPr>
+          <p:cNvPr id="13" name="Объект 2"/>
+          <p:cNvSpPr>
+            <a:spLocks noGrp="1"/>
+          </p:cNvSpPr>
+          <p:nvPr>
+            <p:ph idx="1"/>
+          </p:nvPr>
+        </p:nvSpPr>
+        <p:spPr>
+          <a:xfrm>
+            <a:off x="539552" y="1481329"/>
+            <a:ext cx="8147248" cy="4467952"/>
+          </a:xfrm>
+        </p:spPr>
+        <p:txBody>
+          <a:bodyPr vert="horz">
+            <a:normAutofit/>
+          </a:bodyPr>
+          <a:lstStyle/>
+          <a:p>
+            <a:r>
+              <a:rPr lang="ru-RU" sz="2800" dirty="0" smtClean="0">
+                <a:latin typeface="PT Sans" pitchFamily="34" charset="-52"/>
+              </a:rPr>
+              <a:t>Указатель на группу можно передавать в качестве параметра функции</a:t>
+            </a:r>
+          </a:p>
+          <a:p>
+            <a:r>
+              <a:rPr lang="ru-RU" sz="2800" dirty="0" smtClean="0">
+                <a:latin typeface="PT Sans" pitchFamily="34" charset="-52"/>
+              </a:rPr>
+              <a:t>Можно создавать группы из нитей активных в настоящий момент(только в пределах </a:t>
+            </a:r>
+            <a:r>
+              <a:rPr lang="ru-RU" sz="2800" dirty="0" err="1" smtClean="0">
+                <a:latin typeface="PT Sans" pitchFamily="34" charset="-52"/>
+              </a:rPr>
+              <a:t>варпа</a:t>
+            </a:r>
+            <a:r>
+              <a:rPr lang="ru-RU" sz="2800" dirty="0" smtClean="0">
+                <a:latin typeface="PT Sans" pitchFamily="34" charset="-52"/>
+              </a:rPr>
+              <a:t>)</a:t>
+            </a:r>
+          </a:p>
+        </p:txBody>
+      </p:sp>
+      <p:sp>
+        <p:nvSpPr>
+          <p:cNvPr id="10" name="Заголовок 9"/>
+          <p:cNvSpPr>
+            <a:spLocks noGrp="1"/>
+          </p:cNvSpPr>
+          <p:nvPr>
+            <p:ph type="title"/>
+          </p:nvPr>
+        </p:nvSpPr>
+        <p:spPr/>
+        <p:txBody>
+          <a:bodyPr vert="horz" rtlCol="0" anchor="ctr">
+            <a:normAutofit/>
+            <a:scene3d>
+              <a:camera prst="orthographicFront"/>
+              <a:lightRig rig="soft" dir="t"/>
+            </a:scene3d>
+            <a:sp3d prstMaterial="softEdge">
+              <a:bevelT w="25400" h="25400"/>
+            </a:sp3d>
+          </a:bodyPr>
+          <a:lstStyle/>
+          <a:p>
+            <a:r>
+              <a:rPr lang="en-US" sz="4000" dirty="0" smtClean="0">
+                <a:latin typeface="PT Sans" pitchFamily="34" charset="-52"/>
+                <a:ea typeface="PT Sans" pitchFamily="34" charset="-52"/>
+              </a:rPr>
+              <a:t>Cooperative groups</a:t>
+            </a:r>
+            <a:endParaRPr lang="ru-RU" sz="4000" dirty="0">
+              <a:latin typeface="PT Sans" pitchFamily="34" charset="-52"/>
+              <a:ea typeface="PT Sans" pitchFamily="34" charset="-52"/>
+            </a:endParaRPr>
+          </a:p>
+        </p:txBody>
+      </p:sp>
+      <p:sp>
+        <p:nvSpPr>
+          <p:cNvPr id="2" name="Прямоугольник 1"/>
+          <p:cNvSpPr/>
+          <p:nvPr/>
+        </p:nvSpPr>
+        <p:spPr>
+          <a:xfrm>
+            <a:off x="1259632" y="3573016"/>
+            <a:ext cx="6318448" cy="369332"/>
+          </a:xfrm>
+          <a:prstGeom prst="rect">
+            <a:avLst/>
+          </a:prstGeom>
+        </p:spPr>
+        <p:txBody>
+          <a:bodyPr wrap="square">
+            <a:spAutoFit/>
+          </a:bodyPr>
+          <a:lstStyle/>
+          <a:p>
+            <a:r>
+              <a:rPr lang="en-US" dirty="0" err="1">
+                <a:solidFill>
+                  <a:srgbClr val="000000"/>
+                </a:solidFill>
+                <a:latin typeface="Consolas"/>
+              </a:rPr>
+              <a:t>coalesced_group</a:t>
+            </a:r>
+            <a:r>
+              <a:rPr lang="en-US" dirty="0">
+                <a:solidFill>
+                  <a:srgbClr val="000000"/>
+                </a:solidFill>
+                <a:latin typeface="Consolas"/>
+              </a:rPr>
+              <a:t> active = </a:t>
+            </a:r>
+            <a:r>
+              <a:rPr lang="en-US" dirty="0" err="1">
+                <a:solidFill>
+                  <a:srgbClr val="795E26"/>
+                </a:solidFill>
+                <a:latin typeface="Consolas"/>
+              </a:rPr>
+              <a:t>coalesced_threads</a:t>
+            </a:r>
+            <a:r>
+              <a:rPr lang="en-US" dirty="0">
+                <a:solidFill>
+                  <a:srgbClr val="000000"/>
+                </a:solidFill>
+                <a:latin typeface="Consolas"/>
+              </a:rPr>
+              <a:t>();</a:t>
+            </a:r>
+            <a:endParaRPr lang="en-US" b="0" dirty="0">
+              <a:solidFill>
+                <a:srgbClr val="000000"/>
+              </a:solidFill>
+              <a:effectLst/>
+              <a:latin typeface="Consolas"/>
+            </a:endParaRPr>
+          </a:p>
+        </p:txBody>
+      </p:sp>
+    </p:spTree>
+    <p:extLst>
+      <p:ext uri="{BB962C8B-B14F-4D97-AF65-F5344CB8AC3E}">
+        <p14:creationId xmlns:p14="http://schemas.microsoft.com/office/powerpoint/2010/main" val="4032329688"/>
+      </p:ext>
+    </p:extLst>
+  </p:cSld>
+  <p:clrMapOvr>
+    <a:masterClrMapping/>
+  </p:clrMapOvr>
+  <p:timing>
+    <p:tnLst>
+      <p:par>
+        <p:cTn id="1" dur="indefinite" restart="never" nodeType="tmRoot"/>
+      </p:par>
+    </p:tnLst>
+  </p:timing>
+</p:sld>
+</file>
+
+<file path=ppt/slides/slide22.xml><?xml version="1.0" encoding="utf-8"?>
+<p:sld xmlns:a="http://schemas.openxmlformats.org/drawingml/2006/main" xmlns:r="http://schemas.openxmlformats.org/officeDocument/2006/relationships" xmlns:p="http://schemas.openxmlformats.org/presentationml/2006/main">
+  <p:cSld>
+    <p:spTree>
+      <p:nvGrpSpPr>
+        <p:cNvPr id="1" name=""/>
+        <p:cNvGrpSpPr/>
+        <p:nvPr/>
+      </p:nvGrpSpPr>
+      <p:grpSpPr>
+        <a:xfrm>
+          <a:off x="0" y="0"/>
+          <a:ext cx="0" cy="0"/>
+          <a:chOff x="0" y="0"/>
+          <a:chExt cx="0" cy="0"/>
+        </a:xfrm>
+      </p:grpSpPr>
+      <p:sp>
+        <p:nvSpPr>
+          <p:cNvPr id="13" name="Объект 2"/>
+          <p:cNvSpPr>
+            <a:spLocks noGrp="1"/>
+          </p:cNvSpPr>
+          <p:nvPr>
+            <p:ph idx="1"/>
+          </p:nvPr>
+        </p:nvSpPr>
+        <p:spPr>
+          <a:xfrm>
+            <a:off x="539552" y="1481329"/>
+            <a:ext cx="8147248" cy="4467952"/>
+          </a:xfrm>
+        </p:spPr>
+        <p:txBody>
+          <a:bodyPr vert="horz">
+            <a:normAutofit/>
+          </a:bodyPr>
+          <a:lstStyle/>
+          <a:p>
+            <a:r>
+              <a:rPr lang="ru-RU" sz="2800" dirty="0" smtClean="0">
+                <a:latin typeface="PT Sans"/>
+              </a:rPr>
+              <a:t>Для улучшения паттерна доступа к памяти можно использовать векторизацию</a:t>
+            </a:r>
+          </a:p>
+          <a:p>
+            <a:r>
+              <a:rPr lang="ru-RU" sz="2800" dirty="0" smtClean="0">
+                <a:latin typeface="PT Sans"/>
+              </a:rPr>
+              <a:t>Векторизация является </a:t>
+            </a:r>
+            <a:r>
+              <a:rPr lang="ru-RU" sz="2800" u="sng" dirty="0" smtClean="0">
+                <a:latin typeface="PT Sans"/>
+              </a:rPr>
+              <a:t>практически </a:t>
+            </a:r>
+            <a:r>
+              <a:rPr lang="ru-RU" sz="2800" dirty="0" smtClean="0">
+                <a:latin typeface="PT Sans"/>
+              </a:rPr>
+              <a:t>«серебряной пулей»</a:t>
+            </a:r>
+          </a:p>
+          <a:p>
+            <a:r>
+              <a:rPr lang="ru-RU" sz="2800" dirty="0" smtClean="0">
+                <a:latin typeface="PT Sans"/>
+              </a:rPr>
+              <a:t>Обработка данных как векторов длиной 64/128 бит</a:t>
+            </a:r>
+          </a:p>
+          <a:p>
+            <a:r>
+              <a:rPr lang="ru-RU" sz="2800" dirty="0" smtClean="0">
+                <a:latin typeface="PT Sans"/>
+              </a:rPr>
+              <a:t>Используются встроенные векторные типы данных </a:t>
+            </a:r>
+            <a:r>
+              <a:rPr lang="en-US" sz="2800" dirty="0" smtClean="0">
+                <a:latin typeface="PT Sans"/>
+              </a:rPr>
+              <a:t>int2, int4, float2, float4</a:t>
+            </a:r>
+            <a:r>
+              <a:rPr lang="en-US" sz="2800" dirty="0"/>
+              <a:t/>
+            </a:r>
+            <a:br>
+              <a:rPr lang="en-US" sz="2800" dirty="0"/>
+            </a:br>
+            <a:endParaRPr lang="en-US" sz="2800" dirty="0"/>
+          </a:p>
+          <a:p>
+            <a:endParaRPr lang="ru-RU" sz="2800" dirty="0" smtClean="0">
+              <a:latin typeface="PT Sans" pitchFamily="34" charset="-52"/>
+              <a:ea typeface="PT Sans" pitchFamily="34" charset="-52"/>
+            </a:endParaRPr>
+          </a:p>
+        </p:txBody>
+      </p:sp>
+      <p:sp>
+        <p:nvSpPr>
+          <p:cNvPr id="10" name="Заголовок 9"/>
+          <p:cNvSpPr>
+            <a:spLocks noGrp="1"/>
+          </p:cNvSpPr>
+          <p:nvPr>
+            <p:ph type="title"/>
+          </p:nvPr>
+        </p:nvSpPr>
+        <p:spPr/>
+        <p:txBody>
+          <a:bodyPr vert="horz" rtlCol="0" anchor="ctr">
+            <a:normAutofit/>
+            <a:scene3d>
+              <a:camera prst="orthographicFront"/>
+              <a:lightRig rig="soft" dir="t"/>
+            </a:scene3d>
+            <a:sp3d prstMaterial="softEdge">
+              <a:bevelT w="25400" h="25400"/>
+            </a:sp3d>
+          </a:bodyPr>
+          <a:lstStyle/>
+          <a:p>
+            <a:r>
+              <a:rPr lang="ru-RU" sz="4000" dirty="0" smtClean="0">
+                <a:latin typeface="PT Sans" pitchFamily="34" charset="-52"/>
+                <a:ea typeface="PT Sans" pitchFamily="34" charset="-52"/>
+              </a:rPr>
+              <a:t>Векторизация</a:t>
+            </a:r>
+            <a:endParaRPr lang="ru-RU" sz="4000" dirty="0">
+              <a:latin typeface="PT Sans" pitchFamily="34" charset="-52"/>
+              <a:ea typeface="PT Sans" pitchFamily="34" charset="-52"/>
+            </a:endParaRPr>
+          </a:p>
+        </p:txBody>
+      </p:sp>
+    </p:spTree>
+    <p:extLst>
+      <p:ext uri="{BB962C8B-B14F-4D97-AF65-F5344CB8AC3E}">
+        <p14:creationId xmlns:p14="http://schemas.microsoft.com/office/powerpoint/2010/main" val="2541843734"/>
+      </p:ext>
+    </p:extLst>
+  </p:cSld>
+  <p:clrMapOvr>
+    <a:masterClrMapping/>
+  </p:clrMapOvr>
+  <p:timing>
+    <p:tnLst>
+      <p:par>
+        <p:cTn id="1" dur="indefinite" restart="never" nodeType="tmRoot"/>
+      </p:par>
+    </p:tnLst>
+  </p:timing>
+</p:sld>
+</file>
+
+<file path=ppt/slides/slide23.xml><?xml version="1.0" encoding="utf-8"?>
+<p:sld xmlns:a="http://schemas.openxmlformats.org/drawingml/2006/main" xmlns:r="http://schemas.openxmlformats.org/officeDocument/2006/relationships" xmlns:p="http://schemas.openxmlformats.org/presentationml/2006/main">
+  <p:cSld>
+    <p:spTree>
+      <p:nvGrpSpPr>
+        <p:cNvPr id="1" name=""/>
+        <p:cNvGrpSpPr/>
+        <p:nvPr/>
+      </p:nvGrpSpPr>
+      <p:grpSpPr>
+        <a:xfrm>
+          <a:off x="0" y="0"/>
+          <a:ext cx="0" cy="0"/>
+          <a:chOff x="0" y="0"/>
+          <a:chExt cx="0" cy="0"/>
+        </a:xfrm>
+      </p:grpSpPr>
+      <p:sp>
+        <p:nvSpPr>
+          <p:cNvPr id="13" name="Объект 2"/>
+          <p:cNvSpPr>
+            <a:spLocks noGrp="1"/>
+          </p:cNvSpPr>
+          <p:nvPr>
+            <p:ph idx="1"/>
+          </p:nvPr>
+        </p:nvSpPr>
+        <p:spPr>
+          <a:xfrm>
+            <a:off x="539552" y="1481329"/>
+            <a:ext cx="8147248" cy="4467952"/>
+          </a:xfrm>
+        </p:spPr>
+        <p:txBody>
+          <a:bodyPr vert="horz">
+            <a:normAutofit/>
+          </a:bodyPr>
+          <a:lstStyle/>
+          <a:p>
+            <a:r>
+              <a:rPr lang="ru-RU" sz="2800" dirty="0">
+                <a:latin typeface="PT Sans"/>
+              </a:rPr>
+              <a:t>Указатели на исходные данные преобразуются к </a:t>
+            </a:r>
+            <a:r>
+              <a:rPr lang="ru-RU" sz="2800" dirty="0" smtClean="0">
+                <a:latin typeface="PT Sans"/>
+              </a:rPr>
+              <a:t>векторным типам</a:t>
+            </a:r>
+          </a:p>
+          <a:p>
+            <a:r>
+              <a:rPr lang="ru-RU" sz="2800" dirty="0" smtClean="0">
+                <a:latin typeface="PT Sans"/>
+              </a:rPr>
+              <a:t>Разыменование таких указателей вызывает векторные инструкции для выравненных данных</a:t>
+            </a:r>
+          </a:p>
+          <a:p>
+            <a:r>
+              <a:rPr lang="ru-RU" sz="2800" dirty="0" smtClean="0">
+                <a:latin typeface="PT Sans"/>
+              </a:rPr>
+              <a:t>Использование векторизации увеличивает нагрузку на регистры</a:t>
+            </a:r>
+          </a:p>
+          <a:p>
+            <a:endParaRPr lang="ru-RU" sz="2800" dirty="0" smtClean="0">
+              <a:latin typeface="PT Sans" pitchFamily="34" charset="-52"/>
+              <a:ea typeface="PT Sans" pitchFamily="34" charset="-52"/>
+            </a:endParaRPr>
+          </a:p>
+        </p:txBody>
+      </p:sp>
+      <p:sp>
+        <p:nvSpPr>
+          <p:cNvPr id="10" name="Заголовок 9"/>
+          <p:cNvSpPr>
+            <a:spLocks noGrp="1"/>
+          </p:cNvSpPr>
+          <p:nvPr>
+            <p:ph type="title"/>
+          </p:nvPr>
+        </p:nvSpPr>
+        <p:spPr/>
+        <p:txBody>
+          <a:bodyPr vert="horz" rtlCol="0" anchor="ctr">
+            <a:normAutofit/>
+            <a:scene3d>
+              <a:camera prst="orthographicFront"/>
+              <a:lightRig rig="soft" dir="t"/>
+            </a:scene3d>
+            <a:sp3d prstMaterial="softEdge">
+              <a:bevelT w="25400" h="25400"/>
+            </a:sp3d>
+          </a:bodyPr>
+          <a:lstStyle/>
+          <a:p>
+            <a:r>
+              <a:rPr lang="ru-RU" sz="4000" dirty="0" smtClean="0">
+                <a:latin typeface="PT Sans" pitchFamily="34" charset="-52"/>
+                <a:ea typeface="PT Sans" pitchFamily="34" charset="-52"/>
+              </a:rPr>
+              <a:t>Векторизация</a:t>
+            </a:r>
+            <a:endParaRPr lang="ru-RU" sz="4000" dirty="0">
+              <a:latin typeface="PT Sans" pitchFamily="34" charset="-52"/>
+              <a:ea typeface="PT Sans" pitchFamily="34" charset="-52"/>
+            </a:endParaRPr>
+          </a:p>
+        </p:txBody>
+      </p:sp>
+    </p:spTree>
+    <p:extLst>
+      <p:ext uri="{BB962C8B-B14F-4D97-AF65-F5344CB8AC3E}">
+        <p14:creationId xmlns:p14="http://schemas.microsoft.com/office/powerpoint/2010/main" val="3023806171"/>
+      </p:ext>
+    </p:extLst>
+  </p:cSld>
+  <p:clrMapOvr>
+    <a:masterClrMapping/>
+  </p:clrMapOvr>
+  <p:timing>
+    <p:tnLst>
+      <p:par>
+        <p:cTn id="1" dur="indefinite" restart="never" nodeType="tmRoot"/>
+      </p:par>
+    </p:tnLst>
+  </p:timing>
+</p:sld>
+</file>
+
+<file path=ppt/slides/slide24.xml><?xml version="1.0" encoding="utf-8"?>
+<p:sld xmlns:a="http://schemas.openxmlformats.org/drawingml/2006/main" xmlns:r="http://schemas.openxmlformats.org/officeDocument/2006/relationships" xmlns:p="http://schemas.openxmlformats.org/presentationml/2006/main">
+  <p:cSld>
+    <p:spTree>
+      <p:nvGrpSpPr>
+        <p:cNvPr id="1" name=""/>
+        <p:cNvGrpSpPr/>
+        <p:nvPr/>
+      </p:nvGrpSpPr>
+      <p:grpSpPr>
+        <a:xfrm>
+          <a:off x="0" y="0"/>
+          <a:ext cx="0" cy="0"/>
+          <a:chOff x="0" y="0"/>
+          <a:chExt cx="0" cy="0"/>
+        </a:xfrm>
+      </p:grpSpPr>
+      <p:sp>
+        <p:nvSpPr>
+          <p:cNvPr id="10" name="Заголовок 9"/>
+          <p:cNvSpPr>
+            <a:spLocks noGrp="1"/>
+          </p:cNvSpPr>
+          <p:nvPr>
+            <p:ph type="title"/>
+          </p:nvPr>
+        </p:nvSpPr>
+        <p:spPr/>
+        <p:txBody>
+          <a:bodyPr vert="horz" rtlCol="0" anchor="ctr">
+            <a:normAutofit/>
+            <a:scene3d>
+              <a:camera prst="orthographicFront"/>
+              <a:lightRig rig="soft" dir="t"/>
+            </a:scene3d>
+            <a:sp3d prstMaterial="softEdge">
+              <a:bevelT w="25400" h="25400"/>
+            </a:sp3d>
+          </a:bodyPr>
+          <a:lstStyle/>
+          <a:p>
+            <a:r>
+              <a:rPr lang="ru-RU" sz="4000" dirty="0" smtClean="0">
+                <a:latin typeface="PT Sans" pitchFamily="34" charset="-52"/>
+                <a:ea typeface="PT Sans" pitchFamily="34" charset="-52"/>
+              </a:rPr>
+              <a:t>Векторизация</a:t>
+            </a:r>
+            <a:endParaRPr lang="ru-RU" sz="4000" dirty="0">
+              <a:latin typeface="PT Sans" pitchFamily="34" charset="-52"/>
+              <a:ea typeface="PT Sans" pitchFamily="34" charset="-52"/>
+            </a:endParaRPr>
+          </a:p>
+        </p:txBody>
+      </p:sp>
+      <p:sp>
+        <p:nvSpPr>
+          <p:cNvPr id="3" name="Прямоугольник 2"/>
+          <p:cNvSpPr/>
+          <p:nvPr/>
+        </p:nvSpPr>
+        <p:spPr>
+          <a:xfrm>
+            <a:off x="179512" y="1601505"/>
+            <a:ext cx="8784976" cy="1323439"/>
+          </a:xfrm>
+          <a:prstGeom prst="rect">
+            <a:avLst/>
+          </a:prstGeom>
+        </p:spPr>
+        <p:txBody>
+          <a:bodyPr wrap="square">
+            <a:spAutoFit/>
+          </a:bodyPr>
+          <a:lstStyle/>
+          <a:p>
+            <a:r>
+              <a:rPr lang="en-US" sz="1600" dirty="0">
+                <a:solidFill>
+                  <a:srgbClr val="000000"/>
+                </a:solidFill>
+                <a:latin typeface="Consolas"/>
+              </a:rPr>
+              <a:t>__global__ </a:t>
+            </a:r>
+            <a:r>
+              <a:rPr lang="en-US" sz="1600" dirty="0">
+                <a:solidFill>
+                  <a:srgbClr val="0000FF"/>
+                </a:solidFill>
+                <a:latin typeface="Consolas"/>
+              </a:rPr>
+              <a:t>void</a:t>
+            </a:r>
+            <a:r>
+              <a:rPr lang="en-US" sz="1600" dirty="0">
+                <a:solidFill>
+                  <a:srgbClr val="000000"/>
+                </a:solidFill>
+                <a:latin typeface="Consolas"/>
+              </a:rPr>
+              <a:t> </a:t>
+            </a:r>
+            <a:r>
+              <a:rPr lang="en-US" sz="1600" dirty="0" err="1">
+                <a:solidFill>
+                  <a:srgbClr val="000000"/>
+                </a:solidFill>
+                <a:latin typeface="Consolas"/>
+              </a:rPr>
+              <a:t>device_copy_scalar_kernel</a:t>
+            </a:r>
+            <a:r>
+              <a:rPr lang="en-US" sz="1600" dirty="0">
+                <a:solidFill>
+                  <a:srgbClr val="000000"/>
+                </a:solidFill>
+                <a:latin typeface="Consolas"/>
+              </a:rPr>
+              <a:t>(</a:t>
+            </a:r>
+            <a:r>
+              <a:rPr lang="en-US" sz="1600" dirty="0" err="1">
+                <a:solidFill>
+                  <a:srgbClr val="0000FF"/>
+                </a:solidFill>
+                <a:latin typeface="Consolas"/>
+              </a:rPr>
+              <a:t>int</a:t>
+            </a:r>
+            <a:r>
+              <a:rPr lang="en-US" sz="1600" dirty="0">
+                <a:solidFill>
+                  <a:srgbClr val="000000"/>
+                </a:solidFill>
+                <a:latin typeface="Consolas"/>
+              </a:rPr>
+              <a:t>* </a:t>
+            </a:r>
+            <a:r>
+              <a:rPr lang="en-US" sz="1600" dirty="0" err="1">
+                <a:solidFill>
+                  <a:srgbClr val="000000"/>
+                </a:solidFill>
+                <a:latin typeface="Consolas"/>
+              </a:rPr>
+              <a:t>d_in</a:t>
+            </a:r>
+            <a:r>
+              <a:rPr lang="en-US" sz="1600" dirty="0">
+                <a:solidFill>
+                  <a:srgbClr val="000000"/>
+                </a:solidFill>
+                <a:latin typeface="Consolas"/>
+              </a:rPr>
+              <a:t>, </a:t>
+            </a:r>
+            <a:r>
+              <a:rPr lang="en-US" sz="1600" dirty="0" err="1">
+                <a:solidFill>
+                  <a:srgbClr val="0000FF"/>
+                </a:solidFill>
+                <a:latin typeface="Consolas"/>
+              </a:rPr>
+              <a:t>int</a:t>
+            </a:r>
+            <a:r>
+              <a:rPr lang="en-US" sz="1600" dirty="0">
+                <a:solidFill>
+                  <a:srgbClr val="000000"/>
+                </a:solidFill>
+                <a:latin typeface="Consolas"/>
+              </a:rPr>
+              <a:t>* </a:t>
+            </a:r>
+            <a:r>
+              <a:rPr lang="en-US" sz="1600" dirty="0" err="1">
+                <a:solidFill>
+                  <a:srgbClr val="000000"/>
+                </a:solidFill>
+                <a:latin typeface="Consolas"/>
+              </a:rPr>
+              <a:t>d_out</a:t>
+            </a:r>
+            <a:r>
+              <a:rPr lang="en-US" sz="1600" dirty="0">
+                <a:solidFill>
+                  <a:srgbClr val="000000"/>
+                </a:solidFill>
+                <a:latin typeface="Consolas"/>
+              </a:rPr>
+              <a:t>, </a:t>
+            </a:r>
+            <a:r>
+              <a:rPr lang="en-US" sz="1600" dirty="0" err="1">
+                <a:solidFill>
+                  <a:srgbClr val="0000FF"/>
+                </a:solidFill>
+                <a:latin typeface="Consolas"/>
+              </a:rPr>
+              <a:t>int</a:t>
+            </a:r>
+            <a:r>
+              <a:rPr lang="en-US" sz="1600" dirty="0">
+                <a:solidFill>
+                  <a:srgbClr val="000000"/>
+                </a:solidFill>
+                <a:latin typeface="Consolas"/>
+              </a:rPr>
+              <a:t> N</a:t>
+            </a:r>
+            <a:r>
+              <a:rPr lang="en-US" sz="1600" dirty="0" smtClean="0">
+                <a:solidFill>
+                  <a:srgbClr val="000000"/>
+                </a:solidFill>
+                <a:latin typeface="Consolas"/>
+              </a:rPr>
+              <a:t>){ </a:t>
+            </a:r>
+            <a:endParaRPr lang="en-US" sz="1600" dirty="0">
+              <a:solidFill>
+                <a:srgbClr val="000000"/>
+              </a:solidFill>
+              <a:latin typeface="Consolas"/>
+            </a:endParaRPr>
+          </a:p>
+          <a:p>
+            <a:r>
+              <a:rPr lang="ru-RU" sz="1600" dirty="0" smtClean="0">
+                <a:solidFill>
+                  <a:srgbClr val="0000FF"/>
+                </a:solidFill>
+                <a:latin typeface="Consolas"/>
+              </a:rPr>
+              <a:t>	</a:t>
+            </a:r>
+            <a:r>
+              <a:rPr lang="en-US" sz="1600" dirty="0" err="1" smtClean="0">
+                <a:solidFill>
+                  <a:srgbClr val="0000FF"/>
+                </a:solidFill>
+                <a:latin typeface="Consolas"/>
+              </a:rPr>
+              <a:t>int</a:t>
+            </a:r>
+            <a:r>
+              <a:rPr lang="en-US" sz="1600" dirty="0" smtClean="0">
+                <a:solidFill>
+                  <a:srgbClr val="000000"/>
+                </a:solidFill>
+                <a:latin typeface="Consolas"/>
+              </a:rPr>
+              <a:t> </a:t>
+            </a:r>
+            <a:r>
+              <a:rPr lang="en-US" sz="1600" dirty="0" err="1">
+                <a:solidFill>
+                  <a:srgbClr val="000000"/>
+                </a:solidFill>
+                <a:latin typeface="Consolas"/>
+              </a:rPr>
+              <a:t>idx</a:t>
+            </a:r>
+            <a:r>
+              <a:rPr lang="en-US" sz="1600" dirty="0">
+                <a:solidFill>
+                  <a:srgbClr val="000000"/>
+                </a:solidFill>
+                <a:latin typeface="Consolas"/>
+              </a:rPr>
+              <a:t> = </a:t>
+            </a:r>
+            <a:r>
+              <a:rPr lang="en-US" sz="1600" dirty="0" err="1">
+                <a:solidFill>
+                  <a:srgbClr val="000000"/>
+                </a:solidFill>
+                <a:latin typeface="Consolas"/>
+              </a:rPr>
+              <a:t>blockIdx.x</a:t>
+            </a:r>
+            <a:r>
+              <a:rPr lang="en-US" sz="1600" dirty="0">
+                <a:solidFill>
+                  <a:srgbClr val="000000"/>
+                </a:solidFill>
+                <a:latin typeface="Consolas"/>
+              </a:rPr>
+              <a:t> * </a:t>
+            </a:r>
+            <a:r>
+              <a:rPr lang="en-US" sz="1600" dirty="0" err="1">
+                <a:solidFill>
+                  <a:srgbClr val="000000"/>
+                </a:solidFill>
+                <a:latin typeface="Consolas"/>
+              </a:rPr>
+              <a:t>blockDim.x</a:t>
+            </a:r>
+            <a:r>
+              <a:rPr lang="en-US" sz="1600" dirty="0">
+                <a:solidFill>
+                  <a:srgbClr val="000000"/>
+                </a:solidFill>
+                <a:latin typeface="Consolas"/>
+              </a:rPr>
+              <a:t> + </a:t>
+            </a:r>
+            <a:r>
+              <a:rPr lang="en-US" sz="1600" dirty="0" err="1">
+                <a:solidFill>
+                  <a:srgbClr val="000000"/>
+                </a:solidFill>
+                <a:latin typeface="Consolas"/>
+              </a:rPr>
+              <a:t>threadIdx.x</a:t>
+            </a:r>
+            <a:r>
+              <a:rPr lang="en-US" sz="1600" dirty="0">
+                <a:solidFill>
+                  <a:srgbClr val="000000"/>
+                </a:solidFill>
+                <a:latin typeface="Consolas"/>
+              </a:rPr>
+              <a:t>; </a:t>
+            </a:r>
+          </a:p>
+          <a:p>
+            <a:r>
+              <a:rPr lang="ru-RU" sz="1600" dirty="0" smtClean="0">
+                <a:solidFill>
+                  <a:srgbClr val="0000FF"/>
+                </a:solidFill>
+                <a:latin typeface="Consolas"/>
+              </a:rPr>
+              <a:t>	</a:t>
+            </a:r>
+            <a:r>
+              <a:rPr lang="en-US" sz="1600" dirty="0" smtClean="0">
+                <a:solidFill>
+                  <a:srgbClr val="0000FF"/>
+                </a:solidFill>
+                <a:latin typeface="Consolas"/>
+              </a:rPr>
+              <a:t>for</a:t>
+            </a:r>
+            <a:r>
+              <a:rPr lang="en-US" sz="1600" dirty="0" smtClean="0">
+                <a:solidFill>
+                  <a:srgbClr val="000000"/>
+                </a:solidFill>
+                <a:latin typeface="Consolas"/>
+              </a:rPr>
+              <a:t> </a:t>
+            </a:r>
+            <a:r>
+              <a:rPr lang="en-US" sz="1600" dirty="0">
+                <a:solidFill>
+                  <a:srgbClr val="000000"/>
+                </a:solidFill>
+                <a:latin typeface="Consolas"/>
+              </a:rPr>
+              <a:t>(</a:t>
+            </a:r>
+            <a:r>
+              <a:rPr lang="en-US" sz="1600" dirty="0" err="1">
+                <a:solidFill>
+                  <a:srgbClr val="0000FF"/>
+                </a:solidFill>
+                <a:latin typeface="Consolas"/>
+              </a:rPr>
+              <a:t>int</a:t>
+            </a:r>
+            <a:r>
+              <a:rPr lang="en-US" sz="1600" dirty="0">
+                <a:solidFill>
+                  <a:srgbClr val="000000"/>
+                </a:solidFill>
+                <a:latin typeface="Consolas"/>
+              </a:rPr>
+              <a:t> i = </a:t>
+            </a:r>
+            <a:r>
+              <a:rPr lang="en-US" sz="1600" dirty="0" err="1">
+                <a:solidFill>
+                  <a:srgbClr val="000000"/>
+                </a:solidFill>
+                <a:latin typeface="Consolas"/>
+              </a:rPr>
+              <a:t>idx</a:t>
+            </a:r>
+            <a:r>
+              <a:rPr lang="en-US" sz="1600" dirty="0">
+                <a:solidFill>
+                  <a:srgbClr val="000000"/>
+                </a:solidFill>
+                <a:latin typeface="Consolas"/>
+              </a:rPr>
+              <a:t>; i &lt; N; i += </a:t>
+            </a:r>
+            <a:r>
+              <a:rPr lang="en-US" sz="1600" dirty="0" err="1">
+                <a:solidFill>
+                  <a:srgbClr val="000000"/>
+                </a:solidFill>
+                <a:latin typeface="Consolas"/>
+              </a:rPr>
+              <a:t>blockDim.x</a:t>
+            </a:r>
+            <a:r>
+              <a:rPr lang="en-US" sz="1600" dirty="0">
+                <a:solidFill>
+                  <a:srgbClr val="000000"/>
+                </a:solidFill>
+                <a:latin typeface="Consolas"/>
+              </a:rPr>
+              <a:t> * </a:t>
+            </a:r>
+            <a:r>
+              <a:rPr lang="en-US" sz="1600" dirty="0" err="1">
+                <a:solidFill>
+                  <a:srgbClr val="000000"/>
+                </a:solidFill>
+                <a:latin typeface="Consolas"/>
+              </a:rPr>
+              <a:t>gridDim.x</a:t>
+            </a:r>
+            <a:r>
+              <a:rPr lang="en-US" sz="1600" dirty="0" smtClean="0">
+                <a:solidFill>
+                  <a:srgbClr val="000000"/>
+                </a:solidFill>
+                <a:latin typeface="Consolas"/>
+              </a:rPr>
+              <a:t>)</a:t>
+            </a:r>
+            <a:r>
+              <a:rPr lang="ru-RU" sz="1600" dirty="0" smtClean="0">
+                <a:solidFill>
+                  <a:srgbClr val="000000"/>
+                </a:solidFill>
+                <a:latin typeface="Consolas"/>
+              </a:rPr>
+              <a:t>				</a:t>
+            </a:r>
+            <a:r>
+              <a:rPr lang="en-US" sz="1600" dirty="0" err="1" smtClean="0">
+                <a:solidFill>
+                  <a:srgbClr val="000000"/>
+                </a:solidFill>
+                <a:latin typeface="Consolas"/>
+              </a:rPr>
+              <a:t>d_out</a:t>
+            </a:r>
+            <a:r>
+              <a:rPr lang="en-US" sz="1600" dirty="0" smtClean="0">
+                <a:solidFill>
+                  <a:srgbClr val="000000"/>
+                </a:solidFill>
+                <a:latin typeface="Consolas"/>
+              </a:rPr>
+              <a:t>[i</a:t>
+            </a:r>
+            <a:r>
+              <a:rPr lang="en-US" sz="1600" dirty="0">
+                <a:solidFill>
+                  <a:srgbClr val="000000"/>
+                </a:solidFill>
+                <a:latin typeface="Consolas"/>
+              </a:rPr>
+              <a:t>] = </a:t>
+            </a:r>
+            <a:r>
+              <a:rPr lang="en-US" sz="1600" dirty="0" err="1">
+                <a:solidFill>
+                  <a:srgbClr val="000000"/>
+                </a:solidFill>
+                <a:latin typeface="Consolas"/>
+              </a:rPr>
+              <a:t>d_in</a:t>
+            </a:r>
+            <a:r>
+              <a:rPr lang="en-US" sz="1600" dirty="0">
+                <a:solidFill>
+                  <a:srgbClr val="000000"/>
+                </a:solidFill>
+                <a:latin typeface="Consolas"/>
+              </a:rPr>
+              <a:t>[i]; </a:t>
+            </a:r>
+            <a:r>
+              <a:rPr lang="en-US" sz="1600" dirty="0" smtClean="0">
+                <a:solidFill>
+                  <a:srgbClr val="000000"/>
+                </a:solidFill>
+                <a:latin typeface="Consolas"/>
+              </a:rPr>
+              <a:t> </a:t>
+            </a:r>
+            <a:endParaRPr lang="en-US" sz="1600" dirty="0">
+              <a:solidFill>
+                <a:srgbClr val="000000"/>
+              </a:solidFill>
+              <a:latin typeface="Consolas"/>
+            </a:endParaRPr>
+          </a:p>
+          <a:p>
+            <a:r>
+              <a:rPr lang="en-US" sz="1600" dirty="0">
+                <a:solidFill>
+                  <a:srgbClr val="000000"/>
+                </a:solidFill>
+                <a:latin typeface="Consolas"/>
+              </a:rPr>
+              <a:t>}</a:t>
+            </a:r>
+            <a:endParaRPr lang="en-US" sz="1600" b="0" dirty="0">
+              <a:solidFill>
+                <a:srgbClr val="000000"/>
+              </a:solidFill>
+              <a:effectLst/>
+              <a:latin typeface="Consolas"/>
+            </a:endParaRPr>
+          </a:p>
+        </p:txBody>
+      </p:sp>
+      <p:sp>
+        <p:nvSpPr>
+          <p:cNvPr id="4" name="Прямоугольник 3"/>
+          <p:cNvSpPr/>
+          <p:nvPr/>
+        </p:nvSpPr>
+        <p:spPr>
+          <a:xfrm>
+            <a:off x="179512" y="4121785"/>
+            <a:ext cx="8856984" cy="1569660"/>
+          </a:xfrm>
+          <a:prstGeom prst="rect">
+            <a:avLst/>
+          </a:prstGeom>
+        </p:spPr>
+        <p:txBody>
+          <a:bodyPr wrap="square">
+            <a:spAutoFit/>
+          </a:bodyPr>
+          <a:lstStyle/>
+          <a:p>
+            <a:r>
+              <a:rPr lang="en-US" sz="1600" dirty="0">
+                <a:solidFill>
+                  <a:srgbClr val="000000"/>
+                </a:solidFill>
+                <a:latin typeface="Consolas"/>
+              </a:rPr>
+              <a:t>__global__ </a:t>
+            </a:r>
+            <a:r>
+              <a:rPr lang="en-US" sz="1600" dirty="0">
+                <a:solidFill>
+                  <a:srgbClr val="0000FF"/>
+                </a:solidFill>
+                <a:latin typeface="Consolas"/>
+              </a:rPr>
+              <a:t>void</a:t>
+            </a:r>
+            <a:r>
+              <a:rPr lang="en-US" sz="1600" dirty="0">
+                <a:solidFill>
+                  <a:srgbClr val="000000"/>
+                </a:solidFill>
+                <a:latin typeface="Consolas"/>
+              </a:rPr>
+              <a:t> device_copy_vector4_kernel(</a:t>
+            </a:r>
+            <a:r>
+              <a:rPr lang="en-US" sz="1600" dirty="0" err="1">
+                <a:solidFill>
+                  <a:srgbClr val="0000FF"/>
+                </a:solidFill>
+                <a:latin typeface="Consolas"/>
+              </a:rPr>
+              <a:t>int</a:t>
+            </a:r>
+            <a:r>
+              <a:rPr lang="en-US" sz="1600" dirty="0">
+                <a:solidFill>
+                  <a:srgbClr val="000000"/>
+                </a:solidFill>
+                <a:latin typeface="Consolas"/>
+              </a:rPr>
+              <a:t>* </a:t>
+            </a:r>
+            <a:r>
+              <a:rPr lang="en-US" sz="1600" dirty="0" err="1">
+                <a:solidFill>
+                  <a:srgbClr val="000000"/>
+                </a:solidFill>
+                <a:latin typeface="Consolas"/>
+              </a:rPr>
+              <a:t>d_in</a:t>
+            </a:r>
+            <a:r>
+              <a:rPr lang="en-US" sz="1600" dirty="0">
+                <a:solidFill>
+                  <a:srgbClr val="000000"/>
+                </a:solidFill>
+                <a:latin typeface="Consolas"/>
+              </a:rPr>
+              <a:t>, </a:t>
+            </a:r>
+            <a:r>
+              <a:rPr lang="en-US" sz="1600" dirty="0" err="1">
+                <a:solidFill>
+                  <a:srgbClr val="0000FF"/>
+                </a:solidFill>
+                <a:latin typeface="Consolas"/>
+              </a:rPr>
+              <a:t>int</a:t>
+            </a:r>
+            <a:r>
+              <a:rPr lang="en-US" sz="1600" dirty="0">
+                <a:solidFill>
+                  <a:srgbClr val="000000"/>
+                </a:solidFill>
+                <a:latin typeface="Consolas"/>
+              </a:rPr>
+              <a:t>* </a:t>
+            </a:r>
+            <a:r>
+              <a:rPr lang="en-US" sz="1600" dirty="0" err="1">
+                <a:solidFill>
+                  <a:srgbClr val="000000"/>
+                </a:solidFill>
+                <a:latin typeface="Consolas"/>
+              </a:rPr>
+              <a:t>d_out</a:t>
+            </a:r>
+            <a:r>
+              <a:rPr lang="en-US" sz="1600" dirty="0">
+                <a:solidFill>
+                  <a:srgbClr val="000000"/>
+                </a:solidFill>
+                <a:latin typeface="Consolas"/>
+              </a:rPr>
+              <a:t>, </a:t>
+            </a:r>
+            <a:r>
+              <a:rPr lang="en-US" sz="1600" dirty="0" err="1">
+                <a:solidFill>
+                  <a:srgbClr val="0000FF"/>
+                </a:solidFill>
+                <a:latin typeface="Consolas"/>
+              </a:rPr>
+              <a:t>int</a:t>
+            </a:r>
+            <a:r>
+              <a:rPr lang="en-US" sz="1600" dirty="0">
+                <a:solidFill>
+                  <a:srgbClr val="000000"/>
+                </a:solidFill>
+                <a:latin typeface="Consolas"/>
+              </a:rPr>
+              <a:t> N) {</a:t>
+            </a:r>
+          </a:p>
+          <a:p>
+            <a:r>
+              <a:rPr lang="ru-RU" sz="1600" dirty="0" smtClean="0">
+                <a:solidFill>
+                  <a:srgbClr val="0000FF"/>
+                </a:solidFill>
+                <a:latin typeface="Consolas"/>
+              </a:rPr>
+              <a:t>	</a:t>
+            </a:r>
+            <a:r>
+              <a:rPr lang="en-US" sz="1600" dirty="0" err="1" smtClean="0">
+                <a:solidFill>
+                  <a:srgbClr val="0000FF"/>
+                </a:solidFill>
+                <a:latin typeface="Consolas"/>
+              </a:rPr>
+              <a:t>int</a:t>
+            </a:r>
+            <a:r>
+              <a:rPr lang="en-US" sz="1600" dirty="0" smtClean="0">
+                <a:solidFill>
+                  <a:srgbClr val="000000"/>
+                </a:solidFill>
+                <a:latin typeface="Consolas"/>
+              </a:rPr>
+              <a:t> </a:t>
+            </a:r>
+            <a:r>
+              <a:rPr lang="en-US" sz="1600" dirty="0" err="1">
+                <a:solidFill>
+                  <a:srgbClr val="000000"/>
+                </a:solidFill>
+                <a:latin typeface="Consolas"/>
+              </a:rPr>
+              <a:t>idx</a:t>
+            </a:r>
+            <a:r>
+              <a:rPr lang="en-US" sz="1600" dirty="0">
+                <a:solidFill>
+                  <a:srgbClr val="000000"/>
+                </a:solidFill>
+                <a:latin typeface="Consolas"/>
+              </a:rPr>
+              <a:t> = </a:t>
+            </a:r>
+            <a:r>
+              <a:rPr lang="en-US" sz="1600" dirty="0" err="1">
+                <a:solidFill>
+                  <a:srgbClr val="000000"/>
+                </a:solidFill>
+                <a:latin typeface="Consolas"/>
+              </a:rPr>
+              <a:t>blockIdx.x</a:t>
+            </a:r>
+            <a:r>
+              <a:rPr lang="en-US" sz="1600" dirty="0">
+                <a:solidFill>
+                  <a:srgbClr val="000000"/>
+                </a:solidFill>
+                <a:latin typeface="Consolas"/>
+              </a:rPr>
+              <a:t> * </a:t>
+            </a:r>
+            <a:r>
+              <a:rPr lang="en-US" sz="1600" dirty="0" err="1">
+                <a:solidFill>
+                  <a:srgbClr val="000000"/>
+                </a:solidFill>
+                <a:latin typeface="Consolas"/>
+              </a:rPr>
+              <a:t>blockDim.x</a:t>
+            </a:r>
+            <a:r>
+              <a:rPr lang="en-US" sz="1600" dirty="0">
+                <a:solidFill>
+                  <a:srgbClr val="000000"/>
+                </a:solidFill>
+                <a:latin typeface="Consolas"/>
+              </a:rPr>
+              <a:t> + </a:t>
+            </a:r>
+            <a:r>
+              <a:rPr lang="en-US" sz="1600" dirty="0" err="1">
+                <a:solidFill>
+                  <a:srgbClr val="000000"/>
+                </a:solidFill>
+                <a:latin typeface="Consolas"/>
+              </a:rPr>
+              <a:t>threadIdx.x</a:t>
+            </a:r>
+            <a:r>
+              <a:rPr lang="en-US" sz="1600" dirty="0">
+                <a:solidFill>
+                  <a:srgbClr val="000000"/>
+                </a:solidFill>
+                <a:latin typeface="Consolas"/>
+              </a:rPr>
+              <a:t>;</a:t>
+            </a:r>
+          </a:p>
+          <a:p>
+            <a:r>
+              <a:rPr lang="ru-RU" sz="1600" dirty="0" smtClean="0">
+                <a:solidFill>
+                  <a:srgbClr val="0000FF"/>
+                </a:solidFill>
+                <a:latin typeface="Consolas"/>
+              </a:rPr>
+              <a:t>	</a:t>
+            </a:r>
+            <a:r>
+              <a:rPr lang="en-US" sz="1600" dirty="0" smtClean="0">
+                <a:solidFill>
+                  <a:srgbClr val="0000FF"/>
+                </a:solidFill>
+                <a:latin typeface="Consolas"/>
+              </a:rPr>
+              <a:t>for</a:t>
+            </a:r>
+            <a:r>
+              <a:rPr lang="en-US" sz="1600" dirty="0" smtClean="0">
+                <a:solidFill>
+                  <a:srgbClr val="000000"/>
+                </a:solidFill>
+                <a:latin typeface="Consolas"/>
+              </a:rPr>
+              <a:t>(</a:t>
+            </a:r>
+            <a:r>
+              <a:rPr lang="en-US" sz="1600" dirty="0" err="1" smtClean="0">
+                <a:solidFill>
+                  <a:srgbClr val="0000FF"/>
+                </a:solidFill>
+                <a:latin typeface="Consolas"/>
+              </a:rPr>
+              <a:t>int</a:t>
+            </a:r>
+            <a:r>
+              <a:rPr lang="en-US" sz="1600" dirty="0" smtClean="0">
+                <a:solidFill>
+                  <a:srgbClr val="000000"/>
+                </a:solidFill>
+                <a:latin typeface="Consolas"/>
+              </a:rPr>
+              <a:t> </a:t>
+            </a:r>
+            <a:r>
+              <a:rPr lang="en-US" sz="1600" dirty="0">
+                <a:solidFill>
+                  <a:srgbClr val="000000"/>
+                </a:solidFill>
+                <a:latin typeface="Consolas"/>
+              </a:rPr>
+              <a:t>i = </a:t>
+            </a:r>
+            <a:r>
+              <a:rPr lang="en-US" sz="1600" dirty="0" err="1">
+                <a:solidFill>
+                  <a:srgbClr val="000000"/>
+                </a:solidFill>
+                <a:latin typeface="Consolas"/>
+              </a:rPr>
+              <a:t>idx</a:t>
+            </a:r>
+            <a:r>
+              <a:rPr lang="en-US" sz="1600" dirty="0">
+                <a:solidFill>
+                  <a:srgbClr val="000000"/>
+                </a:solidFill>
+                <a:latin typeface="Consolas"/>
+              </a:rPr>
+              <a:t>; i &lt; N/</a:t>
+            </a:r>
+            <a:r>
+              <a:rPr lang="en-US" sz="1600" dirty="0">
+                <a:solidFill>
+                  <a:srgbClr val="09885A"/>
+                </a:solidFill>
+                <a:latin typeface="Consolas"/>
+              </a:rPr>
+              <a:t>4</a:t>
+            </a:r>
+            <a:r>
+              <a:rPr lang="en-US" sz="1600" dirty="0">
+                <a:solidFill>
+                  <a:srgbClr val="000000"/>
+                </a:solidFill>
+                <a:latin typeface="Consolas"/>
+              </a:rPr>
+              <a:t>; i += </a:t>
+            </a:r>
+            <a:r>
+              <a:rPr lang="en-US" sz="1600" dirty="0" err="1">
+                <a:solidFill>
+                  <a:srgbClr val="000000"/>
+                </a:solidFill>
+                <a:latin typeface="Consolas"/>
+              </a:rPr>
+              <a:t>blockDim.x</a:t>
+            </a:r>
+            <a:r>
+              <a:rPr lang="en-US" sz="1600" dirty="0">
+                <a:solidFill>
+                  <a:srgbClr val="000000"/>
+                </a:solidFill>
+                <a:latin typeface="Consolas"/>
+              </a:rPr>
+              <a:t> * </a:t>
+            </a:r>
+            <a:r>
+              <a:rPr lang="en-US" sz="1600" dirty="0" err="1">
+                <a:solidFill>
+                  <a:srgbClr val="000000"/>
+                </a:solidFill>
+                <a:latin typeface="Consolas"/>
+              </a:rPr>
+              <a:t>gridDim.x</a:t>
+            </a:r>
+            <a:r>
+              <a:rPr lang="en-US" sz="1600" dirty="0" smtClean="0">
+                <a:solidFill>
+                  <a:srgbClr val="000000"/>
+                </a:solidFill>
+                <a:latin typeface="Consolas"/>
+              </a:rPr>
+              <a:t>)</a:t>
+            </a:r>
+            <a:endParaRPr lang="en-US" sz="1600" dirty="0">
+              <a:solidFill>
+                <a:srgbClr val="000000"/>
+              </a:solidFill>
+              <a:latin typeface="Consolas"/>
+            </a:endParaRPr>
+          </a:p>
+          <a:p>
+            <a:r>
+              <a:rPr lang="ru-RU" sz="1600" dirty="0" smtClean="0">
+                <a:solidFill>
+                  <a:srgbClr val="0000FF"/>
+                </a:solidFill>
+                <a:latin typeface="Consolas"/>
+              </a:rPr>
+              <a:t>		</a:t>
+            </a:r>
+            <a:r>
+              <a:rPr lang="en-US" sz="1600" dirty="0" err="1" smtClean="0">
+                <a:solidFill>
+                  <a:srgbClr val="0000FF"/>
+                </a:solidFill>
+                <a:latin typeface="Consolas"/>
+              </a:rPr>
+              <a:t>reinterpret_cast</a:t>
+            </a:r>
+            <a:r>
+              <a:rPr lang="en-US" sz="1600" dirty="0" smtClean="0">
+                <a:solidFill>
+                  <a:srgbClr val="000000"/>
+                </a:solidFill>
+                <a:latin typeface="Consolas"/>
+              </a:rPr>
+              <a:t>&lt;int4</a:t>
+            </a:r>
+            <a:r>
+              <a:rPr lang="en-US" sz="1600" dirty="0">
+                <a:solidFill>
+                  <a:srgbClr val="000000"/>
+                </a:solidFill>
+                <a:latin typeface="Consolas"/>
+              </a:rPr>
+              <a:t>*&gt;(</a:t>
+            </a:r>
+            <a:r>
+              <a:rPr lang="en-US" sz="1600" dirty="0" err="1">
+                <a:solidFill>
+                  <a:srgbClr val="000000"/>
+                </a:solidFill>
+                <a:latin typeface="Consolas"/>
+              </a:rPr>
+              <a:t>d_out</a:t>
+            </a:r>
+            <a:r>
+              <a:rPr lang="en-US" sz="1600" dirty="0">
+                <a:solidFill>
+                  <a:srgbClr val="000000"/>
+                </a:solidFill>
+                <a:latin typeface="Consolas"/>
+              </a:rPr>
+              <a:t>)[i] = </a:t>
+            </a:r>
+            <a:r>
+              <a:rPr lang="ru-RU" sz="1600" dirty="0" smtClean="0">
+                <a:solidFill>
+                  <a:srgbClr val="000000"/>
+                </a:solidFill>
+                <a:latin typeface="Consolas"/>
+              </a:rPr>
+              <a:t>						</a:t>
+            </a:r>
+            <a:r>
+              <a:rPr lang="en-US" sz="1600" dirty="0" err="1" smtClean="0">
+                <a:solidFill>
+                  <a:srgbClr val="0000FF"/>
+                </a:solidFill>
+                <a:latin typeface="Consolas"/>
+              </a:rPr>
+              <a:t>reinterpret_cast</a:t>
+            </a:r>
+            <a:r>
+              <a:rPr lang="en-US" sz="1600" dirty="0" smtClean="0">
+                <a:solidFill>
+                  <a:srgbClr val="000000"/>
+                </a:solidFill>
+                <a:latin typeface="Consolas"/>
+              </a:rPr>
+              <a:t>&lt;int4</a:t>
+            </a:r>
+            <a:r>
+              <a:rPr lang="en-US" sz="1600" dirty="0">
+                <a:solidFill>
+                  <a:srgbClr val="000000"/>
+                </a:solidFill>
+                <a:latin typeface="Consolas"/>
+              </a:rPr>
+              <a:t>*&gt;(</a:t>
+            </a:r>
+            <a:r>
+              <a:rPr lang="en-US" sz="1600" dirty="0" err="1">
+                <a:solidFill>
+                  <a:srgbClr val="000000"/>
+                </a:solidFill>
+                <a:latin typeface="Consolas"/>
+              </a:rPr>
+              <a:t>d_in</a:t>
+            </a:r>
+            <a:r>
+              <a:rPr lang="en-US" sz="1600" dirty="0">
+                <a:solidFill>
+                  <a:srgbClr val="000000"/>
+                </a:solidFill>
+                <a:latin typeface="Consolas"/>
+              </a:rPr>
+              <a:t>)[i];</a:t>
+            </a:r>
+          </a:p>
+          <a:p>
+            <a:r>
+              <a:rPr lang="en-US" sz="1600" dirty="0">
+                <a:solidFill>
+                  <a:srgbClr val="000000"/>
+                </a:solidFill>
+                <a:latin typeface="Consolas"/>
+              </a:rPr>
+              <a:t>}</a:t>
+            </a:r>
+            <a:endParaRPr lang="en-US" sz="1600" b="0" dirty="0">
+              <a:solidFill>
+                <a:srgbClr val="000000"/>
+              </a:solidFill>
+              <a:effectLst/>
+              <a:latin typeface="Consolas"/>
+            </a:endParaRPr>
+          </a:p>
+        </p:txBody>
+      </p:sp>
+      <p:sp>
+        <p:nvSpPr>
+          <p:cNvPr id="5" name="Стрелка вниз 4"/>
+          <p:cNvSpPr/>
+          <p:nvPr/>
+        </p:nvSpPr>
+        <p:spPr>
+          <a:xfrm>
+            <a:off x="4329684" y="2957393"/>
+            <a:ext cx="484632" cy="831647"/>
+          </a:xfrm>
+          <a:prstGeom prst="downArrow">
+            <a:avLst/>
+          </a:prstGeom>
+        </p:spPr>
+        <p:style>
+          <a:lnRef idx="2">
+            <a:schemeClr val="accent1">
+              <a:shade val="50000"/>
+            </a:schemeClr>
+          </a:lnRef>
+          <a:fillRef idx="1">
+            <a:schemeClr val="accent1"/>
+          </a:fillRef>
+          <a:effectRef idx="0">
+            <a:schemeClr val="accent1"/>
+          </a:effectRef>
+          <a:fontRef idx="minor">
+            <a:schemeClr val="lt1"/>
+          </a:fontRef>
+        </p:style>
+        <p:txBody>
+          <a:bodyPr rtlCol="0" anchor="ctr"/>
+          <a:lstStyle/>
+          <a:p>
+            <a:pPr algn="ctr"/>
+            <a:endParaRPr lang="ru-RU"/>
+          </a:p>
+        </p:txBody>
+      </p:sp>
+    </p:spTree>
+    <p:extLst>
+      <p:ext uri="{BB962C8B-B14F-4D97-AF65-F5344CB8AC3E}">
+        <p14:creationId xmlns:p14="http://schemas.microsoft.com/office/powerpoint/2010/main" val="1714347219"/>
+      </p:ext>
+    </p:extLst>
+  </p:cSld>
+  <p:clrMapOvr>
+    <a:masterClrMapping/>
+  </p:clrMapOvr>
+  <p:timing>
+    <p:tnLst>
+      <p:par>
+        <p:cTn id="1" dur="indefinite" restart="never" nodeType="tmRoot"/>
+      </p:par>
+    </p:tnLst>
+  </p:timing>
+</p:sld>
+</file>
+
+<file path=ppt/slides/slide25.xml><?xml version="1.0" encoding="utf-8"?>
+<p:sld xmlns:a="http://schemas.openxmlformats.org/drawingml/2006/main" xmlns:r="http://schemas.openxmlformats.org/officeDocument/2006/relationships" xmlns:p="http://schemas.openxmlformats.org/presentationml/2006/main">
+  <p:cSld>
+    <p:spTree>
+      <p:nvGrpSpPr>
+        <p:cNvPr id="1" name=""/>
+        <p:cNvGrpSpPr/>
+        <p:nvPr/>
+      </p:nvGrpSpPr>
+      <p:grpSpPr>
+        <a:xfrm>
+          <a:off x="0" y="0"/>
+          <a:ext cx="0" cy="0"/>
+          <a:chOff x="0" y="0"/>
+          <a:chExt cx="0" cy="0"/>
+        </a:xfrm>
+      </p:grpSpPr>
+      <p:sp>
+        <p:nvSpPr>
+          <p:cNvPr id="13" name="Объект 2"/>
+          <p:cNvSpPr>
+            <a:spLocks noGrp="1"/>
+          </p:cNvSpPr>
+          <p:nvPr>
+            <p:ph idx="1"/>
+          </p:nvPr>
+        </p:nvSpPr>
+        <p:spPr>
+          <a:xfrm>
+            <a:off x="539552" y="1481329"/>
+            <a:ext cx="8147248" cy="4467952"/>
+          </a:xfrm>
+        </p:spPr>
+        <p:txBody>
+          <a:bodyPr vert="horz">
+            <a:normAutofit/>
+          </a:bodyPr>
+          <a:lstStyle/>
+          <a:p>
+            <a:r>
+              <a:rPr lang="ru-RU" sz="2800" dirty="0" smtClean="0">
+                <a:latin typeface="PT Sans" pitchFamily="34" charset="-52"/>
+                <a:ea typeface="PT Sans" pitchFamily="34" charset="-52"/>
+              </a:rPr>
+              <a:t>Вариант редукции с векторизацией и использованием </a:t>
+            </a:r>
+            <a:r>
+              <a:rPr lang="en-US" sz="2800" dirty="0" smtClean="0">
+                <a:latin typeface="PT Sans" pitchFamily="34" charset="-52"/>
+                <a:ea typeface="PT Sans" pitchFamily="34" charset="-52"/>
+              </a:rPr>
+              <a:t>cooperative groups(CG)</a:t>
+            </a:r>
+            <a:endParaRPr lang="ru-RU" sz="2800" dirty="0" smtClean="0">
+              <a:latin typeface="PT Sans" pitchFamily="34" charset="-52"/>
+              <a:ea typeface="PT Sans" pitchFamily="34" charset="-52"/>
+            </a:endParaRPr>
+          </a:p>
+          <a:p>
+            <a:pPr lvl="1"/>
+            <a:r>
+              <a:rPr lang="ru-RU" sz="2400" dirty="0" smtClean="0">
+                <a:latin typeface="PT Sans" pitchFamily="34" charset="-52"/>
+                <a:ea typeface="PT Sans" pitchFamily="34" charset="-52"/>
+              </a:rPr>
+              <a:t>Каждая нить пробегает по массиву складывая по 4 элемента за раз</a:t>
+            </a:r>
+          </a:p>
+          <a:p>
+            <a:pPr lvl="1"/>
+            <a:r>
+              <a:rPr lang="ru-RU" sz="2400" dirty="0" smtClean="0">
+                <a:latin typeface="PT Sans" pitchFamily="34" charset="-52"/>
+                <a:ea typeface="PT Sans" pitchFamily="34" charset="-52"/>
+              </a:rPr>
+              <a:t>Каждый блок получает частичную сумму, потом атомарно складывает результат с итоговой суммой</a:t>
+            </a:r>
+          </a:p>
+        </p:txBody>
+      </p:sp>
+      <p:sp>
+        <p:nvSpPr>
+          <p:cNvPr id="10" name="Заголовок 9"/>
+          <p:cNvSpPr>
+            <a:spLocks noGrp="1"/>
+          </p:cNvSpPr>
+          <p:nvPr>
+            <p:ph type="title"/>
+          </p:nvPr>
+        </p:nvSpPr>
+        <p:spPr/>
+        <p:txBody>
+          <a:bodyPr vert="horz" rtlCol="0" anchor="ctr">
+            <a:normAutofit/>
+            <a:scene3d>
+              <a:camera prst="orthographicFront"/>
+              <a:lightRig rig="soft" dir="t"/>
+            </a:scene3d>
+            <a:sp3d prstMaterial="softEdge">
+              <a:bevelT w="25400" h="25400"/>
+            </a:sp3d>
+          </a:bodyPr>
+          <a:lstStyle/>
+          <a:p>
+            <a:r>
+              <a:rPr lang="ru-RU" sz="4000" dirty="0" smtClean="0">
+                <a:latin typeface="PT Sans" pitchFamily="34" charset="-52"/>
+                <a:ea typeface="PT Sans" pitchFamily="34" charset="-52"/>
+              </a:rPr>
+              <a:t>Векторизация</a:t>
+            </a:r>
+            <a:endParaRPr lang="ru-RU" sz="4000" dirty="0">
+              <a:latin typeface="PT Sans" pitchFamily="34" charset="-52"/>
+              <a:ea typeface="PT Sans" pitchFamily="34" charset="-52"/>
+            </a:endParaRPr>
+          </a:p>
+        </p:txBody>
+      </p:sp>
+    </p:spTree>
+    <p:extLst>
+      <p:ext uri="{BB962C8B-B14F-4D97-AF65-F5344CB8AC3E}">
+        <p14:creationId xmlns:p14="http://schemas.microsoft.com/office/powerpoint/2010/main" val="4222458403"/>
+      </p:ext>
+    </p:extLst>
+  </p:cSld>
+  <p:clrMapOvr>
+    <a:masterClrMapping/>
+  </p:clrMapOvr>
+  <p:timing>
+    <p:tnLst>
+      <p:par>
+        <p:cTn id="1" dur="indefinite" restart="never" nodeType="tmRoot"/>
+      </p:par>
+    </p:tnLst>
+  </p:timing>
+</p:sld>
+</file>
+
+<file path=ppt/slides/slide26.xml><?xml version="1.0" encoding="utf-8"?>
+<p:sld xmlns:a="http://schemas.openxmlformats.org/drawingml/2006/main" xmlns:r="http://schemas.openxmlformats.org/officeDocument/2006/relationships" xmlns:p="http://schemas.openxmlformats.org/presentationml/2006/main">
+  <p:cSld>
+    <p:spTree>
+      <p:nvGrpSpPr>
+        <p:cNvPr id="1" name=""/>
+        <p:cNvGrpSpPr/>
+        <p:nvPr/>
+      </p:nvGrpSpPr>
+      <p:grpSpPr>
+        <a:xfrm>
+          <a:off x="0" y="0"/>
+          <a:ext cx="0" cy="0"/>
+          <a:chOff x="0" y="0"/>
+          <a:chExt cx="0" cy="0"/>
+        </a:xfrm>
+      </p:grpSpPr>
+      <p:sp>
+        <p:nvSpPr>
           <p:cNvPr id="13" name="Объект 2"/>
           <p:cNvSpPr>
             <a:spLocks noGrp="1"/>
@@ -9336,7 +11396,7 @@
 </p:sld>
 </file>
 
-<file path=ppt/slides/slide21.xml><?xml version="1.0" encoding="utf-8"?>
+<file path=ppt/slides/slide27.xml><?xml version="1.0" encoding="utf-8"?>
 <p:sld xmlns:a="http://schemas.openxmlformats.org/drawingml/2006/main" xmlns:r="http://schemas.openxmlformats.org/officeDocument/2006/relationships" xmlns:p="http://schemas.openxmlformats.org/presentationml/2006/main">
   <p:cSld>
     <p:bg>
@@ -9568,14 +11628,7 @@
                 <a:latin typeface="PT Sans" pitchFamily="34" charset="-52"/>
                 <a:ea typeface="PT Sans" pitchFamily="34" charset="-52"/>
               </a:rPr>
-              <a:t>Последовательная реализация редукции </a:t>
-            </a:r>
-            <a:r>
-              <a:rPr lang="ru-RU" sz="2800" dirty="0" smtClean="0">
-                <a:latin typeface="PT Sans" pitchFamily="34" charset="-52"/>
-                <a:ea typeface="PT Sans" pitchFamily="34" charset="-52"/>
-              </a:rPr>
-              <a:t>тривиальна</a:t>
+              <a:t>Последовательная реализация редукции тривиальна</a:t>
             </a:r>
           </a:p>
           <a:p>
@@ -9773,30 +11826,16 @@
                 <a:latin typeface="PT Sans" pitchFamily="34" charset="-52"/>
                 <a:ea typeface="PT Sans" pitchFamily="34" charset="-52"/>
               </a:rPr>
-              <a:t>Метод «разделяй и </a:t>
-            </a:r>
+              <a:t>Метод «разделяй и властвуй»</a:t>
+            </a:r>
+          </a:p>
+          <a:p>
             <a:r>
               <a:rPr lang="ru-RU" sz="2800" dirty="0" smtClean="0">
                 <a:latin typeface="PT Sans" pitchFamily="34" charset="-52"/>
                 <a:ea typeface="PT Sans" pitchFamily="34" charset="-52"/>
               </a:rPr>
-              <a:t>властвуй»</a:t>
-            </a:r>
-          </a:p>
-          <a:p>
-            <a:r>
-              <a:rPr lang="ru-RU" sz="2800" dirty="0" smtClean="0">
-                <a:latin typeface="PT Sans" pitchFamily="34" charset="-52"/>
-                <a:ea typeface="PT Sans" pitchFamily="34" charset="-52"/>
-              </a:rPr>
-              <a:t>Исходный </a:t>
-            </a:r>
-            <a:r>
-              <a:rPr lang="ru-RU" sz="2800" dirty="0" smtClean="0">
-                <a:latin typeface="PT Sans" pitchFamily="34" charset="-52"/>
-                <a:ea typeface="PT Sans" pitchFamily="34" charset="-52"/>
-              </a:rPr>
-              <a:t>массив делится на части и каждую часть обрабатывает свой блок</a:t>
+              <a:t>Исходный массив делится на части и каждую часть обрабатывает свой блок</a:t>
             </a:r>
           </a:p>
           <a:p>
@@ -9818,26 +11857,8 @@
                 <a:latin typeface="PT Sans" pitchFamily="34" charset="-52"/>
                 <a:ea typeface="PT Sans" pitchFamily="34" charset="-52"/>
               </a:rPr>
-              <a:t>Если массив очень большой используется </a:t>
-            </a:r>
-            <a:r>
-              <a:rPr lang="ru-RU" sz="2800" dirty="0" smtClean="0">
-                <a:latin typeface="PT Sans" pitchFamily="34" charset="-52"/>
-                <a:ea typeface="PT Sans" pitchFamily="34" charset="-52"/>
-              </a:rPr>
-              <a:t>«</a:t>
-            </a:r>
-            <a:r>
-              <a:rPr lang="ru-RU" sz="2800" dirty="0" smtClean="0">
-                <a:latin typeface="PT Sans" pitchFamily="34" charset="-52"/>
-                <a:ea typeface="PT Sans" pitchFamily="34" charset="-52"/>
-              </a:rPr>
-              <a:t>сканирующее окно»</a:t>
-            </a:r>
-            <a:endParaRPr lang="ru-RU" sz="2800" dirty="0" smtClean="0">
-              <a:latin typeface="PT Sans" pitchFamily="34" charset="-52"/>
-              <a:ea typeface="PT Sans" pitchFamily="34" charset="-52"/>
-            </a:endParaRPr>
+              <a:t>Если массив очень большой используется «сканирующее окно»</a:t>
+            </a:r>
           </a:p>
         </p:txBody>
       </p:sp>
@@ -9916,8 +11937,8 @@
           <a:chExt cx="0" cy="0"/>
         </a:xfrm>
       </p:grpSpPr>
-      <mc:AlternateContent xmlns:mc="http://schemas.openxmlformats.org/markup-compatibility/2006">
-        <mc:Choice xmlns:a14="http://schemas.microsoft.com/office/drawing/2010/main" Requires="a14">
+      <mc:AlternateContent xmlns:mc="http://schemas.openxmlformats.org/markup-compatibility/2006" xmlns:a14="http://schemas.microsoft.com/office/drawing/2010/main">
+        <mc:Choice Requires="a14">
           <p:sp>
             <p:nvSpPr>
               <p:cNvPr id="13" name="Объект 2"/>
@@ -9986,21 +12007,7 @@
                     <a:latin typeface="PT Sans" pitchFamily="34" charset="-52"/>
                     <a:ea typeface="PT Sans" pitchFamily="34" charset="-52"/>
                   </a:rPr>
-                  <a:t>Количество </a:t>
-                </a:r>
-                <a:r>
-                  <a:rPr lang="ru-RU" sz="2800" dirty="0" smtClean="0">
-                    <a:latin typeface="PT Sans" pitchFamily="34" charset="-52"/>
-                    <a:ea typeface="PT Sans" pitchFamily="34" charset="-52"/>
-                  </a:rPr>
-                  <a:t>шагов </a:t>
-                </a:r>
-                <a:r>
-                  <a:rPr lang="ru-RU" sz="2800" dirty="0" smtClean="0">
-                    <a:latin typeface="PT Sans" pitchFamily="34" charset="-52"/>
-                    <a:ea typeface="PT Sans" pitchFamily="34" charset="-52"/>
-                  </a:rPr>
-                  <a:t>= </a:t>
+                  <a:t>Количество шагов = </a:t>
                 </a:r>
                 <a:r>
                   <a:rPr lang="en-US" sz="2800" dirty="0" smtClean="0">
@@ -10104,7 +12111,7 @@
             </p:txBody>
           </p:sp>
         </mc:Choice>
-        <mc:Fallback>
+        <mc:Fallback xmlns="">
           <p:sp>
             <p:nvSpPr>
               <p:cNvPr id="13" name="Объект 2"/>
@@ -10244,51 +12251,37 @@
                 <a:latin typeface="PT Sans" pitchFamily="34" charset="-52"/>
                 <a:ea typeface="PT Sans" pitchFamily="34" charset="-52"/>
               </a:rPr>
-              <a:t>В </a:t>
+              <a:t>В случае если </a:t>
+            </a:r>
+            <a:r>
+              <a:rPr lang="en-US" sz="2800" i="1" dirty="0" smtClean="0">
+                <a:latin typeface="PT Sans" pitchFamily="34" charset="-52"/>
+                <a:ea typeface="PT Sans" pitchFamily="34" charset="-52"/>
+              </a:rPr>
+              <a:t>op</a:t>
+            </a:r>
+            <a:r>
+              <a:rPr lang="en-US" sz="2800" dirty="0" smtClean="0">
+                <a:latin typeface="PT Sans" pitchFamily="34" charset="-52"/>
+                <a:ea typeface="PT Sans" pitchFamily="34" charset="-52"/>
+              </a:rPr>
+              <a:t> </a:t>
             </a:r>
             <a:r>
               <a:rPr lang="ru-RU" sz="2800" dirty="0" smtClean="0">
                 <a:latin typeface="PT Sans" pitchFamily="34" charset="-52"/>
                 <a:ea typeface="PT Sans" pitchFamily="34" charset="-52"/>
               </a:rPr>
-              <a:t>случае если </a:t>
-            </a:r>
-            <a:r>
-              <a:rPr lang="en-US" sz="2800" i="1" dirty="0" smtClean="0">
-                <a:latin typeface="PT Sans" pitchFamily="34" charset="-52"/>
-                <a:ea typeface="PT Sans" pitchFamily="34" charset="-52"/>
-              </a:rPr>
-              <a:t>op</a:t>
-            </a:r>
-            <a:r>
-              <a:rPr lang="en-US" sz="2800" dirty="0" smtClean="0">
-                <a:latin typeface="PT Sans" pitchFamily="34" charset="-52"/>
-                <a:ea typeface="PT Sans" pitchFamily="34" charset="-52"/>
-              </a:rPr>
-              <a:t> </a:t>
-            </a:r>
+              <a:t>– простая операция, производительность ограничена быстродействием памяти</a:t>
+            </a:r>
+          </a:p>
+          <a:p>
             <a:r>
               <a:rPr lang="ru-RU" sz="2800" dirty="0" smtClean="0">
                 <a:latin typeface="PT Sans" pitchFamily="34" charset="-52"/>
                 <a:ea typeface="PT Sans" pitchFamily="34" charset="-52"/>
               </a:rPr>
-              <a:t>– простая операция, производительность ограничена быстродействием памяти</a:t>
-            </a:r>
-          </a:p>
-          <a:p>
-            <a:r>
-              <a:rPr lang="ru-RU" sz="2800" dirty="0" smtClean="0">
-                <a:latin typeface="PT Sans" pitchFamily="34" charset="-52"/>
-                <a:ea typeface="PT Sans" pitchFamily="34" charset="-52"/>
-              </a:rPr>
-              <a:t>Оптимизация – создать буфер в разделяемой памяти для части массива обрабатываемой </a:t>
-            </a:r>
-            <a:r>
-              <a:rPr lang="ru-RU" sz="2800" dirty="0" smtClean="0">
-                <a:latin typeface="PT Sans" pitchFamily="34" charset="-52"/>
-                <a:ea typeface="PT Sans" pitchFamily="34" charset="-52"/>
-              </a:rPr>
-              <a:t>блоком</a:t>
+              <a:t>Оптимизация – создать буфер в разделяемой памяти для части массива обрабатываемой блоком</a:t>
             </a:r>
           </a:p>
           <a:p>
@@ -11399,10 +13392,6 @@
               </a:rPr>
               <a:t>Ветвление нитей</a:t>
             </a:r>
-            <a:endParaRPr lang="ru-RU" sz="4400" dirty="0">
-              <a:latin typeface="PT Sans" pitchFamily="34" charset="-52"/>
-              <a:ea typeface="PT Sans" pitchFamily="34" charset="-52"/>
-            </a:endParaRPr>
           </a:p>
         </p:txBody>
       </p:sp>
@@ -11534,14 +13523,7 @@
                 <a:latin typeface="PT Sans" pitchFamily="34" charset="-52"/>
                 <a:ea typeface="PT Sans" pitchFamily="34" charset="-52"/>
               </a:rPr>
-              <a:t>Пр</a:t>
-            </a:r>
-            <a:r>
-              <a:rPr lang="ru-RU" sz="2800" dirty="0" smtClean="0">
-                <a:latin typeface="PT Sans" pitchFamily="34" charset="-52"/>
-                <a:ea typeface="PT Sans" pitchFamily="34" charset="-52"/>
-              </a:rPr>
-              <a:t>и </a:t>
+              <a:t>При </a:t>
             </a:r>
             <a:r>
               <a:rPr lang="en-US" sz="2800" i="1" dirty="0" smtClean="0">
@@ -11796,10 +13778,6 @@
               </a:rPr>
               <a:t> </a:t>
             </a:r>
-            <a:endParaRPr lang="ru-RU" sz="2800" dirty="0" smtClean="0">
-              <a:latin typeface="PT Sans" pitchFamily="34" charset="-52"/>
-              <a:ea typeface="PT Sans" pitchFamily="34" charset="-52"/>
-            </a:endParaRPr>
           </a:p>
           <a:p>
             <a:r>
@@ -11807,14 +13785,7 @@
                 <a:latin typeface="PT Sans" pitchFamily="34" charset="-52"/>
                 <a:ea typeface="PT Sans" pitchFamily="34" charset="-52"/>
               </a:rPr>
-              <a:t>Решение – </a:t>
-            </a:r>
-            <a:r>
-              <a:rPr lang="ru-RU" sz="2800" dirty="0" smtClean="0">
-                <a:latin typeface="PT Sans" pitchFamily="34" charset="-52"/>
-                <a:ea typeface="PT Sans" pitchFamily="34" charset="-52"/>
-              </a:rPr>
-              <a:t>суммирование наиболее удаленных элементов</a:t>
+              <a:t>Решение – суммирование наиболее удаленных элементов</a:t>
             </a:r>
           </a:p>
         </p:txBody>
